--- a/hw02.pptx
+++ b/hw02.pptx
@@ -1,11 +1,26 @@
 
 <file path=ppt/presentation.xml><?xml version="1.0" encoding="utf-8"?>
-<p:presentation xmlns:a="http://schemas.openxmlformats.org/drawingml/2006/main" xmlns:r="http://schemas.openxmlformats.org/officeDocument/2006/relationships" xmlns:p="http://schemas.openxmlformats.org/presentationml/2006/main" saveSubsetFonts="1">
+<p:presentation xmlns:a="http://schemas.openxmlformats.org/drawingml/2006/main" xmlns:r="http://schemas.openxmlformats.org/officeDocument/2006/relationships" xmlns:p="http://schemas.openxmlformats.org/presentationml/2006/main" saveSubsetFonts="1" autoCompressPictures="0">
   <p:sldMasterIdLst>
     <p:sldMasterId id="2147483648" r:id="rId1"/>
   </p:sldMasterIdLst>
+  <p:notesMasterIdLst>
+    <p:notesMasterId r:id="rId15"/>
+  </p:notesMasterIdLst>
   <p:sldIdLst>
     <p:sldId id="256" r:id="rId2"/>
+    <p:sldId id="272" r:id="rId3"/>
+    <p:sldId id="258" r:id="rId4"/>
+    <p:sldId id="273" r:id="rId5"/>
+    <p:sldId id="274" r:id="rId6"/>
+    <p:sldId id="275" r:id="rId7"/>
+    <p:sldId id="259" r:id="rId8"/>
+    <p:sldId id="260" r:id="rId9"/>
+    <p:sldId id="262" r:id="rId10"/>
+    <p:sldId id="261" r:id="rId11"/>
+    <p:sldId id="264" r:id="rId12"/>
+    <p:sldId id="276" r:id="rId13"/>
+    <p:sldId id="263" r:id="rId14"/>
   </p:sldIdLst>
   <p:sldSz cx="12192000" cy="6858000"/>
   <p:notesSz cx="6858000" cy="9144000"/>
@@ -104,7 +119,1801 @@
       </a:defRPr>
     </a:lvl9pPr>
   </p:defaultTextStyle>
+  <p:extLst>
+    <p:ext uri="{EFAFB233-063F-42B5-8137-9DF3F51BA10A}">
+      <p15:sldGuideLst xmlns:p15="http://schemas.microsoft.com/office/powerpoint/2012/main"/>
+    </p:ext>
+  </p:extLst>
 </p:presentation>
+</file>
+
+<file path=ppt/notesMasters/notesMaster1.xml><?xml version="1.0" encoding="utf-8"?>
+<p:notesMaster xmlns:a="http://schemas.openxmlformats.org/drawingml/2006/main" xmlns:r="http://schemas.openxmlformats.org/officeDocument/2006/relationships" xmlns:p="http://schemas.openxmlformats.org/presentationml/2006/main">
+  <p:cSld>
+    <p:bg>
+      <p:bgRef idx="1001">
+        <a:schemeClr val="bg1"/>
+      </p:bgRef>
+    </p:bg>
+    <p:spTree>
+      <p:nvGrpSpPr>
+        <p:cNvPr id="1" name=""/>
+        <p:cNvGrpSpPr/>
+        <p:nvPr/>
+      </p:nvGrpSpPr>
+      <p:grpSpPr>
+        <a:xfrm>
+          <a:off x="0" y="0"/>
+          <a:ext cx="0" cy="0"/>
+          <a:chOff x="0" y="0"/>
+          <a:chExt cx="0" cy="0"/>
+        </a:xfrm>
+      </p:grpSpPr>
+      <p:sp>
+        <p:nvSpPr>
+          <p:cNvPr id="2" name="頁首版面配置區 1"/>
+          <p:cNvSpPr>
+            <a:spLocks noGrp="1"/>
+          </p:cNvSpPr>
+          <p:nvPr>
+            <p:ph type="hdr" sz="quarter"/>
+          </p:nvPr>
+        </p:nvSpPr>
+        <p:spPr>
+          <a:xfrm>
+            <a:off x="0" y="0"/>
+            <a:ext cx="2971800" cy="458788"/>
+          </a:xfrm>
+          <a:prstGeom prst="rect">
+            <a:avLst/>
+          </a:prstGeom>
+        </p:spPr>
+        <p:txBody>
+          <a:bodyPr vert="horz" lIns="91440" tIns="45720" rIns="91440" bIns="45720" rtlCol="0"/>
+          <a:lstStyle>
+            <a:lvl1pPr algn="l">
+              <a:defRPr sz="1200"/>
+            </a:lvl1pPr>
+          </a:lstStyle>
+          <a:p>
+            <a:endParaRPr kumimoji="1" lang="zh-TW" altLang="en-US"/>
+          </a:p>
+        </p:txBody>
+      </p:sp>
+      <p:sp>
+        <p:nvSpPr>
+          <p:cNvPr id="3" name="日期版面配置區 2"/>
+          <p:cNvSpPr>
+            <a:spLocks noGrp="1"/>
+          </p:cNvSpPr>
+          <p:nvPr>
+            <p:ph type="dt" idx="1"/>
+          </p:nvPr>
+        </p:nvSpPr>
+        <p:spPr>
+          <a:xfrm>
+            <a:off x="3884613" y="0"/>
+            <a:ext cx="2971800" cy="458788"/>
+          </a:xfrm>
+          <a:prstGeom prst="rect">
+            <a:avLst/>
+          </a:prstGeom>
+        </p:spPr>
+        <p:txBody>
+          <a:bodyPr vert="horz" lIns="91440" tIns="45720" rIns="91440" bIns="45720" rtlCol="0"/>
+          <a:lstStyle>
+            <a:lvl1pPr algn="r">
+              <a:defRPr sz="1200"/>
+            </a:lvl1pPr>
+          </a:lstStyle>
+          <a:p>
+            <a:fld id="{0B82457B-E4B2-A141-A5CD-E508E1351C9C}" type="datetimeFigureOut">
+              <a:rPr kumimoji="1" lang="zh-TW" altLang="en-US" smtClean="0"/>
+              <a:t>2024/10/23</a:t>
+            </a:fld>
+            <a:endParaRPr kumimoji="1" lang="zh-TW" altLang="en-US"/>
+          </a:p>
+        </p:txBody>
+      </p:sp>
+      <p:sp>
+        <p:nvSpPr>
+          <p:cNvPr id="4" name="投影片影像版面配置區 3"/>
+          <p:cNvSpPr>
+            <a:spLocks noGrp="1" noRot="1" noChangeAspect="1"/>
+          </p:cNvSpPr>
+          <p:nvPr>
+            <p:ph type="sldImg" idx="2"/>
+          </p:nvPr>
+        </p:nvSpPr>
+        <p:spPr>
+          <a:xfrm>
+            <a:off x="685800" y="1143000"/>
+            <a:ext cx="5486400" cy="3086100"/>
+          </a:xfrm>
+          <a:prstGeom prst="rect">
+            <a:avLst/>
+          </a:prstGeom>
+          <a:noFill/>
+          <a:ln w="12700">
+            <a:solidFill>
+              <a:prstClr val="black"/>
+            </a:solidFill>
+          </a:ln>
+        </p:spPr>
+        <p:txBody>
+          <a:bodyPr vert="horz" lIns="91440" tIns="45720" rIns="91440" bIns="45720" rtlCol="0" anchor="ctr"/>
+          <a:lstStyle/>
+          <a:p>
+            <a:endParaRPr lang="zh-TW" altLang="en-US"/>
+          </a:p>
+        </p:txBody>
+      </p:sp>
+      <p:sp>
+        <p:nvSpPr>
+          <p:cNvPr id="5" name="備忘稿版面配置區 4"/>
+          <p:cNvSpPr>
+            <a:spLocks noGrp="1"/>
+          </p:cNvSpPr>
+          <p:nvPr>
+            <p:ph type="body" sz="quarter" idx="3"/>
+          </p:nvPr>
+        </p:nvSpPr>
+        <p:spPr>
+          <a:xfrm>
+            <a:off x="685800" y="4400550"/>
+            <a:ext cx="5486400" cy="3600450"/>
+          </a:xfrm>
+          <a:prstGeom prst="rect">
+            <a:avLst/>
+          </a:prstGeom>
+        </p:spPr>
+        <p:txBody>
+          <a:bodyPr vert="horz" lIns="91440" tIns="45720" rIns="91440" bIns="45720" rtlCol="0"/>
+          <a:lstStyle/>
+          <a:p>
+            <a:pPr lvl="0"/>
+            <a:r>
+              <a:rPr kumimoji="1" lang="zh-TW" altLang="en-US"/>
+              <a:t>按一下以編輯母片文字樣式</a:t>
+            </a:r>
+          </a:p>
+          <a:p>
+            <a:pPr lvl="1"/>
+            <a:r>
+              <a:rPr kumimoji="1" lang="zh-TW" altLang="en-US"/>
+              <a:t>第二層</a:t>
+            </a:r>
+          </a:p>
+          <a:p>
+            <a:pPr lvl="2"/>
+            <a:r>
+              <a:rPr kumimoji="1" lang="zh-TW" altLang="en-US"/>
+              <a:t>第三層</a:t>
+            </a:r>
+          </a:p>
+          <a:p>
+            <a:pPr lvl="3"/>
+            <a:r>
+              <a:rPr kumimoji="1" lang="zh-TW" altLang="en-US"/>
+              <a:t>第四層</a:t>
+            </a:r>
+          </a:p>
+          <a:p>
+            <a:pPr lvl="4"/>
+            <a:r>
+              <a:rPr kumimoji="1" lang="zh-TW" altLang="en-US"/>
+              <a:t>第五層</a:t>
+            </a:r>
+          </a:p>
+        </p:txBody>
+      </p:sp>
+      <p:sp>
+        <p:nvSpPr>
+          <p:cNvPr id="6" name="頁尾版面配置區 5"/>
+          <p:cNvSpPr>
+            <a:spLocks noGrp="1"/>
+          </p:cNvSpPr>
+          <p:nvPr>
+            <p:ph type="ftr" sz="quarter" idx="4"/>
+          </p:nvPr>
+        </p:nvSpPr>
+        <p:spPr>
+          <a:xfrm>
+            <a:off x="0" y="8685213"/>
+            <a:ext cx="2971800" cy="458787"/>
+          </a:xfrm>
+          <a:prstGeom prst="rect">
+            <a:avLst/>
+          </a:prstGeom>
+        </p:spPr>
+        <p:txBody>
+          <a:bodyPr vert="horz" lIns="91440" tIns="45720" rIns="91440" bIns="45720" rtlCol="0" anchor="b"/>
+          <a:lstStyle>
+            <a:lvl1pPr algn="l">
+              <a:defRPr sz="1200"/>
+            </a:lvl1pPr>
+          </a:lstStyle>
+          <a:p>
+            <a:endParaRPr kumimoji="1" lang="zh-TW" altLang="en-US"/>
+          </a:p>
+        </p:txBody>
+      </p:sp>
+      <p:sp>
+        <p:nvSpPr>
+          <p:cNvPr id="7" name="投影片編號版面配置區 6"/>
+          <p:cNvSpPr>
+            <a:spLocks noGrp="1"/>
+          </p:cNvSpPr>
+          <p:nvPr>
+            <p:ph type="sldNum" sz="quarter" idx="5"/>
+          </p:nvPr>
+        </p:nvSpPr>
+        <p:spPr>
+          <a:xfrm>
+            <a:off x="3884613" y="8685213"/>
+            <a:ext cx="2971800" cy="458787"/>
+          </a:xfrm>
+          <a:prstGeom prst="rect">
+            <a:avLst/>
+          </a:prstGeom>
+        </p:spPr>
+        <p:txBody>
+          <a:bodyPr vert="horz" lIns="91440" tIns="45720" rIns="91440" bIns="45720" rtlCol="0" anchor="b"/>
+          <a:lstStyle>
+            <a:lvl1pPr algn="r">
+              <a:defRPr sz="1200"/>
+            </a:lvl1pPr>
+          </a:lstStyle>
+          <a:p>
+            <a:fld id="{9092B0B4-9E83-2E4B-B960-F734411B2582}" type="slidenum">
+              <a:rPr kumimoji="1" lang="zh-TW" altLang="en-US" smtClean="0"/>
+              <a:t>‹#›</a:t>
+            </a:fld>
+            <a:endParaRPr kumimoji="1" lang="zh-TW" altLang="en-US"/>
+          </a:p>
+        </p:txBody>
+      </p:sp>
+    </p:spTree>
+    <p:extLst>
+      <p:ext uri="{BB962C8B-B14F-4D97-AF65-F5344CB8AC3E}">
+        <p14:creationId xmlns:p14="http://schemas.microsoft.com/office/powerpoint/2010/main" val="456179137"/>
+      </p:ext>
+    </p:extLst>
+  </p:cSld>
+  <p:clrMap bg1="lt1" tx1="dk1" bg2="lt2" tx2="dk2" accent1="accent1" accent2="accent2" accent3="accent3" accent4="accent4" accent5="accent5" accent6="accent6" hlink="hlink" folHlink="folHlink"/>
+  <p:notesStyle>
+    <a:lvl1pPr marL="0" algn="l" defTabSz="914400" rtl="0" eaLnBrk="1" latinLnBrk="0" hangingPunct="1">
+      <a:defRPr sz="1200" kern="1200">
+        <a:solidFill>
+          <a:schemeClr val="tx1"/>
+        </a:solidFill>
+        <a:latin typeface="+mn-lt"/>
+        <a:ea typeface="+mn-ea"/>
+        <a:cs typeface="+mn-cs"/>
+      </a:defRPr>
+    </a:lvl1pPr>
+    <a:lvl2pPr marL="457200" algn="l" defTabSz="914400" rtl="0" eaLnBrk="1" latinLnBrk="0" hangingPunct="1">
+      <a:defRPr sz="1200" kern="1200">
+        <a:solidFill>
+          <a:schemeClr val="tx1"/>
+        </a:solidFill>
+        <a:latin typeface="+mn-lt"/>
+        <a:ea typeface="+mn-ea"/>
+        <a:cs typeface="+mn-cs"/>
+      </a:defRPr>
+    </a:lvl2pPr>
+    <a:lvl3pPr marL="914400" algn="l" defTabSz="914400" rtl="0" eaLnBrk="1" latinLnBrk="0" hangingPunct="1">
+      <a:defRPr sz="1200" kern="1200">
+        <a:solidFill>
+          <a:schemeClr val="tx1"/>
+        </a:solidFill>
+        <a:latin typeface="+mn-lt"/>
+        <a:ea typeface="+mn-ea"/>
+        <a:cs typeface="+mn-cs"/>
+      </a:defRPr>
+    </a:lvl3pPr>
+    <a:lvl4pPr marL="1371600" algn="l" defTabSz="914400" rtl="0" eaLnBrk="1" latinLnBrk="0" hangingPunct="1">
+      <a:defRPr sz="1200" kern="1200">
+        <a:solidFill>
+          <a:schemeClr val="tx1"/>
+        </a:solidFill>
+        <a:latin typeface="+mn-lt"/>
+        <a:ea typeface="+mn-ea"/>
+        <a:cs typeface="+mn-cs"/>
+      </a:defRPr>
+    </a:lvl4pPr>
+    <a:lvl5pPr marL="1828800" algn="l" defTabSz="914400" rtl="0" eaLnBrk="1" latinLnBrk="0" hangingPunct="1">
+      <a:defRPr sz="1200" kern="1200">
+        <a:solidFill>
+          <a:schemeClr val="tx1"/>
+        </a:solidFill>
+        <a:latin typeface="+mn-lt"/>
+        <a:ea typeface="+mn-ea"/>
+        <a:cs typeface="+mn-cs"/>
+      </a:defRPr>
+    </a:lvl5pPr>
+    <a:lvl6pPr marL="2286000" algn="l" defTabSz="914400" rtl="0" eaLnBrk="1" latinLnBrk="0" hangingPunct="1">
+      <a:defRPr sz="1200" kern="1200">
+        <a:solidFill>
+          <a:schemeClr val="tx1"/>
+        </a:solidFill>
+        <a:latin typeface="+mn-lt"/>
+        <a:ea typeface="+mn-ea"/>
+        <a:cs typeface="+mn-cs"/>
+      </a:defRPr>
+    </a:lvl6pPr>
+    <a:lvl7pPr marL="2743200" algn="l" defTabSz="914400" rtl="0" eaLnBrk="1" latinLnBrk="0" hangingPunct="1">
+      <a:defRPr sz="1200" kern="1200">
+        <a:solidFill>
+          <a:schemeClr val="tx1"/>
+        </a:solidFill>
+        <a:latin typeface="+mn-lt"/>
+        <a:ea typeface="+mn-ea"/>
+        <a:cs typeface="+mn-cs"/>
+      </a:defRPr>
+    </a:lvl7pPr>
+    <a:lvl8pPr marL="3200400" algn="l" defTabSz="914400" rtl="0" eaLnBrk="1" latinLnBrk="0" hangingPunct="1">
+      <a:defRPr sz="1200" kern="1200">
+        <a:solidFill>
+          <a:schemeClr val="tx1"/>
+        </a:solidFill>
+        <a:latin typeface="+mn-lt"/>
+        <a:ea typeface="+mn-ea"/>
+        <a:cs typeface="+mn-cs"/>
+      </a:defRPr>
+    </a:lvl8pPr>
+    <a:lvl9pPr marL="3657600" algn="l" defTabSz="914400" rtl="0" eaLnBrk="1" latinLnBrk="0" hangingPunct="1">
+      <a:defRPr sz="1200" kern="1200">
+        <a:solidFill>
+          <a:schemeClr val="tx1"/>
+        </a:solidFill>
+        <a:latin typeface="+mn-lt"/>
+        <a:ea typeface="+mn-ea"/>
+        <a:cs typeface="+mn-cs"/>
+      </a:defRPr>
+    </a:lvl9pPr>
+  </p:notesStyle>
+</p:notesMaster>
+</file>
+
+<file path=ppt/notesSlides/notesSlide1.xml><?xml version="1.0" encoding="utf-8"?>
+<p:notes xmlns:a="http://schemas.openxmlformats.org/drawingml/2006/main" xmlns:r="http://schemas.openxmlformats.org/officeDocument/2006/relationships" xmlns:p="http://schemas.openxmlformats.org/presentationml/2006/main">
+  <p:cSld>
+    <p:spTree>
+      <p:nvGrpSpPr>
+        <p:cNvPr id="1" name=""/>
+        <p:cNvGrpSpPr/>
+        <p:nvPr/>
+      </p:nvGrpSpPr>
+      <p:grpSpPr>
+        <a:xfrm>
+          <a:off x="0" y="0"/>
+          <a:ext cx="0" cy="0"/>
+          <a:chOff x="0" y="0"/>
+          <a:chExt cx="0" cy="0"/>
+        </a:xfrm>
+      </p:grpSpPr>
+      <p:sp>
+        <p:nvSpPr>
+          <p:cNvPr id="2" name="投影片影像版面配置區 1"/>
+          <p:cNvSpPr>
+            <a:spLocks noGrp="1" noRot="1" noChangeAspect="1"/>
+          </p:cNvSpPr>
+          <p:nvPr>
+            <p:ph type="sldImg"/>
+          </p:nvPr>
+        </p:nvSpPr>
+        <p:spPr/>
+      </p:sp>
+      <p:sp>
+        <p:nvSpPr>
+          <p:cNvPr id="3" name="備忘稿版面配置區 2"/>
+          <p:cNvSpPr>
+            <a:spLocks noGrp="1"/>
+          </p:cNvSpPr>
+          <p:nvPr>
+            <p:ph type="body" idx="1"/>
+          </p:nvPr>
+        </p:nvSpPr>
+        <p:spPr/>
+        <p:txBody>
+          <a:bodyPr/>
+          <a:lstStyle/>
+          <a:p>
+            <a:pPr marL="0" marR="0" lvl="0" indent="0" algn="l" defTabSz="914400" rtl="0" eaLnBrk="1" fontAlgn="auto" latinLnBrk="0" hangingPunct="1">
+              <a:lnSpc>
+                <a:spcPct val="100000"/>
+              </a:lnSpc>
+              <a:spcBef>
+                <a:spcPts val="0"/>
+              </a:spcBef>
+              <a:spcAft>
+                <a:spcPts val="0"/>
+              </a:spcAft>
+              <a:buClrTx/>
+              <a:buSzTx/>
+              <a:buFontTx/>
+              <a:buNone/>
+              <a:tabLst/>
+              <a:defRPr/>
+            </a:pPr>
+            <a:r>
+              <a:rPr lang="zh-TW" altLang="zh-TW" sz="1800" kern="100" dirty="0">
+                <a:effectLst/>
+                <a:latin typeface="Calibri" panose="020F0502020204030204" pitchFamily="34" charset="0"/>
+                <a:ea typeface="新細明體" panose="02020500000000000000" pitchFamily="18" charset="-120"/>
+                <a:cs typeface="Times New Roman" panose="02020603050405020304" pitchFamily="18" charset="0"/>
+              </a:rPr>
+              <a:t>太浩湖滑雪場的場景以滑雪道的表現為主旁邊有山林有松樹用日本動畫動漫風來表現</a:t>
+            </a:r>
+          </a:p>
+          <a:p>
+            <a:endParaRPr kumimoji="1" lang="zh-TW" altLang="en-US" dirty="0"/>
+          </a:p>
+        </p:txBody>
+      </p:sp>
+      <p:sp>
+        <p:nvSpPr>
+          <p:cNvPr id="4" name="投影片編號版面配置區 3"/>
+          <p:cNvSpPr>
+            <a:spLocks noGrp="1"/>
+          </p:cNvSpPr>
+          <p:nvPr>
+            <p:ph type="sldNum" sz="quarter" idx="5"/>
+          </p:nvPr>
+        </p:nvSpPr>
+        <p:spPr/>
+        <p:txBody>
+          <a:bodyPr/>
+          <a:lstStyle/>
+          <a:p>
+            <a:fld id="{9092B0B4-9E83-2E4B-B960-F734411B2582}" type="slidenum">
+              <a:rPr kumimoji="1" lang="zh-TW" altLang="en-US" smtClean="0"/>
+              <a:t>2</a:t>
+            </a:fld>
+            <a:endParaRPr kumimoji="1" lang="zh-TW" altLang="en-US"/>
+          </a:p>
+        </p:txBody>
+      </p:sp>
+    </p:spTree>
+    <p:extLst>
+      <p:ext uri="{BB962C8B-B14F-4D97-AF65-F5344CB8AC3E}">
+        <p14:creationId xmlns:p14="http://schemas.microsoft.com/office/powerpoint/2010/main" val="3066445439"/>
+      </p:ext>
+    </p:extLst>
+  </p:cSld>
+  <p:clrMapOvr>
+    <a:masterClrMapping/>
+  </p:clrMapOvr>
+</p:notes>
+</file>
+
+<file path=ppt/notesSlides/notesSlide10.xml><?xml version="1.0" encoding="utf-8"?>
+<p:notes xmlns:a="http://schemas.openxmlformats.org/drawingml/2006/main" xmlns:r="http://schemas.openxmlformats.org/officeDocument/2006/relationships" xmlns:p="http://schemas.openxmlformats.org/presentationml/2006/main">
+  <p:cSld>
+    <p:spTree>
+      <p:nvGrpSpPr>
+        <p:cNvPr id="1" name=""/>
+        <p:cNvGrpSpPr/>
+        <p:nvPr/>
+      </p:nvGrpSpPr>
+      <p:grpSpPr>
+        <a:xfrm>
+          <a:off x="0" y="0"/>
+          <a:ext cx="0" cy="0"/>
+          <a:chOff x="0" y="0"/>
+          <a:chExt cx="0" cy="0"/>
+        </a:xfrm>
+      </p:grpSpPr>
+      <p:sp>
+        <p:nvSpPr>
+          <p:cNvPr id="2" name="投影片影像版面配置區 1"/>
+          <p:cNvSpPr>
+            <a:spLocks noGrp="1" noRot="1" noChangeAspect="1"/>
+          </p:cNvSpPr>
+          <p:nvPr>
+            <p:ph type="sldImg"/>
+          </p:nvPr>
+        </p:nvSpPr>
+        <p:spPr/>
+      </p:sp>
+      <p:sp>
+        <p:nvSpPr>
+          <p:cNvPr id="3" name="備忘稿版面配置區 2"/>
+          <p:cNvSpPr>
+            <a:spLocks noGrp="1"/>
+          </p:cNvSpPr>
+          <p:nvPr>
+            <p:ph type="body" idx="1"/>
+          </p:nvPr>
+        </p:nvSpPr>
+        <p:spPr/>
+        <p:txBody>
+          <a:bodyPr/>
+          <a:lstStyle/>
+          <a:p>
+            <a:r>
+              <a:rPr lang="zh-TW" altLang="zh-TW" sz="1800" dirty="0">
+                <a:effectLst/>
+                <a:latin typeface="Calibri" panose="020F0502020204030204" pitchFamily="34" charset="0"/>
+                <a:ea typeface="新細明體" panose="02020500000000000000" pitchFamily="18" charset="-120"/>
+                <a:cs typeface="Times New Roman" panose="02020603050405020304" pitchFamily="18" charset="0"/>
+              </a:rPr>
+              <a:t>幫我根據這個段落生成可以代表內容的圖片（日本動漫風格），讓我可以用看圖說故事的方式講出這個故事。其中小魚兒是黑色短髮，平瀏海，穿著黃色冬季滑雪大衣，戴紅色毛線帽子、太陽眼鏡。</a:t>
+            </a:r>
+            <a:r>
+              <a:rPr lang="zh-TW" altLang="zh-TW" sz="1800" dirty="0">
+                <a:effectLst/>
+                <a:ea typeface="Calibri" panose="020F0502020204030204" pitchFamily="34" charset="0"/>
+                <a:cs typeface="Times New Roman" panose="02020603050405020304" pitchFamily="18" charset="0"/>
+              </a:rPr>
+              <a:t> </a:t>
+            </a:r>
+            <a:r>
+              <a:rPr lang="zh-TW" altLang="zh-TW" sz="1800" dirty="0">
+                <a:effectLst/>
+                <a:latin typeface="Calibri" panose="020F0502020204030204" pitchFamily="34" charset="0"/>
+                <a:ea typeface="新細明體" panose="02020500000000000000" pitchFamily="18" charset="-120"/>
+                <a:cs typeface="Times New Roman" panose="02020603050405020304" pitchFamily="18" charset="0"/>
+              </a:rPr>
+              <a:t>她練習往山</a:t>
+            </a:r>
+            <a:r>
+              <a:rPr lang="zh-TW" altLang="zh-TW" dirty="0">
+                <a:effectLst/>
+              </a:rPr>
+              <a:t> </a:t>
+            </a:r>
+            <a:endParaRPr kumimoji="1" lang="zh-TW" altLang="en-US" dirty="0"/>
+          </a:p>
+        </p:txBody>
+      </p:sp>
+      <p:sp>
+        <p:nvSpPr>
+          <p:cNvPr id="4" name="投影片編號版面配置區 3"/>
+          <p:cNvSpPr>
+            <a:spLocks noGrp="1"/>
+          </p:cNvSpPr>
+          <p:nvPr>
+            <p:ph type="sldNum" sz="quarter" idx="5"/>
+          </p:nvPr>
+        </p:nvSpPr>
+        <p:spPr/>
+        <p:txBody>
+          <a:bodyPr/>
+          <a:lstStyle/>
+          <a:p>
+            <a:fld id="{9092B0B4-9E83-2E4B-B960-F734411B2582}" type="slidenum">
+              <a:rPr kumimoji="1" lang="zh-TW" altLang="en-US" smtClean="0"/>
+              <a:t>11</a:t>
+            </a:fld>
+            <a:endParaRPr kumimoji="1" lang="zh-TW" altLang="en-US"/>
+          </a:p>
+        </p:txBody>
+      </p:sp>
+    </p:spTree>
+    <p:extLst>
+      <p:ext uri="{BB962C8B-B14F-4D97-AF65-F5344CB8AC3E}">
+        <p14:creationId xmlns:p14="http://schemas.microsoft.com/office/powerpoint/2010/main" val="326110633"/>
+      </p:ext>
+    </p:extLst>
+  </p:cSld>
+  <p:clrMapOvr>
+    <a:masterClrMapping/>
+  </p:clrMapOvr>
+</p:notes>
+</file>
+
+<file path=ppt/notesSlides/notesSlide11.xml><?xml version="1.0" encoding="utf-8"?>
+<p:notes xmlns:a="http://schemas.openxmlformats.org/drawingml/2006/main" xmlns:r="http://schemas.openxmlformats.org/officeDocument/2006/relationships" xmlns:p="http://schemas.openxmlformats.org/presentationml/2006/main">
+  <p:cSld>
+    <p:spTree>
+      <p:nvGrpSpPr>
+        <p:cNvPr id="1" name=""/>
+        <p:cNvGrpSpPr/>
+        <p:nvPr/>
+      </p:nvGrpSpPr>
+      <p:grpSpPr>
+        <a:xfrm>
+          <a:off x="0" y="0"/>
+          <a:ext cx="0" cy="0"/>
+          <a:chOff x="0" y="0"/>
+          <a:chExt cx="0" cy="0"/>
+        </a:xfrm>
+      </p:grpSpPr>
+      <p:sp>
+        <p:nvSpPr>
+          <p:cNvPr id="2" name="投影片影像版面配置區 1"/>
+          <p:cNvSpPr>
+            <a:spLocks noGrp="1" noRot="1" noChangeAspect="1"/>
+          </p:cNvSpPr>
+          <p:nvPr>
+            <p:ph type="sldImg"/>
+          </p:nvPr>
+        </p:nvSpPr>
+        <p:spPr/>
+      </p:sp>
+      <p:sp>
+        <p:nvSpPr>
+          <p:cNvPr id="3" name="備忘稿版面配置區 2"/>
+          <p:cNvSpPr>
+            <a:spLocks noGrp="1"/>
+          </p:cNvSpPr>
+          <p:nvPr>
+            <p:ph type="body" idx="1"/>
+          </p:nvPr>
+        </p:nvSpPr>
+        <p:spPr/>
+        <p:txBody>
+          <a:bodyPr/>
+          <a:lstStyle/>
+          <a:p>
+            <a:r>
+              <a:rPr lang="zh-TW" altLang="zh-TW" sz="1800" dirty="0">
+                <a:effectLst/>
+                <a:latin typeface="Calibri" panose="020F0502020204030204" pitchFamily="34" charset="0"/>
+                <a:ea typeface="新細明體" panose="02020500000000000000" pitchFamily="18" charset="-120"/>
+                <a:cs typeface="Times New Roman" panose="02020603050405020304" pitchFamily="18" charset="0"/>
+              </a:rPr>
+              <a:t>幫我根據這個段落生成可以代表內容的圖片（日本動漫風格），讓我可以用看圖說故事的方式講出這個故事。其中小魚兒是黑色短髮，平瀏海，穿著黃色冬季滑雪大衣，戴紅色毛線帽子、太陽眼鏡。</a:t>
+            </a:r>
+            <a:r>
+              <a:rPr lang="zh-TW" altLang="zh-TW" sz="1800" dirty="0">
+                <a:effectLst/>
+                <a:ea typeface="Calibri" panose="020F0502020204030204" pitchFamily="34" charset="0"/>
+                <a:cs typeface="Times New Roman" panose="02020603050405020304" pitchFamily="18" charset="0"/>
+              </a:rPr>
+              <a:t> </a:t>
+            </a:r>
+            <a:r>
+              <a:rPr lang="zh-TW" altLang="zh-TW" sz="1800" dirty="0">
+                <a:effectLst/>
+                <a:latin typeface="Calibri" panose="020F0502020204030204" pitchFamily="34" charset="0"/>
+                <a:ea typeface="新細明體" panose="02020500000000000000" pitchFamily="18" charset="-120"/>
+                <a:cs typeface="Times New Roman" panose="02020603050405020304" pitchFamily="18" charset="0"/>
+              </a:rPr>
+              <a:t>她練習往山</a:t>
+            </a:r>
+            <a:r>
+              <a:rPr lang="zh-TW" altLang="zh-TW" dirty="0">
+                <a:effectLst/>
+              </a:rPr>
+              <a:t> </a:t>
+            </a:r>
+            <a:endParaRPr kumimoji="1" lang="zh-TW" altLang="en-US" dirty="0"/>
+          </a:p>
+        </p:txBody>
+      </p:sp>
+      <p:sp>
+        <p:nvSpPr>
+          <p:cNvPr id="4" name="投影片編號版面配置區 3"/>
+          <p:cNvSpPr>
+            <a:spLocks noGrp="1"/>
+          </p:cNvSpPr>
+          <p:nvPr>
+            <p:ph type="sldNum" sz="quarter" idx="5"/>
+          </p:nvPr>
+        </p:nvSpPr>
+        <p:spPr/>
+        <p:txBody>
+          <a:bodyPr/>
+          <a:lstStyle/>
+          <a:p>
+            <a:fld id="{9092B0B4-9E83-2E4B-B960-F734411B2582}" type="slidenum">
+              <a:rPr kumimoji="1" lang="zh-TW" altLang="en-US" smtClean="0"/>
+              <a:t>12</a:t>
+            </a:fld>
+            <a:endParaRPr kumimoji="1" lang="zh-TW" altLang="en-US"/>
+          </a:p>
+        </p:txBody>
+      </p:sp>
+    </p:spTree>
+    <p:extLst>
+      <p:ext uri="{BB962C8B-B14F-4D97-AF65-F5344CB8AC3E}">
+        <p14:creationId xmlns:p14="http://schemas.microsoft.com/office/powerpoint/2010/main" val="1341586433"/>
+      </p:ext>
+    </p:extLst>
+  </p:cSld>
+  <p:clrMapOvr>
+    <a:masterClrMapping/>
+  </p:clrMapOvr>
+</p:notes>
+</file>
+
+<file path=ppt/notesSlides/notesSlide12.xml><?xml version="1.0" encoding="utf-8"?>
+<p:notes xmlns:a="http://schemas.openxmlformats.org/drawingml/2006/main" xmlns:r="http://schemas.openxmlformats.org/officeDocument/2006/relationships" xmlns:p="http://schemas.openxmlformats.org/presentationml/2006/main">
+  <p:cSld>
+    <p:spTree>
+      <p:nvGrpSpPr>
+        <p:cNvPr id="1" name=""/>
+        <p:cNvGrpSpPr/>
+        <p:nvPr/>
+      </p:nvGrpSpPr>
+      <p:grpSpPr>
+        <a:xfrm>
+          <a:off x="0" y="0"/>
+          <a:ext cx="0" cy="0"/>
+          <a:chOff x="0" y="0"/>
+          <a:chExt cx="0" cy="0"/>
+        </a:xfrm>
+      </p:grpSpPr>
+      <p:sp>
+        <p:nvSpPr>
+          <p:cNvPr id="2" name="投影片影像版面配置區 1"/>
+          <p:cNvSpPr>
+            <a:spLocks noGrp="1" noRot="1" noChangeAspect="1"/>
+          </p:cNvSpPr>
+          <p:nvPr>
+            <p:ph type="sldImg"/>
+          </p:nvPr>
+        </p:nvSpPr>
+        <p:spPr/>
+      </p:sp>
+      <p:sp>
+        <p:nvSpPr>
+          <p:cNvPr id="3" name="備忘稿版面配置區 2"/>
+          <p:cNvSpPr>
+            <a:spLocks noGrp="1"/>
+          </p:cNvSpPr>
+          <p:nvPr>
+            <p:ph type="body" idx="1"/>
+          </p:nvPr>
+        </p:nvSpPr>
+        <p:spPr/>
+        <p:txBody>
+          <a:bodyPr/>
+          <a:lstStyle/>
+          <a:p>
+            <a:pPr marL="0" marR="0" lvl="0" indent="0" algn="l" defTabSz="914400" rtl="0" eaLnBrk="1" fontAlgn="auto" latinLnBrk="0" hangingPunct="1">
+              <a:lnSpc>
+                <a:spcPct val="100000"/>
+              </a:lnSpc>
+              <a:spcBef>
+                <a:spcPts val="0"/>
+              </a:spcBef>
+              <a:spcAft>
+                <a:spcPts val="0"/>
+              </a:spcAft>
+              <a:buClrTx/>
+              <a:buSzTx/>
+              <a:buFontTx/>
+              <a:buNone/>
+              <a:tabLst/>
+              <a:defRPr/>
+            </a:pPr>
+            <a:r>
+              <a:rPr lang="zh-TW" altLang="zh-TW" sz="1800" kern="100" dirty="0">
+                <a:effectLst/>
+                <a:latin typeface="Calibri" panose="020F0502020204030204" pitchFamily="34" charset="0"/>
+                <a:ea typeface="新細明體" panose="02020500000000000000" pitchFamily="18" charset="-120"/>
+                <a:cs typeface="Times New Roman" panose="02020603050405020304" pitchFamily="18" charset="0"/>
+              </a:rPr>
+              <a:t>以驚險狀態成功在終點前煞車。後來想想餘悸猶存，這個活動雖然有腦震盪的風險，不過充滿挑戰與樂趣。幫我根據這個段落生成可以代表內容的圖片（日本動漫風格），讓我可以用看圖說故事的方式講出這個故事。其中小魚兒是黑色短髮，平瀏海，穿著黃色冬季滑雪大衣，戴紅色毛線帽子、太陽眼鏡。</a:t>
+            </a:r>
+          </a:p>
+          <a:p>
+            <a:pPr marL="0" marR="0" lvl="0" indent="0" algn="l" defTabSz="914400" rtl="0" eaLnBrk="1" fontAlgn="auto" latinLnBrk="0" hangingPunct="1">
+              <a:lnSpc>
+                <a:spcPct val="100000"/>
+              </a:lnSpc>
+              <a:spcBef>
+                <a:spcPts val="0"/>
+              </a:spcBef>
+              <a:spcAft>
+                <a:spcPts val="0"/>
+              </a:spcAft>
+              <a:buClrTx/>
+              <a:buSzTx/>
+              <a:buFontTx/>
+              <a:buNone/>
+              <a:tabLst/>
+              <a:defRPr/>
+            </a:pPr>
+            <a:endParaRPr lang="zh-TW" altLang="zh-TW" sz="1800" kern="100" dirty="0">
+              <a:effectLst/>
+              <a:latin typeface="Calibri" panose="020F0502020204030204" pitchFamily="34" charset="0"/>
+              <a:ea typeface="新細明體" panose="02020500000000000000" pitchFamily="18" charset="-120"/>
+              <a:cs typeface="Times New Roman" panose="02020603050405020304" pitchFamily="18" charset="0"/>
+            </a:endParaRPr>
+          </a:p>
+          <a:p>
+            <a:endParaRPr kumimoji="1" lang="zh-TW" altLang="en-US" dirty="0"/>
+          </a:p>
+        </p:txBody>
+      </p:sp>
+      <p:sp>
+        <p:nvSpPr>
+          <p:cNvPr id="4" name="投影片編號版面配置區 3"/>
+          <p:cNvSpPr>
+            <a:spLocks noGrp="1"/>
+          </p:cNvSpPr>
+          <p:nvPr>
+            <p:ph type="sldNum" sz="quarter" idx="5"/>
+          </p:nvPr>
+        </p:nvSpPr>
+        <p:spPr/>
+        <p:txBody>
+          <a:bodyPr/>
+          <a:lstStyle/>
+          <a:p>
+            <a:fld id="{9092B0B4-9E83-2E4B-B960-F734411B2582}" type="slidenum">
+              <a:rPr kumimoji="1" lang="zh-TW" altLang="en-US" smtClean="0"/>
+              <a:t>13</a:t>
+            </a:fld>
+            <a:endParaRPr kumimoji="1" lang="zh-TW" altLang="en-US"/>
+          </a:p>
+        </p:txBody>
+      </p:sp>
+    </p:spTree>
+    <p:extLst>
+      <p:ext uri="{BB962C8B-B14F-4D97-AF65-F5344CB8AC3E}">
+        <p14:creationId xmlns:p14="http://schemas.microsoft.com/office/powerpoint/2010/main" val="2964308084"/>
+      </p:ext>
+    </p:extLst>
+  </p:cSld>
+  <p:clrMapOvr>
+    <a:masterClrMapping/>
+  </p:clrMapOvr>
+</p:notes>
+</file>
+
+<file path=ppt/notesSlides/notesSlide2.xml><?xml version="1.0" encoding="utf-8"?>
+<p:notes xmlns:a="http://schemas.openxmlformats.org/drawingml/2006/main" xmlns:r="http://schemas.openxmlformats.org/officeDocument/2006/relationships" xmlns:p="http://schemas.openxmlformats.org/presentationml/2006/main">
+  <p:cSld>
+    <p:spTree>
+      <p:nvGrpSpPr>
+        <p:cNvPr id="1" name=""/>
+        <p:cNvGrpSpPr/>
+        <p:nvPr/>
+      </p:nvGrpSpPr>
+      <p:grpSpPr>
+        <a:xfrm>
+          <a:off x="0" y="0"/>
+          <a:ext cx="0" cy="0"/>
+          <a:chOff x="0" y="0"/>
+          <a:chExt cx="0" cy="0"/>
+        </a:xfrm>
+      </p:grpSpPr>
+      <p:sp>
+        <p:nvSpPr>
+          <p:cNvPr id="2" name="投影片影像版面配置區 1"/>
+          <p:cNvSpPr>
+            <a:spLocks noGrp="1" noRot="1" noChangeAspect="1"/>
+          </p:cNvSpPr>
+          <p:nvPr>
+            <p:ph type="sldImg"/>
+          </p:nvPr>
+        </p:nvSpPr>
+        <p:spPr/>
+      </p:sp>
+      <p:sp>
+        <p:nvSpPr>
+          <p:cNvPr id="3" name="備忘稿版面配置區 2"/>
+          <p:cNvSpPr>
+            <a:spLocks noGrp="1"/>
+          </p:cNvSpPr>
+          <p:nvPr>
+            <p:ph type="body" idx="1"/>
+          </p:nvPr>
+        </p:nvSpPr>
+        <p:spPr/>
+        <p:txBody>
+          <a:bodyPr/>
+          <a:lstStyle/>
+          <a:p>
+            <a:r>
+              <a:rPr lang="zh-TW" altLang="zh-TW" sz="1800" kern="100" dirty="0">
+                <a:effectLst/>
+                <a:latin typeface="Calibri" panose="020F0502020204030204" pitchFamily="34" charset="0"/>
+                <a:ea typeface="新細明體" panose="02020500000000000000" pitchFamily="18" charset="-120"/>
+                <a:cs typeface="Times New Roman" panose="02020603050405020304" pitchFamily="18" charset="0"/>
+              </a:rPr>
+              <a:t>大家好，我是小魚兒。我想跟大家談一談我在留學時到太浩湖的滑雪場滑雪的冒險故事。</a:t>
+            </a:r>
+          </a:p>
+          <a:p>
+            <a:r>
+              <a:rPr lang="zh-TW" altLang="zh-TW" sz="1800" kern="100" dirty="0">
+                <a:effectLst/>
+                <a:latin typeface="Calibri" panose="020F0502020204030204" pitchFamily="34" charset="0"/>
+                <a:ea typeface="新細明體" panose="02020500000000000000" pitchFamily="18" charset="-120"/>
+                <a:cs typeface="Times New Roman" panose="02020603050405020304" pitchFamily="18" charset="0"/>
+              </a:rPr>
+              <a:t>幫我根據這個段落生成可以代表內容的圖片（日本動漫風格），讓我可以用看圖說故事的方式講出這個故事。其中小魚兒是黑色短髮，平瀏海，穿著黃色冬季滑雪大衣，戴紅色毛線帽子、太陽眼鏡。</a:t>
+            </a:r>
+          </a:p>
+          <a:p>
+            <a:endParaRPr kumimoji="1" lang="zh-TW" altLang="en-US" dirty="0"/>
+          </a:p>
+        </p:txBody>
+      </p:sp>
+      <p:sp>
+        <p:nvSpPr>
+          <p:cNvPr id="4" name="投影片編號版面配置區 3"/>
+          <p:cNvSpPr>
+            <a:spLocks noGrp="1"/>
+          </p:cNvSpPr>
+          <p:nvPr>
+            <p:ph type="sldNum" sz="quarter" idx="5"/>
+          </p:nvPr>
+        </p:nvSpPr>
+        <p:spPr/>
+        <p:txBody>
+          <a:bodyPr/>
+          <a:lstStyle/>
+          <a:p>
+            <a:fld id="{9092B0B4-9E83-2E4B-B960-F734411B2582}" type="slidenum">
+              <a:rPr kumimoji="1" lang="zh-TW" altLang="en-US" smtClean="0"/>
+              <a:t>3</a:t>
+            </a:fld>
+            <a:endParaRPr kumimoji="1" lang="zh-TW" altLang="en-US"/>
+          </a:p>
+        </p:txBody>
+      </p:sp>
+    </p:spTree>
+    <p:extLst>
+      <p:ext uri="{BB962C8B-B14F-4D97-AF65-F5344CB8AC3E}">
+        <p14:creationId xmlns:p14="http://schemas.microsoft.com/office/powerpoint/2010/main" val="3360696397"/>
+      </p:ext>
+    </p:extLst>
+  </p:cSld>
+  <p:clrMapOvr>
+    <a:masterClrMapping/>
+  </p:clrMapOvr>
+</p:notes>
+</file>
+
+<file path=ppt/notesSlides/notesSlide3.xml><?xml version="1.0" encoding="utf-8"?>
+<p:notes xmlns:a="http://schemas.openxmlformats.org/drawingml/2006/main" xmlns:r="http://schemas.openxmlformats.org/officeDocument/2006/relationships" xmlns:p="http://schemas.openxmlformats.org/presentationml/2006/main">
+  <p:cSld>
+    <p:spTree>
+      <p:nvGrpSpPr>
+        <p:cNvPr id="1" name=""/>
+        <p:cNvGrpSpPr/>
+        <p:nvPr/>
+      </p:nvGrpSpPr>
+      <p:grpSpPr>
+        <a:xfrm>
+          <a:off x="0" y="0"/>
+          <a:ext cx="0" cy="0"/>
+          <a:chOff x="0" y="0"/>
+          <a:chExt cx="0" cy="0"/>
+        </a:xfrm>
+      </p:grpSpPr>
+      <p:sp>
+        <p:nvSpPr>
+          <p:cNvPr id="2" name="投影片影像版面配置區 1"/>
+          <p:cNvSpPr>
+            <a:spLocks noGrp="1" noRot="1" noChangeAspect="1"/>
+          </p:cNvSpPr>
+          <p:nvPr>
+            <p:ph type="sldImg"/>
+          </p:nvPr>
+        </p:nvSpPr>
+        <p:spPr/>
+      </p:sp>
+      <p:sp>
+        <p:nvSpPr>
+          <p:cNvPr id="3" name="備忘稿版面配置區 2"/>
+          <p:cNvSpPr>
+            <a:spLocks noGrp="1"/>
+          </p:cNvSpPr>
+          <p:nvPr>
+            <p:ph type="body" idx="1"/>
+          </p:nvPr>
+        </p:nvSpPr>
+        <p:spPr/>
+        <p:txBody>
+          <a:bodyPr/>
+          <a:lstStyle/>
+          <a:p>
+            <a:r>
+              <a:rPr lang="zh-TW" altLang="zh-TW" sz="1800" kern="100" dirty="0">
+                <a:effectLst/>
+                <a:latin typeface="Calibri" panose="020F0502020204030204" pitchFamily="34" charset="0"/>
+                <a:ea typeface="新細明體" panose="02020500000000000000" pitchFamily="18" charset="-120"/>
+                <a:cs typeface="Times New Roman" panose="02020603050405020304" pitchFamily="18" charset="0"/>
+              </a:rPr>
+              <a:t>滑雪教練是一位白人男性</a:t>
+            </a:r>
+            <a:r>
+              <a:rPr lang="en-US" altLang="zh-TW" sz="1800" kern="100" dirty="0">
+                <a:effectLst/>
+                <a:latin typeface="Calibri" panose="020F0502020204030204" pitchFamily="34" charset="0"/>
+                <a:ea typeface="新細明體" panose="02020500000000000000" pitchFamily="18" charset="-120"/>
+                <a:cs typeface="Times New Roman" panose="02020603050405020304" pitchFamily="18" charset="0"/>
+              </a:rPr>
+              <a:t>40</a:t>
+            </a:r>
+            <a:r>
+              <a:rPr lang="zh-TW" altLang="zh-TW" sz="1800" kern="100" dirty="0">
+                <a:effectLst/>
+                <a:latin typeface="Calibri" panose="020F0502020204030204" pitchFamily="34" charset="0"/>
+                <a:ea typeface="新細明體" panose="02020500000000000000" pitchFamily="18" charset="-120"/>
+                <a:cs typeface="Times New Roman" panose="02020603050405020304" pitchFamily="18" charset="0"/>
+              </a:rPr>
+              <a:t>歲著滑雪衣帶滑雪眼鏡在太后湖的滑雪場上的圖片， 用日本動漫風來呈現</a:t>
+            </a:r>
+          </a:p>
+          <a:p>
+            <a:r>
+              <a:rPr lang="en-US" altLang="zh-TW" sz="1800" kern="100" dirty="0">
+                <a:effectLst/>
+                <a:latin typeface="Calibri" panose="020F0502020204030204" pitchFamily="34" charset="0"/>
+                <a:ea typeface="新細明體" panose="02020500000000000000" pitchFamily="18" charset="-120"/>
+                <a:cs typeface="Times New Roman" panose="02020603050405020304" pitchFamily="18" charset="0"/>
+              </a:rPr>
+              <a:t> </a:t>
+            </a:r>
+            <a:endParaRPr lang="zh-TW" altLang="zh-TW" sz="1800" kern="100" dirty="0">
+              <a:effectLst/>
+              <a:latin typeface="Calibri" panose="020F0502020204030204" pitchFamily="34" charset="0"/>
+              <a:ea typeface="新細明體" panose="02020500000000000000" pitchFamily="18" charset="-120"/>
+              <a:cs typeface="Times New Roman" panose="02020603050405020304" pitchFamily="18" charset="0"/>
+            </a:endParaRPr>
+          </a:p>
+          <a:p>
+            <a:endParaRPr kumimoji="1" lang="zh-TW" altLang="en-US" dirty="0"/>
+          </a:p>
+        </p:txBody>
+      </p:sp>
+      <p:sp>
+        <p:nvSpPr>
+          <p:cNvPr id="4" name="投影片編號版面配置區 3"/>
+          <p:cNvSpPr>
+            <a:spLocks noGrp="1"/>
+          </p:cNvSpPr>
+          <p:nvPr>
+            <p:ph type="sldNum" sz="quarter" idx="5"/>
+          </p:nvPr>
+        </p:nvSpPr>
+        <p:spPr/>
+        <p:txBody>
+          <a:bodyPr/>
+          <a:lstStyle/>
+          <a:p>
+            <a:fld id="{9092B0B4-9E83-2E4B-B960-F734411B2582}" type="slidenum">
+              <a:rPr kumimoji="1" lang="zh-TW" altLang="en-US" smtClean="0"/>
+              <a:t>4</a:t>
+            </a:fld>
+            <a:endParaRPr kumimoji="1" lang="zh-TW" altLang="en-US"/>
+          </a:p>
+        </p:txBody>
+      </p:sp>
+    </p:spTree>
+    <p:extLst>
+      <p:ext uri="{BB962C8B-B14F-4D97-AF65-F5344CB8AC3E}">
+        <p14:creationId xmlns:p14="http://schemas.microsoft.com/office/powerpoint/2010/main" val="3648198351"/>
+      </p:ext>
+    </p:extLst>
+  </p:cSld>
+  <p:clrMapOvr>
+    <a:masterClrMapping/>
+  </p:clrMapOvr>
+</p:notes>
+</file>
+
+<file path=ppt/notesSlides/notesSlide4.xml><?xml version="1.0" encoding="utf-8"?>
+<p:notes xmlns:a="http://schemas.openxmlformats.org/drawingml/2006/main" xmlns:r="http://schemas.openxmlformats.org/officeDocument/2006/relationships" xmlns:p="http://schemas.openxmlformats.org/presentationml/2006/main">
+  <p:cSld>
+    <p:spTree>
+      <p:nvGrpSpPr>
+        <p:cNvPr id="1" name=""/>
+        <p:cNvGrpSpPr/>
+        <p:nvPr/>
+      </p:nvGrpSpPr>
+      <p:grpSpPr>
+        <a:xfrm>
+          <a:off x="0" y="0"/>
+          <a:ext cx="0" cy="0"/>
+          <a:chOff x="0" y="0"/>
+          <a:chExt cx="0" cy="0"/>
+        </a:xfrm>
+      </p:grpSpPr>
+      <p:sp>
+        <p:nvSpPr>
+          <p:cNvPr id="2" name="投影片影像版面配置區 1"/>
+          <p:cNvSpPr>
+            <a:spLocks noGrp="1" noRot="1" noChangeAspect="1"/>
+          </p:cNvSpPr>
+          <p:nvPr>
+            <p:ph type="sldImg"/>
+          </p:nvPr>
+        </p:nvSpPr>
+        <p:spPr/>
+      </p:sp>
+      <p:sp>
+        <p:nvSpPr>
+          <p:cNvPr id="3" name="備忘稿版面配置區 2"/>
+          <p:cNvSpPr>
+            <a:spLocks noGrp="1"/>
+          </p:cNvSpPr>
+          <p:nvPr>
+            <p:ph type="body" idx="1"/>
+          </p:nvPr>
+        </p:nvSpPr>
+        <p:spPr/>
+        <p:txBody>
+          <a:bodyPr/>
+          <a:lstStyle/>
+          <a:p>
+            <a:pPr marL="0" marR="0" lvl="0" indent="0" algn="l" defTabSz="914400" rtl="0" eaLnBrk="1" fontAlgn="auto" latinLnBrk="0" hangingPunct="1">
+              <a:lnSpc>
+                <a:spcPct val="100000"/>
+              </a:lnSpc>
+              <a:spcBef>
+                <a:spcPts val="0"/>
+              </a:spcBef>
+              <a:spcAft>
+                <a:spcPts val="0"/>
+              </a:spcAft>
+              <a:buClrTx/>
+              <a:buSzTx/>
+              <a:buFontTx/>
+              <a:buNone/>
+              <a:tabLst/>
+              <a:defRPr/>
+            </a:pPr>
+            <a:r>
+              <a:rPr lang="en-US" altLang="zh-TW" sz="1800" kern="100" dirty="0">
+                <a:effectLst/>
+                <a:latin typeface="Calibri" panose="020F0502020204030204" pitchFamily="34" charset="0"/>
+                <a:ea typeface="新細明體" panose="02020500000000000000" pitchFamily="18" charset="-120"/>
+                <a:cs typeface="Times New Roman" panose="02020603050405020304" pitchFamily="18" charset="0"/>
+              </a:rPr>
+              <a:t>40</a:t>
+            </a:r>
+            <a:r>
+              <a:rPr lang="zh-TW" altLang="zh-TW" sz="1800" kern="100" dirty="0">
+                <a:effectLst/>
+                <a:latin typeface="Calibri" panose="020F0502020204030204" pitchFamily="34" charset="0"/>
+                <a:ea typeface="新細明體" panose="02020500000000000000" pitchFamily="18" charset="-120"/>
+                <a:cs typeface="Times New Roman" panose="02020603050405020304" pitchFamily="18" charset="0"/>
+              </a:rPr>
+              <a:t>多歲白人滑雪教練男性伸著白色外套，頭戴太陽眼鏡在對一群女學生示範如何滑雪、在太號湖邊的滑雪場。請用日本動漫風來呈現。</a:t>
+            </a:r>
+          </a:p>
+          <a:p>
+            <a:endParaRPr kumimoji="1" lang="zh-TW" altLang="en-US" dirty="0"/>
+          </a:p>
+        </p:txBody>
+      </p:sp>
+      <p:sp>
+        <p:nvSpPr>
+          <p:cNvPr id="4" name="投影片編號版面配置區 3"/>
+          <p:cNvSpPr>
+            <a:spLocks noGrp="1"/>
+          </p:cNvSpPr>
+          <p:nvPr>
+            <p:ph type="sldNum" sz="quarter" idx="5"/>
+          </p:nvPr>
+        </p:nvSpPr>
+        <p:spPr/>
+        <p:txBody>
+          <a:bodyPr/>
+          <a:lstStyle/>
+          <a:p>
+            <a:fld id="{9092B0B4-9E83-2E4B-B960-F734411B2582}" type="slidenum">
+              <a:rPr kumimoji="1" lang="zh-TW" altLang="en-US" smtClean="0"/>
+              <a:t>5</a:t>
+            </a:fld>
+            <a:endParaRPr kumimoji="1" lang="zh-TW" altLang="en-US"/>
+          </a:p>
+        </p:txBody>
+      </p:sp>
+    </p:spTree>
+    <p:extLst>
+      <p:ext uri="{BB962C8B-B14F-4D97-AF65-F5344CB8AC3E}">
+        <p14:creationId xmlns:p14="http://schemas.microsoft.com/office/powerpoint/2010/main" val="1127702667"/>
+      </p:ext>
+    </p:extLst>
+  </p:cSld>
+  <p:clrMapOvr>
+    <a:masterClrMapping/>
+  </p:clrMapOvr>
+</p:notes>
+</file>
+
+<file path=ppt/notesSlides/notesSlide5.xml><?xml version="1.0" encoding="utf-8"?>
+<p:notes xmlns:a="http://schemas.openxmlformats.org/drawingml/2006/main" xmlns:r="http://schemas.openxmlformats.org/officeDocument/2006/relationships" xmlns:p="http://schemas.openxmlformats.org/presentationml/2006/main">
+  <p:cSld>
+    <p:spTree>
+      <p:nvGrpSpPr>
+        <p:cNvPr id="1" name=""/>
+        <p:cNvGrpSpPr/>
+        <p:nvPr/>
+      </p:nvGrpSpPr>
+      <p:grpSpPr>
+        <a:xfrm>
+          <a:off x="0" y="0"/>
+          <a:ext cx="0" cy="0"/>
+          <a:chOff x="0" y="0"/>
+          <a:chExt cx="0" cy="0"/>
+        </a:xfrm>
+      </p:grpSpPr>
+      <p:sp>
+        <p:nvSpPr>
+          <p:cNvPr id="2" name="投影片影像版面配置區 1"/>
+          <p:cNvSpPr>
+            <a:spLocks noGrp="1" noRot="1" noChangeAspect="1"/>
+          </p:cNvSpPr>
+          <p:nvPr>
+            <p:ph type="sldImg"/>
+          </p:nvPr>
+        </p:nvSpPr>
+        <p:spPr/>
+      </p:sp>
+      <p:sp>
+        <p:nvSpPr>
+          <p:cNvPr id="3" name="備忘稿版面配置區 2"/>
+          <p:cNvSpPr>
+            <a:spLocks noGrp="1"/>
+          </p:cNvSpPr>
+          <p:nvPr>
+            <p:ph type="body" idx="1"/>
+          </p:nvPr>
+        </p:nvSpPr>
+        <p:spPr/>
+        <p:txBody>
+          <a:bodyPr/>
+          <a:lstStyle/>
+          <a:p>
+            <a:r>
+              <a:rPr lang="zh-TW" altLang="zh-TW" sz="1800" kern="100" dirty="0">
+                <a:effectLst/>
+                <a:latin typeface="Calibri" panose="020F0502020204030204" pitchFamily="34" charset="0"/>
+                <a:ea typeface="新細明體" panose="02020500000000000000" pitchFamily="18" charset="-120"/>
+                <a:cs typeface="Times New Roman" panose="02020603050405020304" pitchFamily="18" charset="0"/>
+              </a:rPr>
+              <a:t>帶隊的中心主任是滑雪高手，直接把所有的參與活動的學生帶到中級程度的滑雪場，也就是說我們跳過了基礎課程、直接到半山腰去滑雪。他簡單介紹滑雪原理之後就讓我們這一群不會滑雪的學生往下滑。</a:t>
+            </a:r>
+          </a:p>
+          <a:p>
+            <a:r>
+              <a:rPr lang="zh-TW" altLang="zh-TW" sz="1800" kern="100" dirty="0">
+                <a:effectLst/>
+                <a:latin typeface="Calibri" panose="020F0502020204030204" pitchFamily="34" charset="0"/>
+                <a:ea typeface="新細明體" panose="02020500000000000000" pitchFamily="18" charset="-120"/>
+                <a:cs typeface="Times New Roman" panose="02020603050405020304" pitchFamily="18" charset="0"/>
+              </a:rPr>
+              <a:t>幫我根據這個段落生成可以代表內容的圖片（日本動漫風格），讓我可以用看圖說故事的方式講出這個故事。其中小魚兒是黑色短髮，平瀏海，穿著黃色冬季滑雪大衣，戴紅色毛線帽子、太陽眼鏡。</a:t>
+            </a:r>
+          </a:p>
+          <a:p>
+            <a:endParaRPr kumimoji="1" lang="zh-TW" altLang="en-US" dirty="0"/>
+          </a:p>
+        </p:txBody>
+      </p:sp>
+      <p:sp>
+        <p:nvSpPr>
+          <p:cNvPr id="4" name="投影片編號版面配置區 3"/>
+          <p:cNvSpPr>
+            <a:spLocks noGrp="1"/>
+          </p:cNvSpPr>
+          <p:nvPr>
+            <p:ph type="sldNum" sz="quarter" idx="5"/>
+          </p:nvPr>
+        </p:nvSpPr>
+        <p:spPr/>
+        <p:txBody>
+          <a:bodyPr/>
+          <a:lstStyle/>
+          <a:p>
+            <a:fld id="{9092B0B4-9E83-2E4B-B960-F734411B2582}" type="slidenum">
+              <a:rPr kumimoji="1" lang="zh-TW" altLang="en-US" smtClean="0"/>
+              <a:t>6</a:t>
+            </a:fld>
+            <a:endParaRPr kumimoji="1" lang="zh-TW" altLang="en-US"/>
+          </a:p>
+        </p:txBody>
+      </p:sp>
+    </p:spTree>
+    <p:extLst>
+      <p:ext uri="{BB962C8B-B14F-4D97-AF65-F5344CB8AC3E}">
+        <p14:creationId xmlns:p14="http://schemas.microsoft.com/office/powerpoint/2010/main" val="2172899414"/>
+      </p:ext>
+    </p:extLst>
+  </p:cSld>
+  <p:clrMapOvr>
+    <a:masterClrMapping/>
+  </p:clrMapOvr>
+</p:notes>
+</file>
+
+<file path=ppt/notesSlides/notesSlide6.xml><?xml version="1.0" encoding="utf-8"?>
+<p:notes xmlns:a="http://schemas.openxmlformats.org/drawingml/2006/main" xmlns:r="http://schemas.openxmlformats.org/officeDocument/2006/relationships" xmlns:p="http://schemas.openxmlformats.org/presentationml/2006/main">
+  <p:cSld>
+    <p:spTree>
+      <p:nvGrpSpPr>
+        <p:cNvPr id="1" name=""/>
+        <p:cNvGrpSpPr/>
+        <p:nvPr/>
+      </p:nvGrpSpPr>
+      <p:grpSpPr>
+        <a:xfrm>
+          <a:off x="0" y="0"/>
+          <a:ext cx="0" cy="0"/>
+          <a:chOff x="0" y="0"/>
+          <a:chExt cx="0" cy="0"/>
+        </a:xfrm>
+      </p:grpSpPr>
+      <p:sp>
+        <p:nvSpPr>
+          <p:cNvPr id="2" name="投影片影像版面配置區 1"/>
+          <p:cNvSpPr>
+            <a:spLocks noGrp="1" noRot="1" noChangeAspect="1"/>
+          </p:cNvSpPr>
+          <p:nvPr>
+            <p:ph type="sldImg"/>
+          </p:nvPr>
+        </p:nvSpPr>
+        <p:spPr/>
+      </p:sp>
+      <p:sp>
+        <p:nvSpPr>
+          <p:cNvPr id="3" name="備忘稿版面配置區 2"/>
+          <p:cNvSpPr>
+            <a:spLocks noGrp="1"/>
+          </p:cNvSpPr>
+          <p:nvPr>
+            <p:ph type="body" idx="1"/>
+          </p:nvPr>
+        </p:nvSpPr>
+        <p:spPr/>
+        <p:txBody>
+          <a:bodyPr/>
+          <a:lstStyle/>
+          <a:p>
+            <a:r>
+              <a:rPr lang="zh-TW" altLang="zh-TW" sz="1800" kern="100" dirty="0">
+                <a:effectLst/>
+                <a:latin typeface="Calibri" panose="020F0502020204030204" pitchFamily="34" charset="0"/>
+                <a:ea typeface="新細明體" panose="02020500000000000000" pitchFamily="18" charset="-120"/>
+                <a:cs typeface="Times New Roman" panose="02020603050405020304" pitchFamily="18" charset="0"/>
+              </a:rPr>
+              <a:t>我因為沒滑過雪，試著按照指示去控制我的雙腳，希望能增加阻力不要直接衝下去撞到別人，但是我猶如坐在一台沒有煞車的車上快速的往山下移動。</a:t>
+            </a:r>
+          </a:p>
+          <a:p>
+            <a:r>
+              <a:rPr lang="zh-TW" altLang="zh-TW" sz="1800" kern="100" dirty="0">
+                <a:effectLst/>
+                <a:latin typeface="Calibri" panose="020F0502020204030204" pitchFamily="34" charset="0"/>
+                <a:ea typeface="新細明體" panose="02020500000000000000" pitchFamily="18" charset="-120"/>
+                <a:cs typeface="Times New Roman" panose="02020603050405020304" pitchFamily="18" charset="0"/>
+              </a:rPr>
+              <a:t>幫我根據這個段落生成可以代表內容的圖片（日本動漫風格），讓我可以用看圖說故事的方式講出這個故事。其中小魚兒是黑色短髮，平瀏海，穿著黃色冬季滑雪大衣，戴紅色毛線帽子、太陽眼鏡。</a:t>
+            </a:r>
+          </a:p>
+          <a:p>
+            <a:endParaRPr kumimoji="1" lang="zh-TW" altLang="en-US" dirty="0"/>
+          </a:p>
+        </p:txBody>
+      </p:sp>
+      <p:sp>
+        <p:nvSpPr>
+          <p:cNvPr id="4" name="投影片編號版面配置區 3"/>
+          <p:cNvSpPr>
+            <a:spLocks noGrp="1"/>
+          </p:cNvSpPr>
+          <p:nvPr>
+            <p:ph type="sldNum" sz="quarter" idx="5"/>
+          </p:nvPr>
+        </p:nvSpPr>
+        <p:spPr/>
+        <p:txBody>
+          <a:bodyPr/>
+          <a:lstStyle/>
+          <a:p>
+            <a:fld id="{9092B0B4-9E83-2E4B-B960-F734411B2582}" type="slidenum">
+              <a:rPr kumimoji="1" lang="zh-TW" altLang="en-US" smtClean="0"/>
+              <a:t>7</a:t>
+            </a:fld>
+            <a:endParaRPr kumimoji="1" lang="zh-TW" altLang="en-US"/>
+          </a:p>
+        </p:txBody>
+      </p:sp>
+    </p:spTree>
+    <p:extLst>
+      <p:ext uri="{BB962C8B-B14F-4D97-AF65-F5344CB8AC3E}">
+        <p14:creationId xmlns:p14="http://schemas.microsoft.com/office/powerpoint/2010/main" val="337564766"/>
+      </p:ext>
+    </p:extLst>
+  </p:cSld>
+  <p:clrMapOvr>
+    <a:masterClrMapping/>
+  </p:clrMapOvr>
+</p:notes>
+</file>
+
+<file path=ppt/notesSlides/notesSlide7.xml><?xml version="1.0" encoding="utf-8"?>
+<p:notes xmlns:a="http://schemas.openxmlformats.org/drawingml/2006/main" xmlns:r="http://schemas.openxmlformats.org/officeDocument/2006/relationships" xmlns:p="http://schemas.openxmlformats.org/presentationml/2006/main">
+  <p:cSld>
+    <p:spTree>
+      <p:nvGrpSpPr>
+        <p:cNvPr id="1" name=""/>
+        <p:cNvGrpSpPr/>
+        <p:nvPr/>
+      </p:nvGrpSpPr>
+      <p:grpSpPr>
+        <a:xfrm>
+          <a:off x="0" y="0"/>
+          <a:ext cx="0" cy="0"/>
+          <a:chOff x="0" y="0"/>
+          <a:chExt cx="0" cy="0"/>
+        </a:xfrm>
+      </p:grpSpPr>
+      <p:sp>
+        <p:nvSpPr>
+          <p:cNvPr id="2" name="投影片影像版面配置區 1"/>
+          <p:cNvSpPr>
+            <a:spLocks noGrp="1" noRot="1" noChangeAspect="1"/>
+          </p:cNvSpPr>
+          <p:nvPr>
+            <p:ph type="sldImg"/>
+          </p:nvPr>
+        </p:nvSpPr>
+        <p:spPr/>
+      </p:sp>
+      <p:sp>
+        <p:nvSpPr>
+          <p:cNvPr id="3" name="備忘稿版面配置區 2"/>
+          <p:cNvSpPr>
+            <a:spLocks noGrp="1"/>
+          </p:cNvSpPr>
+          <p:nvPr>
+            <p:ph type="body" idx="1"/>
+          </p:nvPr>
+        </p:nvSpPr>
+        <p:spPr/>
+        <p:txBody>
+          <a:bodyPr/>
+          <a:lstStyle/>
+          <a:p>
+            <a:r>
+              <a:rPr lang="zh-TW" altLang="zh-TW" sz="1800" kern="100" dirty="0">
+                <a:effectLst/>
+                <a:latin typeface="Calibri" panose="020F0502020204030204" pitchFamily="34" charset="0"/>
+                <a:ea typeface="新細明體" panose="02020500000000000000" pitchFamily="18" charset="-120"/>
+                <a:cs typeface="Times New Roman" panose="02020603050405020304" pitchFamily="18" charset="0"/>
+              </a:rPr>
+              <a:t>我因為沒滑過雪，試著按照指示去控制我的雙腳，希望能增加阻力不要直接衝下去撞到別人，但是我猶如坐在一台沒有煞車的車上快速的往山下移動。</a:t>
+            </a:r>
+          </a:p>
+          <a:p>
+            <a:r>
+              <a:rPr lang="zh-TW" altLang="zh-TW" sz="1800" kern="100" dirty="0">
+                <a:effectLst/>
+                <a:latin typeface="Calibri" panose="020F0502020204030204" pitchFamily="34" charset="0"/>
+                <a:ea typeface="新細明體" panose="02020500000000000000" pitchFamily="18" charset="-120"/>
+                <a:cs typeface="Times New Roman" panose="02020603050405020304" pitchFamily="18" charset="0"/>
+              </a:rPr>
+              <a:t>幫我根據這個段落生成可以代表內容的圖片（日本動漫風格），讓我可以用看圖說故事的方式講出這個故事。其中小魚兒是黑色短髮，平瀏海，穿著黃色冬季滑雪大衣，戴紅色毛線帽子、太陽眼鏡。</a:t>
+            </a:r>
+          </a:p>
+          <a:p>
+            <a:endParaRPr kumimoji="1" lang="zh-TW" altLang="en-US" dirty="0"/>
+          </a:p>
+        </p:txBody>
+      </p:sp>
+      <p:sp>
+        <p:nvSpPr>
+          <p:cNvPr id="4" name="投影片編號版面配置區 3"/>
+          <p:cNvSpPr>
+            <a:spLocks noGrp="1"/>
+          </p:cNvSpPr>
+          <p:nvPr>
+            <p:ph type="sldNum" sz="quarter" idx="5"/>
+          </p:nvPr>
+        </p:nvSpPr>
+        <p:spPr/>
+        <p:txBody>
+          <a:bodyPr/>
+          <a:lstStyle/>
+          <a:p>
+            <a:fld id="{9092B0B4-9E83-2E4B-B960-F734411B2582}" type="slidenum">
+              <a:rPr kumimoji="1" lang="zh-TW" altLang="en-US" smtClean="0"/>
+              <a:t>8</a:t>
+            </a:fld>
+            <a:endParaRPr kumimoji="1" lang="zh-TW" altLang="en-US"/>
+          </a:p>
+        </p:txBody>
+      </p:sp>
+    </p:spTree>
+    <p:extLst>
+      <p:ext uri="{BB962C8B-B14F-4D97-AF65-F5344CB8AC3E}">
+        <p14:creationId xmlns:p14="http://schemas.microsoft.com/office/powerpoint/2010/main" val="2838224660"/>
+      </p:ext>
+    </p:extLst>
+  </p:cSld>
+  <p:clrMapOvr>
+    <a:masterClrMapping/>
+  </p:clrMapOvr>
+</p:notes>
+</file>
+
+<file path=ppt/notesSlides/notesSlide8.xml><?xml version="1.0" encoding="utf-8"?>
+<p:notes xmlns:a="http://schemas.openxmlformats.org/drawingml/2006/main" xmlns:r="http://schemas.openxmlformats.org/officeDocument/2006/relationships" xmlns:p="http://schemas.openxmlformats.org/presentationml/2006/main">
+  <p:cSld>
+    <p:spTree>
+      <p:nvGrpSpPr>
+        <p:cNvPr id="1" name=""/>
+        <p:cNvGrpSpPr/>
+        <p:nvPr/>
+      </p:nvGrpSpPr>
+      <p:grpSpPr>
+        <a:xfrm>
+          <a:off x="0" y="0"/>
+          <a:ext cx="0" cy="0"/>
+          <a:chOff x="0" y="0"/>
+          <a:chExt cx="0" cy="0"/>
+        </a:xfrm>
+      </p:grpSpPr>
+      <p:sp>
+        <p:nvSpPr>
+          <p:cNvPr id="2" name="投影片影像版面配置區 1"/>
+          <p:cNvSpPr>
+            <a:spLocks noGrp="1" noRot="1" noChangeAspect="1"/>
+          </p:cNvSpPr>
+          <p:nvPr>
+            <p:ph type="sldImg"/>
+          </p:nvPr>
+        </p:nvSpPr>
+        <p:spPr/>
+      </p:sp>
+      <p:sp>
+        <p:nvSpPr>
+          <p:cNvPr id="3" name="備忘稿版面配置區 2"/>
+          <p:cNvSpPr>
+            <a:spLocks noGrp="1"/>
+          </p:cNvSpPr>
+          <p:nvPr>
+            <p:ph type="body" idx="1"/>
+          </p:nvPr>
+        </p:nvSpPr>
+        <p:spPr/>
+        <p:txBody>
+          <a:bodyPr/>
+          <a:lstStyle/>
+          <a:p>
+            <a:pPr marL="0" marR="0" lvl="0" indent="0" algn="l" defTabSz="914400" rtl="0" eaLnBrk="1" fontAlgn="auto" latinLnBrk="0" hangingPunct="1">
+              <a:lnSpc>
+                <a:spcPct val="100000"/>
+              </a:lnSpc>
+              <a:spcBef>
+                <a:spcPts val="0"/>
+              </a:spcBef>
+              <a:spcAft>
+                <a:spcPts val="0"/>
+              </a:spcAft>
+              <a:buClrTx/>
+              <a:buSzTx/>
+              <a:buFontTx/>
+              <a:buNone/>
+              <a:tabLst/>
+              <a:defRPr/>
+            </a:pPr>
+            <a:r>
+              <a:rPr lang="zh-TW" altLang="zh-TW" sz="1800" dirty="0">
+                <a:effectLst/>
+                <a:latin typeface="Calibri" panose="020F0502020204030204" pitchFamily="34" charset="0"/>
+                <a:ea typeface="新細明體" panose="02020500000000000000" pitchFamily="18" charset="-120"/>
+                <a:cs typeface="Times New Roman" panose="02020603050405020304" pitchFamily="18" charset="0"/>
+              </a:rPr>
+              <a:t>我在滑雪過程中跌倒</a:t>
+            </a:r>
+            <a:r>
+              <a:rPr lang="zh-TW" altLang="zh-TW" dirty="0">
+                <a:effectLst/>
+              </a:rPr>
+              <a:t> </a:t>
+            </a:r>
+            <a:r>
+              <a:rPr lang="zh-TW" altLang="en-US" dirty="0">
+                <a:effectLst/>
+              </a:rPr>
+              <a:t>。</a:t>
+            </a:r>
+            <a:r>
+              <a:rPr lang="zh-TW" altLang="zh-TW" sz="1800" kern="100" dirty="0">
+                <a:effectLst/>
+                <a:latin typeface="Calibri" panose="020F0502020204030204" pitchFamily="34" charset="0"/>
+                <a:ea typeface="新細明體" panose="02020500000000000000" pitchFamily="18" charset="-120"/>
+                <a:cs typeface="Times New Roman" panose="02020603050405020304" pitchFamily="18" charset="0"/>
+              </a:rPr>
+              <a:t>幫我根據這個段落生成可以代表內容的圖片（日本動漫風格），讓我可以用看圖說故事的方式講出這個故事。其中小魚兒是黑色短髮，平瀏海，穿著黃色冬季滑雪大衣，戴紅色毛線帽子、太陽眼鏡。</a:t>
+            </a:r>
+          </a:p>
+          <a:p>
+            <a:endParaRPr kumimoji="1" lang="zh-TW" altLang="en-US" dirty="0"/>
+          </a:p>
+        </p:txBody>
+      </p:sp>
+      <p:sp>
+        <p:nvSpPr>
+          <p:cNvPr id="4" name="投影片編號版面配置區 3"/>
+          <p:cNvSpPr>
+            <a:spLocks noGrp="1"/>
+          </p:cNvSpPr>
+          <p:nvPr>
+            <p:ph type="sldNum" sz="quarter" idx="5"/>
+          </p:nvPr>
+        </p:nvSpPr>
+        <p:spPr/>
+        <p:txBody>
+          <a:bodyPr/>
+          <a:lstStyle/>
+          <a:p>
+            <a:fld id="{9092B0B4-9E83-2E4B-B960-F734411B2582}" type="slidenum">
+              <a:rPr kumimoji="1" lang="zh-TW" altLang="en-US" smtClean="0"/>
+              <a:t>9</a:t>
+            </a:fld>
+            <a:endParaRPr kumimoji="1" lang="zh-TW" altLang="en-US"/>
+          </a:p>
+        </p:txBody>
+      </p:sp>
+    </p:spTree>
+    <p:extLst>
+      <p:ext uri="{BB962C8B-B14F-4D97-AF65-F5344CB8AC3E}">
+        <p14:creationId xmlns:p14="http://schemas.microsoft.com/office/powerpoint/2010/main" val="2339765650"/>
+      </p:ext>
+    </p:extLst>
+  </p:cSld>
+  <p:clrMapOvr>
+    <a:masterClrMapping/>
+  </p:clrMapOvr>
+</p:notes>
+</file>
+
+<file path=ppt/notesSlides/notesSlide9.xml><?xml version="1.0" encoding="utf-8"?>
+<p:notes xmlns:a="http://schemas.openxmlformats.org/drawingml/2006/main" xmlns:r="http://schemas.openxmlformats.org/officeDocument/2006/relationships" xmlns:p="http://schemas.openxmlformats.org/presentationml/2006/main">
+  <p:cSld>
+    <p:spTree>
+      <p:nvGrpSpPr>
+        <p:cNvPr id="1" name=""/>
+        <p:cNvGrpSpPr/>
+        <p:nvPr/>
+      </p:nvGrpSpPr>
+      <p:grpSpPr>
+        <a:xfrm>
+          <a:off x="0" y="0"/>
+          <a:ext cx="0" cy="0"/>
+          <a:chOff x="0" y="0"/>
+          <a:chExt cx="0" cy="0"/>
+        </a:xfrm>
+      </p:grpSpPr>
+      <p:sp>
+        <p:nvSpPr>
+          <p:cNvPr id="2" name="投影片影像版面配置區 1"/>
+          <p:cNvSpPr>
+            <a:spLocks noGrp="1" noRot="1" noChangeAspect="1"/>
+          </p:cNvSpPr>
+          <p:nvPr>
+            <p:ph type="sldImg"/>
+          </p:nvPr>
+        </p:nvSpPr>
+        <p:spPr/>
+      </p:sp>
+      <p:sp>
+        <p:nvSpPr>
+          <p:cNvPr id="3" name="備忘稿版面配置區 2"/>
+          <p:cNvSpPr>
+            <a:spLocks noGrp="1"/>
+          </p:cNvSpPr>
+          <p:nvPr>
+            <p:ph type="body" idx="1"/>
+          </p:nvPr>
+        </p:nvSpPr>
+        <p:spPr/>
+        <p:txBody>
+          <a:bodyPr/>
+          <a:lstStyle/>
+          <a:p>
+            <a:pPr marL="0" marR="0" lvl="0" indent="0" algn="l" defTabSz="914400" rtl="0" eaLnBrk="1" fontAlgn="auto" latinLnBrk="0" hangingPunct="1">
+              <a:lnSpc>
+                <a:spcPct val="100000"/>
+              </a:lnSpc>
+              <a:spcBef>
+                <a:spcPts val="0"/>
+              </a:spcBef>
+              <a:spcAft>
+                <a:spcPts val="0"/>
+              </a:spcAft>
+              <a:buClrTx/>
+              <a:buSzTx/>
+              <a:buFontTx/>
+              <a:buNone/>
+              <a:tabLst/>
+              <a:defRPr/>
+            </a:pPr>
+            <a:r>
+              <a:rPr lang="zh-TW" altLang="zh-TW" sz="1200" dirty="0">
+                <a:effectLst/>
+                <a:latin typeface="Calibri" panose="020F0502020204030204" pitchFamily="34" charset="0"/>
+                <a:ea typeface="新細明體" panose="02020500000000000000" pitchFamily="18" charset="-120"/>
+                <a:cs typeface="Times New Roman" panose="02020603050405020304" pitchFamily="18" charset="0"/>
+              </a:rPr>
+              <a:t>我在滑雪過程中</a:t>
+            </a:r>
+            <a:r>
+              <a:rPr lang="zh-TW" altLang="en-US" sz="1200" dirty="0">
+                <a:effectLst/>
+                <a:latin typeface="Calibri" panose="020F0502020204030204" pitchFamily="34" charset="0"/>
+                <a:ea typeface="新細明體" panose="02020500000000000000" pitchFamily="18" charset="-120"/>
+                <a:cs typeface="Times New Roman" panose="02020603050405020304" pitchFamily="18" charset="0"/>
+              </a:rPr>
+              <a:t>撞倒一棵松樹</a:t>
+            </a:r>
+            <a:r>
+              <a:rPr lang="zh-TW" altLang="zh-TW" sz="1200" dirty="0">
+                <a:effectLst/>
+                <a:latin typeface="Calibri" panose="020F0502020204030204" pitchFamily="34" charset="0"/>
+                <a:ea typeface="新細明體" panose="02020500000000000000" pitchFamily="18" charset="-120"/>
+                <a:cs typeface="Times New Roman" panose="02020603050405020304" pitchFamily="18" charset="0"/>
+              </a:rPr>
+              <a:t>跌倒</a:t>
+            </a:r>
+            <a:r>
+              <a:rPr lang="zh-TW" altLang="zh-TW" dirty="0">
+                <a:effectLst/>
+              </a:rPr>
+              <a:t> </a:t>
+            </a:r>
+            <a:r>
+              <a:rPr lang="zh-TW" altLang="en-US" dirty="0">
+                <a:effectLst/>
+              </a:rPr>
+              <a:t>。</a:t>
+            </a:r>
+            <a:r>
+              <a:rPr lang="zh-TW" altLang="zh-TW" sz="1200" kern="100" dirty="0">
+                <a:effectLst/>
+                <a:latin typeface="Calibri" panose="020F0502020204030204" pitchFamily="34" charset="0"/>
+                <a:ea typeface="新細明體" panose="02020500000000000000" pitchFamily="18" charset="-120"/>
+                <a:cs typeface="Times New Roman" panose="02020603050405020304" pitchFamily="18" charset="0"/>
+              </a:rPr>
+              <a:t>幫我根據這個段落生成可以代表內容的圖片（日本動漫風格），讓我可以用看圖說故事的方式講出這個故事。其中小魚兒是黑色短髮，平瀏海，穿著黃色冬季滑雪大衣，戴紅色毛線帽子、太陽眼鏡。</a:t>
+            </a:r>
+          </a:p>
+          <a:p>
+            <a:endParaRPr kumimoji="1" lang="zh-TW" altLang="en-US" dirty="0"/>
+          </a:p>
+        </p:txBody>
+      </p:sp>
+      <p:sp>
+        <p:nvSpPr>
+          <p:cNvPr id="4" name="投影片編號版面配置區 3"/>
+          <p:cNvSpPr>
+            <a:spLocks noGrp="1"/>
+          </p:cNvSpPr>
+          <p:nvPr>
+            <p:ph type="sldNum" sz="quarter" idx="5"/>
+          </p:nvPr>
+        </p:nvSpPr>
+        <p:spPr/>
+        <p:txBody>
+          <a:bodyPr/>
+          <a:lstStyle/>
+          <a:p>
+            <a:fld id="{9092B0B4-9E83-2E4B-B960-F734411B2582}" type="slidenum">
+              <a:rPr kumimoji="1" lang="zh-TW" altLang="en-US" smtClean="0"/>
+              <a:t>10</a:t>
+            </a:fld>
+            <a:endParaRPr kumimoji="1" lang="zh-TW" altLang="en-US"/>
+          </a:p>
+        </p:txBody>
+      </p:sp>
+    </p:spTree>
+    <p:extLst>
+      <p:ext uri="{BB962C8B-B14F-4D97-AF65-F5344CB8AC3E}">
+        <p14:creationId xmlns:p14="http://schemas.microsoft.com/office/powerpoint/2010/main" val="812612819"/>
+      </p:ext>
+    </p:extLst>
+  </p:cSld>
+  <p:clrMapOvr>
+    <a:masterClrMapping/>
+  </p:clrMapOvr>
+</p:notes>
 </file>
 
 <file path=ppt/slideLayouts/slideLayout1.xml><?xml version="1.0" encoding="utf-8"?>
@@ -129,7 +1938,7 @@
           <p:cNvPr id="2" name="標題 1">
             <a:extLst>
               <a:ext uri="{FF2B5EF4-FFF2-40B4-BE49-F238E27FC236}">
-                <a16:creationId xmlns:a16="http://schemas.microsoft.com/office/drawing/2014/main" id="{EB5CC918-B447-434E-B98E-5847BB49C259}"/>
+                <a16:creationId xmlns:a16="http://schemas.microsoft.com/office/drawing/2014/main" id="{BA64ECA2-B320-9543-D312-20A490A6BF50}"/>
               </a:ext>
             </a:extLst>
           </p:cNvPr>
@@ -155,7 +1964,7 @@
           </a:lstStyle>
           <a:p>
             <a:r>
-              <a:rPr lang="zh-TW" altLang="en-US"/>
+              <a:rPr kumimoji="1" lang="zh-TW" altLang="en-US"/>
               <a:t>按一下以編輯母片標題樣式</a:t>
             </a:r>
           </a:p>
@@ -166,7 +1975,7 @@
           <p:cNvPr id="3" name="副標題 2">
             <a:extLst>
               <a:ext uri="{FF2B5EF4-FFF2-40B4-BE49-F238E27FC236}">
-                <a16:creationId xmlns:a16="http://schemas.microsoft.com/office/drawing/2014/main" id="{817FCC70-CC4E-4CB6-B2CF-9FDA5AC4D346}"/>
+                <a16:creationId xmlns:a16="http://schemas.microsoft.com/office/drawing/2014/main" id="{3130DE94-3F50-D0F1-BB7C-1A624D76D461}"/>
               </a:ext>
             </a:extLst>
           </p:cNvPr>
@@ -225,7 +2034,7 @@
           </a:lstStyle>
           <a:p>
             <a:r>
-              <a:rPr lang="zh-TW" altLang="en-US"/>
+              <a:rPr kumimoji="1" lang="zh-TW" altLang="en-US"/>
               <a:t>按一下以編輯母片子標題樣式</a:t>
             </a:r>
           </a:p>
@@ -236,7 +2045,7 @@
           <p:cNvPr id="4" name="日期版面配置區 3">
             <a:extLst>
               <a:ext uri="{FF2B5EF4-FFF2-40B4-BE49-F238E27FC236}">
-                <a16:creationId xmlns:a16="http://schemas.microsoft.com/office/drawing/2014/main" id="{BD08F018-0004-4322-AD0F-E6E740964233}"/>
+                <a16:creationId xmlns:a16="http://schemas.microsoft.com/office/drawing/2014/main" id="{B2E90B02-DCB6-C201-C302-A0FB8D938272}"/>
               </a:ext>
             </a:extLst>
           </p:cNvPr>
@@ -252,11 +2061,11 @@
           <a:bodyPr/>
           <a:lstStyle/>
           <a:p>
-            <a:fld id="{C3C90D7E-32D6-4894-AE08-7BBB3E610FC9}" type="datetimeFigureOut">
-              <a:rPr lang="zh-TW" altLang="en-US" smtClean="0"/>
-              <a:t>2024/9/16</a:t>
+            <a:fld id="{F014F6BB-CE5A-FE4A-B632-8883DF934E6D}" type="datetimeFigureOut">
+              <a:rPr kumimoji="1" lang="zh-TW" altLang="en-US" smtClean="0"/>
+              <a:t>2024/10/23</a:t>
             </a:fld>
-            <a:endParaRPr lang="zh-TW" altLang="en-US"/>
+            <a:endParaRPr kumimoji="1" lang="zh-TW" altLang="en-US"/>
           </a:p>
         </p:txBody>
       </p:sp>
@@ -265,7 +2074,7 @@
           <p:cNvPr id="5" name="頁尾版面配置區 4">
             <a:extLst>
               <a:ext uri="{FF2B5EF4-FFF2-40B4-BE49-F238E27FC236}">
-                <a16:creationId xmlns:a16="http://schemas.microsoft.com/office/drawing/2014/main" id="{30427B34-CB13-41C7-B2F2-CED9BDC5B595}"/>
+                <a16:creationId xmlns:a16="http://schemas.microsoft.com/office/drawing/2014/main" id="{31567CC5-5B73-BA27-C409-D300C091B889}"/>
               </a:ext>
             </a:extLst>
           </p:cNvPr>
@@ -281,7 +2090,7 @@
           <a:bodyPr/>
           <a:lstStyle/>
           <a:p>
-            <a:endParaRPr lang="zh-TW" altLang="en-US"/>
+            <a:endParaRPr kumimoji="1" lang="zh-TW" altLang="en-US"/>
           </a:p>
         </p:txBody>
       </p:sp>
@@ -290,7 +2099,7 @@
           <p:cNvPr id="6" name="投影片編號版面配置區 5">
             <a:extLst>
               <a:ext uri="{FF2B5EF4-FFF2-40B4-BE49-F238E27FC236}">
-                <a16:creationId xmlns:a16="http://schemas.microsoft.com/office/drawing/2014/main" id="{76FA962E-5B03-439A-928C-87366876542D}"/>
+                <a16:creationId xmlns:a16="http://schemas.microsoft.com/office/drawing/2014/main" id="{99DD9380-E67E-0DC8-7ABB-D36A02629A83}"/>
               </a:ext>
             </a:extLst>
           </p:cNvPr>
@@ -306,18 +2115,18 @@
           <a:bodyPr/>
           <a:lstStyle/>
           <a:p>
-            <a:fld id="{E31EC408-072F-4346-BD0A-D6AA5788A305}" type="slidenum">
-              <a:rPr lang="zh-TW" altLang="en-US" smtClean="0"/>
+            <a:fld id="{5CCBD79B-D056-D44F-B780-F2AA710EBA35}" type="slidenum">
+              <a:rPr kumimoji="1" lang="zh-TW" altLang="en-US" smtClean="0"/>
               <a:t>‹#›</a:t>
             </a:fld>
-            <a:endParaRPr lang="zh-TW" altLang="en-US"/>
+            <a:endParaRPr kumimoji="1" lang="zh-TW" altLang="en-US"/>
           </a:p>
         </p:txBody>
       </p:sp>
     </p:spTree>
     <p:extLst>
       <p:ext uri="{BB962C8B-B14F-4D97-AF65-F5344CB8AC3E}">
-        <p14:creationId xmlns:p14="http://schemas.microsoft.com/office/powerpoint/2010/main" val="2963035110"/>
+        <p14:creationId xmlns:p14="http://schemas.microsoft.com/office/powerpoint/2010/main" val="4242214758"/>
       </p:ext>
     </p:extLst>
   </p:cSld>
@@ -349,7 +2158,7 @@
           <p:cNvPr id="2" name="標題 1">
             <a:extLst>
               <a:ext uri="{FF2B5EF4-FFF2-40B4-BE49-F238E27FC236}">
-                <a16:creationId xmlns:a16="http://schemas.microsoft.com/office/drawing/2014/main" id="{A02F0018-7F8E-4206-A929-07CDC6B5F34A}"/>
+                <a16:creationId xmlns:a16="http://schemas.microsoft.com/office/drawing/2014/main" id="{E3ECAE45-B5FA-BF7F-7150-475216B6082F}"/>
               </a:ext>
             </a:extLst>
           </p:cNvPr>
@@ -366,7 +2175,7 @@
           <a:lstStyle/>
           <a:p>
             <a:r>
-              <a:rPr lang="zh-TW" altLang="en-US"/>
+              <a:rPr kumimoji="1" lang="zh-TW" altLang="en-US"/>
               <a:t>按一下以編輯母片標題樣式</a:t>
             </a:r>
           </a:p>
@@ -377,7 +2186,7 @@
           <p:cNvPr id="3" name="直排文字版面配置區 2">
             <a:extLst>
               <a:ext uri="{FF2B5EF4-FFF2-40B4-BE49-F238E27FC236}">
-                <a16:creationId xmlns:a16="http://schemas.microsoft.com/office/drawing/2014/main" id="{9B801E88-34C3-4545-A358-81F5614FED64}"/>
+                <a16:creationId xmlns:a16="http://schemas.microsoft.com/office/drawing/2014/main" id="{55F6F326-6627-AB0E-104A-6560353DCCA9}"/>
               </a:ext>
             </a:extLst>
           </p:cNvPr>
@@ -395,35 +2204,35 @@
           <a:p>
             <a:pPr lvl="0"/>
             <a:r>
-              <a:rPr lang="zh-TW" altLang="en-US"/>
+              <a:rPr kumimoji="1" lang="zh-TW" altLang="en-US"/>
               <a:t>按一下以編輯母片文字樣式</a:t>
             </a:r>
           </a:p>
           <a:p>
             <a:pPr lvl="1"/>
             <a:r>
-              <a:rPr lang="zh-TW" altLang="en-US"/>
+              <a:rPr kumimoji="1" lang="zh-TW" altLang="en-US"/>
               <a:t>第二層</a:t>
             </a:r>
           </a:p>
           <a:p>
             <a:pPr lvl="2"/>
             <a:r>
-              <a:rPr lang="zh-TW" altLang="en-US"/>
+              <a:rPr kumimoji="1" lang="zh-TW" altLang="en-US"/>
               <a:t>第三層</a:t>
             </a:r>
           </a:p>
           <a:p>
             <a:pPr lvl="3"/>
             <a:r>
-              <a:rPr lang="zh-TW" altLang="en-US"/>
+              <a:rPr kumimoji="1" lang="zh-TW" altLang="en-US"/>
               <a:t>第四層</a:t>
             </a:r>
           </a:p>
           <a:p>
             <a:pPr lvl="4"/>
             <a:r>
-              <a:rPr lang="zh-TW" altLang="en-US"/>
+              <a:rPr kumimoji="1" lang="zh-TW" altLang="en-US"/>
               <a:t>第五層</a:t>
             </a:r>
           </a:p>
@@ -434,7 +2243,7 @@
           <p:cNvPr id="4" name="日期版面配置區 3">
             <a:extLst>
               <a:ext uri="{FF2B5EF4-FFF2-40B4-BE49-F238E27FC236}">
-                <a16:creationId xmlns:a16="http://schemas.microsoft.com/office/drawing/2014/main" id="{60AFD716-8B99-4230-B55F-C8B88ECBB171}"/>
+                <a16:creationId xmlns:a16="http://schemas.microsoft.com/office/drawing/2014/main" id="{11B1B482-7194-3B9E-6D30-BE9DB665CCF6}"/>
               </a:ext>
             </a:extLst>
           </p:cNvPr>
@@ -450,11 +2259,11 @@
           <a:bodyPr/>
           <a:lstStyle/>
           <a:p>
-            <a:fld id="{C3C90D7E-32D6-4894-AE08-7BBB3E610FC9}" type="datetimeFigureOut">
-              <a:rPr lang="zh-TW" altLang="en-US" smtClean="0"/>
-              <a:t>2024/9/16</a:t>
+            <a:fld id="{F014F6BB-CE5A-FE4A-B632-8883DF934E6D}" type="datetimeFigureOut">
+              <a:rPr kumimoji="1" lang="zh-TW" altLang="en-US" smtClean="0"/>
+              <a:t>2024/10/23</a:t>
             </a:fld>
-            <a:endParaRPr lang="zh-TW" altLang="en-US"/>
+            <a:endParaRPr kumimoji="1" lang="zh-TW" altLang="en-US"/>
           </a:p>
         </p:txBody>
       </p:sp>
@@ -463,7 +2272,7 @@
           <p:cNvPr id="5" name="頁尾版面配置區 4">
             <a:extLst>
               <a:ext uri="{FF2B5EF4-FFF2-40B4-BE49-F238E27FC236}">
-                <a16:creationId xmlns:a16="http://schemas.microsoft.com/office/drawing/2014/main" id="{EA374743-76D9-4BF8-A60C-2F50B2636A8A}"/>
+                <a16:creationId xmlns:a16="http://schemas.microsoft.com/office/drawing/2014/main" id="{A18879DB-B5E7-735F-0FA7-3D8A1DE0B588}"/>
               </a:ext>
             </a:extLst>
           </p:cNvPr>
@@ -479,7 +2288,7 @@
           <a:bodyPr/>
           <a:lstStyle/>
           <a:p>
-            <a:endParaRPr lang="zh-TW" altLang="en-US"/>
+            <a:endParaRPr kumimoji="1" lang="zh-TW" altLang="en-US"/>
           </a:p>
         </p:txBody>
       </p:sp>
@@ -488,7 +2297,7 @@
           <p:cNvPr id="6" name="投影片編號版面配置區 5">
             <a:extLst>
               <a:ext uri="{FF2B5EF4-FFF2-40B4-BE49-F238E27FC236}">
-                <a16:creationId xmlns:a16="http://schemas.microsoft.com/office/drawing/2014/main" id="{00454594-6C11-4013-A666-A151E960EC9B}"/>
+                <a16:creationId xmlns:a16="http://schemas.microsoft.com/office/drawing/2014/main" id="{6B1D6EA3-F28A-BBBD-E809-C36FF4E12A27}"/>
               </a:ext>
             </a:extLst>
           </p:cNvPr>
@@ -504,18 +2313,18 @@
           <a:bodyPr/>
           <a:lstStyle/>
           <a:p>
-            <a:fld id="{E31EC408-072F-4346-BD0A-D6AA5788A305}" type="slidenum">
-              <a:rPr lang="zh-TW" altLang="en-US" smtClean="0"/>
+            <a:fld id="{5CCBD79B-D056-D44F-B780-F2AA710EBA35}" type="slidenum">
+              <a:rPr kumimoji="1" lang="zh-TW" altLang="en-US" smtClean="0"/>
               <a:t>‹#›</a:t>
             </a:fld>
-            <a:endParaRPr lang="zh-TW" altLang="en-US"/>
+            <a:endParaRPr kumimoji="1" lang="zh-TW" altLang="en-US"/>
           </a:p>
         </p:txBody>
       </p:sp>
     </p:spTree>
     <p:extLst>
       <p:ext uri="{BB962C8B-B14F-4D97-AF65-F5344CB8AC3E}">
-        <p14:creationId xmlns:p14="http://schemas.microsoft.com/office/powerpoint/2010/main" val="188953001"/>
+        <p14:creationId xmlns:p14="http://schemas.microsoft.com/office/powerpoint/2010/main" val="721662146"/>
       </p:ext>
     </p:extLst>
   </p:cSld>
@@ -547,7 +2356,7 @@
           <p:cNvPr id="2" name="直排標題 1">
             <a:extLst>
               <a:ext uri="{FF2B5EF4-FFF2-40B4-BE49-F238E27FC236}">
-                <a16:creationId xmlns:a16="http://schemas.microsoft.com/office/drawing/2014/main" id="{70F760AC-E708-4605-85E2-7D0F424B3E29}"/>
+                <a16:creationId xmlns:a16="http://schemas.microsoft.com/office/drawing/2014/main" id="{84CB2A67-64D6-6619-0A26-02D370427983}"/>
               </a:ext>
             </a:extLst>
           </p:cNvPr>
@@ -569,7 +2378,7 @@
           <a:lstStyle/>
           <a:p>
             <a:r>
-              <a:rPr lang="zh-TW" altLang="en-US"/>
+              <a:rPr kumimoji="1" lang="zh-TW" altLang="en-US"/>
               <a:t>按一下以編輯母片標題樣式</a:t>
             </a:r>
           </a:p>
@@ -580,7 +2389,7 @@
           <p:cNvPr id="3" name="直排文字版面配置區 2">
             <a:extLst>
               <a:ext uri="{FF2B5EF4-FFF2-40B4-BE49-F238E27FC236}">
-                <a16:creationId xmlns:a16="http://schemas.microsoft.com/office/drawing/2014/main" id="{84BECF48-F3B6-4D47-82A8-C6AE92EDC2F0}"/>
+                <a16:creationId xmlns:a16="http://schemas.microsoft.com/office/drawing/2014/main" id="{3E9A8DF5-170D-A447-A474-94285FCFB0CB}"/>
               </a:ext>
             </a:extLst>
           </p:cNvPr>
@@ -603,35 +2412,35 @@
           <a:p>
             <a:pPr lvl="0"/>
             <a:r>
-              <a:rPr lang="zh-TW" altLang="en-US"/>
+              <a:rPr kumimoji="1" lang="zh-TW" altLang="en-US"/>
               <a:t>按一下以編輯母片文字樣式</a:t>
             </a:r>
           </a:p>
           <a:p>
             <a:pPr lvl="1"/>
             <a:r>
-              <a:rPr lang="zh-TW" altLang="en-US"/>
+              <a:rPr kumimoji="1" lang="zh-TW" altLang="en-US"/>
               <a:t>第二層</a:t>
             </a:r>
           </a:p>
           <a:p>
             <a:pPr lvl="2"/>
             <a:r>
-              <a:rPr lang="zh-TW" altLang="en-US"/>
+              <a:rPr kumimoji="1" lang="zh-TW" altLang="en-US"/>
               <a:t>第三層</a:t>
             </a:r>
           </a:p>
           <a:p>
             <a:pPr lvl="3"/>
             <a:r>
-              <a:rPr lang="zh-TW" altLang="en-US"/>
+              <a:rPr kumimoji="1" lang="zh-TW" altLang="en-US"/>
               <a:t>第四層</a:t>
             </a:r>
           </a:p>
           <a:p>
             <a:pPr lvl="4"/>
             <a:r>
-              <a:rPr lang="zh-TW" altLang="en-US"/>
+              <a:rPr kumimoji="1" lang="zh-TW" altLang="en-US"/>
               <a:t>第五層</a:t>
             </a:r>
           </a:p>
@@ -642,7 +2451,7 @@
           <p:cNvPr id="4" name="日期版面配置區 3">
             <a:extLst>
               <a:ext uri="{FF2B5EF4-FFF2-40B4-BE49-F238E27FC236}">
-                <a16:creationId xmlns:a16="http://schemas.microsoft.com/office/drawing/2014/main" id="{215DE52A-093E-4116-A2FE-F61BA999B89F}"/>
+                <a16:creationId xmlns:a16="http://schemas.microsoft.com/office/drawing/2014/main" id="{4AE8ADE5-9E29-C55D-C063-26FB94A9095B}"/>
               </a:ext>
             </a:extLst>
           </p:cNvPr>
@@ -658,11 +2467,11 @@
           <a:bodyPr/>
           <a:lstStyle/>
           <a:p>
-            <a:fld id="{C3C90D7E-32D6-4894-AE08-7BBB3E610FC9}" type="datetimeFigureOut">
-              <a:rPr lang="zh-TW" altLang="en-US" smtClean="0"/>
-              <a:t>2024/9/16</a:t>
+            <a:fld id="{F014F6BB-CE5A-FE4A-B632-8883DF934E6D}" type="datetimeFigureOut">
+              <a:rPr kumimoji="1" lang="zh-TW" altLang="en-US" smtClean="0"/>
+              <a:t>2024/10/23</a:t>
             </a:fld>
-            <a:endParaRPr lang="zh-TW" altLang="en-US"/>
+            <a:endParaRPr kumimoji="1" lang="zh-TW" altLang="en-US"/>
           </a:p>
         </p:txBody>
       </p:sp>
@@ -671,7 +2480,7 @@
           <p:cNvPr id="5" name="頁尾版面配置區 4">
             <a:extLst>
               <a:ext uri="{FF2B5EF4-FFF2-40B4-BE49-F238E27FC236}">
-                <a16:creationId xmlns:a16="http://schemas.microsoft.com/office/drawing/2014/main" id="{34553FE1-A5D9-4070-AA9C-378F491D4677}"/>
+                <a16:creationId xmlns:a16="http://schemas.microsoft.com/office/drawing/2014/main" id="{A2E310C1-CC16-DB5C-CDC2-739E23B3FE24}"/>
               </a:ext>
             </a:extLst>
           </p:cNvPr>
@@ -687,7 +2496,7 @@
           <a:bodyPr/>
           <a:lstStyle/>
           <a:p>
-            <a:endParaRPr lang="zh-TW" altLang="en-US"/>
+            <a:endParaRPr kumimoji="1" lang="zh-TW" altLang="en-US"/>
           </a:p>
         </p:txBody>
       </p:sp>
@@ -696,7 +2505,7 @@
           <p:cNvPr id="6" name="投影片編號版面配置區 5">
             <a:extLst>
               <a:ext uri="{FF2B5EF4-FFF2-40B4-BE49-F238E27FC236}">
-                <a16:creationId xmlns:a16="http://schemas.microsoft.com/office/drawing/2014/main" id="{928EFDDC-5B11-4543-8144-518625EDA57F}"/>
+                <a16:creationId xmlns:a16="http://schemas.microsoft.com/office/drawing/2014/main" id="{4C91D18B-FD7C-7D9F-61B0-E89B832F9C1B}"/>
               </a:ext>
             </a:extLst>
           </p:cNvPr>
@@ -712,18 +2521,18 @@
           <a:bodyPr/>
           <a:lstStyle/>
           <a:p>
-            <a:fld id="{E31EC408-072F-4346-BD0A-D6AA5788A305}" type="slidenum">
-              <a:rPr lang="zh-TW" altLang="en-US" smtClean="0"/>
+            <a:fld id="{5CCBD79B-D056-D44F-B780-F2AA710EBA35}" type="slidenum">
+              <a:rPr kumimoji="1" lang="zh-TW" altLang="en-US" smtClean="0"/>
               <a:t>‹#›</a:t>
             </a:fld>
-            <a:endParaRPr lang="zh-TW" altLang="en-US"/>
+            <a:endParaRPr kumimoji="1" lang="zh-TW" altLang="en-US"/>
           </a:p>
         </p:txBody>
       </p:sp>
     </p:spTree>
     <p:extLst>
       <p:ext uri="{BB962C8B-B14F-4D97-AF65-F5344CB8AC3E}">
-        <p14:creationId xmlns:p14="http://schemas.microsoft.com/office/powerpoint/2010/main" val="2483123943"/>
+        <p14:creationId xmlns:p14="http://schemas.microsoft.com/office/powerpoint/2010/main" val="607142944"/>
       </p:ext>
     </p:extLst>
   </p:cSld>
@@ -755,7 +2564,7 @@
           <p:cNvPr id="2" name="標題 1">
             <a:extLst>
               <a:ext uri="{FF2B5EF4-FFF2-40B4-BE49-F238E27FC236}">
-                <a16:creationId xmlns:a16="http://schemas.microsoft.com/office/drawing/2014/main" id="{A1BFCF4C-FB58-444C-B754-A594851E4C7B}"/>
+                <a16:creationId xmlns:a16="http://schemas.microsoft.com/office/drawing/2014/main" id="{F12CBC80-2465-8CD7-55AD-0EEB85FD5BB9}"/>
               </a:ext>
             </a:extLst>
           </p:cNvPr>
@@ -772,7 +2581,7 @@
           <a:lstStyle/>
           <a:p>
             <a:r>
-              <a:rPr lang="zh-TW" altLang="en-US"/>
+              <a:rPr kumimoji="1" lang="zh-TW" altLang="en-US"/>
               <a:t>按一下以編輯母片標題樣式</a:t>
             </a:r>
           </a:p>
@@ -783,7 +2592,7 @@
           <p:cNvPr id="3" name="內容版面配置區 2">
             <a:extLst>
               <a:ext uri="{FF2B5EF4-FFF2-40B4-BE49-F238E27FC236}">
-                <a16:creationId xmlns:a16="http://schemas.microsoft.com/office/drawing/2014/main" id="{987C475D-648F-4511-A6FE-04B04F755F93}"/>
+                <a16:creationId xmlns:a16="http://schemas.microsoft.com/office/drawing/2014/main" id="{B2353551-C4B4-D150-D2E5-1F575CAA747D}"/>
               </a:ext>
             </a:extLst>
           </p:cNvPr>
@@ -801,35 +2610,35 @@
           <a:p>
             <a:pPr lvl="0"/>
             <a:r>
-              <a:rPr lang="zh-TW" altLang="en-US"/>
+              <a:rPr kumimoji="1" lang="zh-TW" altLang="en-US"/>
               <a:t>按一下以編輯母片文字樣式</a:t>
             </a:r>
           </a:p>
           <a:p>
             <a:pPr lvl="1"/>
             <a:r>
-              <a:rPr lang="zh-TW" altLang="en-US"/>
+              <a:rPr kumimoji="1" lang="zh-TW" altLang="en-US"/>
               <a:t>第二層</a:t>
             </a:r>
           </a:p>
           <a:p>
             <a:pPr lvl="2"/>
             <a:r>
-              <a:rPr lang="zh-TW" altLang="en-US"/>
+              <a:rPr kumimoji="1" lang="zh-TW" altLang="en-US"/>
               <a:t>第三層</a:t>
             </a:r>
           </a:p>
           <a:p>
             <a:pPr lvl="3"/>
             <a:r>
-              <a:rPr lang="zh-TW" altLang="en-US"/>
+              <a:rPr kumimoji="1" lang="zh-TW" altLang="en-US"/>
               <a:t>第四層</a:t>
             </a:r>
           </a:p>
           <a:p>
             <a:pPr lvl="4"/>
             <a:r>
-              <a:rPr lang="zh-TW" altLang="en-US"/>
+              <a:rPr kumimoji="1" lang="zh-TW" altLang="en-US"/>
               <a:t>第五層</a:t>
             </a:r>
           </a:p>
@@ -840,7 +2649,7 @@
           <p:cNvPr id="4" name="日期版面配置區 3">
             <a:extLst>
               <a:ext uri="{FF2B5EF4-FFF2-40B4-BE49-F238E27FC236}">
-                <a16:creationId xmlns:a16="http://schemas.microsoft.com/office/drawing/2014/main" id="{F511FCF8-D8F7-4914-920F-D63F2D97F713}"/>
+                <a16:creationId xmlns:a16="http://schemas.microsoft.com/office/drawing/2014/main" id="{EC1CA7A4-9C84-5C25-3657-3031A73E1F8B}"/>
               </a:ext>
             </a:extLst>
           </p:cNvPr>
@@ -856,11 +2665,11 @@
           <a:bodyPr/>
           <a:lstStyle/>
           <a:p>
-            <a:fld id="{C3C90D7E-32D6-4894-AE08-7BBB3E610FC9}" type="datetimeFigureOut">
-              <a:rPr lang="zh-TW" altLang="en-US" smtClean="0"/>
-              <a:t>2024/9/16</a:t>
+            <a:fld id="{F014F6BB-CE5A-FE4A-B632-8883DF934E6D}" type="datetimeFigureOut">
+              <a:rPr kumimoji="1" lang="zh-TW" altLang="en-US" smtClean="0"/>
+              <a:t>2024/10/23</a:t>
             </a:fld>
-            <a:endParaRPr lang="zh-TW" altLang="en-US"/>
+            <a:endParaRPr kumimoji="1" lang="zh-TW" altLang="en-US"/>
           </a:p>
         </p:txBody>
       </p:sp>
@@ -869,7 +2678,7 @@
           <p:cNvPr id="5" name="頁尾版面配置區 4">
             <a:extLst>
               <a:ext uri="{FF2B5EF4-FFF2-40B4-BE49-F238E27FC236}">
-                <a16:creationId xmlns:a16="http://schemas.microsoft.com/office/drawing/2014/main" id="{7E1D3E8F-338D-4B4D-B411-5282866FF95D}"/>
+                <a16:creationId xmlns:a16="http://schemas.microsoft.com/office/drawing/2014/main" id="{632B5BE6-6DA7-8F5B-A129-A15CD1684F31}"/>
               </a:ext>
             </a:extLst>
           </p:cNvPr>
@@ -885,7 +2694,7 @@
           <a:bodyPr/>
           <a:lstStyle/>
           <a:p>
-            <a:endParaRPr lang="zh-TW" altLang="en-US"/>
+            <a:endParaRPr kumimoji="1" lang="zh-TW" altLang="en-US"/>
           </a:p>
         </p:txBody>
       </p:sp>
@@ -894,7 +2703,7 @@
           <p:cNvPr id="6" name="投影片編號版面配置區 5">
             <a:extLst>
               <a:ext uri="{FF2B5EF4-FFF2-40B4-BE49-F238E27FC236}">
-                <a16:creationId xmlns:a16="http://schemas.microsoft.com/office/drawing/2014/main" id="{F7DF3AD5-06B6-42D8-AEDF-66CCE6582524}"/>
+                <a16:creationId xmlns:a16="http://schemas.microsoft.com/office/drawing/2014/main" id="{2FC0D41C-B551-62D0-F6FD-8AF6D8411B72}"/>
               </a:ext>
             </a:extLst>
           </p:cNvPr>
@@ -910,18 +2719,18 @@
           <a:bodyPr/>
           <a:lstStyle/>
           <a:p>
-            <a:fld id="{E31EC408-072F-4346-BD0A-D6AA5788A305}" type="slidenum">
-              <a:rPr lang="zh-TW" altLang="en-US" smtClean="0"/>
+            <a:fld id="{5CCBD79B-D056-D44F-B780-F2AA710EBA35}" type="slidenum">
+              <a:rPr kumimoji="1" lang="zh-TW" altLang="en-US" smtClean="0"/>
               <a:t>‹#›</a:t>
             </a:fld>
-            <a:endParaRPr lang="zh-TW" altLang="en-US"/>
+            <a:endParaRPr kumimoji="1" lang="zh-TW" altLang="en-US"/>
           </a:p>
         </p:txBody>
       </p:sp>
     </p:spTree>
     <p:extLst>
       <p:ext uri="{BB962C8B-B14F-4D97-AF65-F5344CB8AC3E}">
-        <p14:creationId xmlns:p14="http://schemas.microsoft.com/office/powerpoint/2010/main" val="4198509733"/>
+        <p14:creationId xmlns:p14="http://schemas.microsoft.com/office/powerpoint/2010/main" val="663729358"/>
       </p:ext>
     </p:extLst>
   </p:cSld>
@@ -953,7 +2762,7 @@
           <p:cNvPr id="2" name="標題 1">
             <a:extLst>
               <a:ext uri="{FF2B5EF4-FFF2-40B4-BE49-F238E27FC236}">
-                <a16:creationId xmlns:a16="http://schemas.microsoft.com/office/drawing/2014/main" id="{5986B870-2B24-4658-9AEB-3C92E8E40B41}"/>
+                <a16:creationId xmlns:a16="http://schemas.microsoft.com/office/drawing/2014/main" id="{C1F52017-5580-BFA3-8B44-2FCAA8DF1EE8}"/>
               </a:ext>
             </a:extLst>
           </p:cNvPr>
@@ -979,7 +2788,7 @@
           </a:lstStyle>
           <a:p>
             <a:r>
-              <a:rPr lang="zh-TW" altLang="en-US"/>
+              <a:rPr kumimoji="1" lang="zh-TW" altLang="en-US"/>
               <a:t>按一下以編輯母片標題樣式</a:t>
             </a:r>
           </a:p>
@@ -990,7 +2799,7 @@
           <p:cNvPr id="3" name="文字版面配置區 2">
             <a:extLst>
               <a:ext uri="{FF2B5EF4-FFF2-40B4-BE49-F238E27FC236}">
-                <a16:creationId xmlns:a16="http://schemas.microsoft.com/office/drawing/2014/main" id="{90235018-E757-4630-8511-F466B919268F}"/>
+                <a16:creationId xmlns:a16="http://schemas.microsoft.com/office/drawing/2014/main" id="{75423EBC-6D45-1BE8-7CDA-C600AD1E928C}"/>
               </a:ext>
             </a:extLst>
           </p:cNvPr>
@@ -1104,7 +2913,7 @@
           <a:p>
             <a:pPr lvl="0"/>
             <a:r>
-              <a:rPr lang="zh-TW" altLang="en-US"/>
+              <a:rPr kumimoji="1" lang="zh-TW" altLang="en-US"/>
               <a:t>按一下以編輯母片文字樣式</a:t>
             </a:r>
           </a:p>
@@ -1115,7 +2924,7 @@
           <p:cNvPr id="4" name="日期版面配置區 3">
             <a:extLst>
               <a:ext uri="{FF2B5EF4-FFF2-40B4-BE49-F238E27FC236}">
-                <a16:creationId xmlns:a16="http://schemas.microsoft.com/office/drawing/2014/main" id="{37546C76-CF19-433D-9070-0A54A149F1B2}"/>
+                <a16:creationId xmlns:a16="http://schemas.microsoft.com/office/drawing/2014/main" id="{B2C2E99A-1204-A482-8A49-062BFA034091}"/>
               </a:ext>
             </a:extLst>
           </p:cNvPr>
@@ -1131,11 +2940,11 @@
           <a:bodyPr/>
           <a:lstStyle/>
           <a:p>
-            <a:fld id="{C3C90D7E-32D6-4894-AE08-7BBB3E610FC9}" type="datetimeFigureOut">
-              <a:rPr lang="zh-TW" altLang="en-US" smtClean="0"/>
-              <a:t>2024/9/16</a:t>
+            <a:fld id="{F014F6BB-CE5A-FE4A-B632-8883DF934E6D}" type="datetimeFigureOut">
+              <a:rPr kumimoji="1" lang="zh-TW" altLang="en-US" smtClean="0"/>
+              <a:t>2024/10/23</a:t>
             </a:fld>
-            <a:endParaRPr lang="zh-TW" altLang="en-US"/>
+            <a:endParaRPr kumimoji="1" lang="zh-TW" altLang="en-US"/>
           </a:p>
         </p:txBody>
       </p:sp>
@@ -1144,7 +2953,7 @@
           <p:cNvPr id="5" name="頁尾版面配置區 4">
             <a:extLst>
               <a:ext uri="{FF2B5EF4-FFF2-40B4-BE49-F238E27FC236}">
-                <a16:creationId xmlns:a16="http://schemas.microsoft.com/office/drawing/2014/main" id="{9C9DC25F-827C-4564-AD0E-7FD815D53AF7}"/>
+                <a16:creationId xmlns:a16="http://schemas.microsoft.com/office/drawing/2014/main" id="{5D55ACBE-118A-BE73-FF31-B8682C887BA2}"/>
               </a:ext>
             </a:extLst>
           </p:cNvPr>
@@ -1160,7 +2969,7 @@
           <a:bodyPr/>
           <a:lstStyle/>
           <a:p>
-            <a:endParaRPr lang="zh-TW" altLang="en-US"/>
+            <a:endParaRPr kumimoji="1" lang="zh-TW" altLang="en-US"/>
           </a:p>
         </p:txBody>
       </p:sp>
@@ -1169,7 +2978,7 @@
           <p:cNvPr id="6" name="投影片編號版面配置區 5">
             <a:extLst>
               <a:ext uri="{FF2B5EF4-FFF2-40B4-BE49-F238E27FC236}">
-                <a16:creationId xmlns:a16="http://schemas.microsoft.com/office/drawing/2014/main" id="{8C0653A6-68AA-4213-8D62-EAF9243D6998}"/>
+                <a16:creationId xmlns:a16="http://schemas.microsoft.com/office/drawing/2014/main" id="{2BBCE440-5125-E0C7-FCD2-FF0F800758E4}"/>
               </a:ext>
             </a:extLst>
           </p:cNvPr>
@@ -1185,18 +2994,18 @@
           <a:bodyPr/>
           <a:lstStyle/>
           <a:p>
-            <a:fld id="{E31EC408-072F-4346-BD0A-D6AA5788A305}" type="slidenum">
-              <a:rPr lang="zh-TW" altLang="en-US" smtClean="0"/>
+            <a:fld id="{5CCBD79B-D056-D44F-B780-F2AA710EBA35}" type="slidenum">
+              <a:rPr kumimoji="1" lang="zh-TW" altLang="en-US" smtClean="0"/>
               <a:t>‹#›</a:t>
             </a:fld>
-            <a:endParaRPr lang="zh-TW" altLang="en-US"/>
+            <a:endParaRPr kumimoji="1" lang="zh-TW" altLang="en-US"/>
           </a:p>
         </p:txBody>
       </p:sp>
     </p:spTree>
     <p:extLst>
       <p:ext uri="{BB962C8B-B14F-4D97-AF65-F5344CB8AC3E}">
-        <p14:creationId xmlns:p14="http://schemas.microsoft.com/office/powerpoint/2010/main" val="3126775509"/>
+        <p14:creationId xmlns:p14="http://schemas.microsoft.com/office/powerpoint/2010/main" val="3506540921"/>
       </p:ext>
     </p:extLst>
   </p:cSld>
@@ -1228,7 +3037,7 @@
           <p:cNvPr id="2" name="標題 1">
             <a:extLst>
               <a:ext uri="{FF2B5EF4-FFF2-40B4-BE49-F238E27FC236}">
-                <a16:creationId xmlns:a16="http://schemas.microsoft.com/office/drawing/2014/main" id="{F8A74D77-9E6E-4FD1-97AD-0ADC1228B6AF}"/>
+                <a16:creationId xmlns:a16="http://schemas.microsoft.com/office/drawing/2014/main" id="{5B96AF44-CA57-898D-81EB-AA96A988BC1A}"/>
               </a:ext>
             </a:extLst>
           </p:cNvPr>
@@ -1245,7 +3054,7 @@
           <a:lstStyle/>
           <a:p>
             <a:r>
-              <a:rPr lang="zh-TW" altLang="en-US"/>
+              <a:rPr kumimoji="1" lang="zh-TW" altLang="en-US"/>
               <a:t>按一下以編輯母片標題樣式</a:t>
             </a:r>
           </a:p>
@@ -1256,7 +3065,7 @@
           <p:cNvPr id="3" name="內容版面配置區 2">
             <a:extLst>
               <a:ext uri="{FF2B5EF4-FFF2-40B4-BE49-F238E27FC236}">
-                <a16:creationId xmlns:a16="http://schemas.microsoft.com/office/drawing/2014/main" id="{9FDE4E9B-689C-4373-B281-9636BE211982}"/>
+                <a16:creationId xmlns:a16="http://schemas.microsoft.com/office/drawing/2014/main" id="{886C32BA-BB38-9ECB-1B79-34C6C0E53AAC}"/>
               </a:ext>
             </a:extLst>
           </p:cNvPr>
@@ -1279,35 +3088,35 @@
           <a:p>
             <a:pPr lvl="0"/>
             <a:r>
-              <a:rPr lang="zh-TW" altLang="en-US"/>
+              <a:rPr kumimoji="1" lang="zh-TW" altLang="en-US"/>
               <a:t>按一下以編輯母片文字樣式</a:t>
             </a:r>
           </a:p>
           <a:p>
             <a:pPr lvl="1"/>
             <a:r>
-              <a:rPr lang="zh-TW" altLang="en-US"/>
+              <a:rPr kumimoji="1" lang="zh-TW" altLang="en-US"/>
               <a:t>第二層</a:t>
             </a:r>
           </a:p>
           <a:p>
             <a:pPr lvl="2"/>
             <a:r>
-              <a:rPr lang="zh-TW" altLang="en-US"/>
+              <a:rPr kumimoji="1" lang="zh-TW" altLang="en-US"/>
               <a:t>第三層</a:t>
             </a:r>
           </a:p>
           <a:p>
             <a:pPr lvl="3"/>
             <a:r>
-              <a:rPr lang="zh-TW" altLang="en-US"/>
+              <a:rPr kumimoji="1" lang="zh-TW" altLang="en-US"/>
               <a:t>第四層</a:t>
             </a:r>
           </a:p>
           <a:p>
             <a:pPr lvl="4"/>
             <a:r>
-              <a:rPr lang="zh-TW" altLang="en-US"/>
+              <a:rPr kumimoji="1" lang="zh-TW" altLang="en-US"/>
               <a:t>第五層</a:t>
             </a:r>
           </a:p>
@@ -1318,7 +3127,7 @@
           <p:cNvPr id="4" name="內容版面配置區 3">
             <a:extLst>
               <a:ext uri="{FF2B5EF4-FFF2-40B4-BE49-F238E27FC236}">
-                <a16:creationId xmlns:a16="http://schemas.microsoft.com/office/drawing/2014/main" id="{CD25EC10-0BDA-4ECA-AB8E-059AC3378E22}"/>
+                <a16:creationId xmlns:a16="http://schemas.microsoft.com/office/drawing/2014/main" id="{9CDC7BE5-E5D0-BC51-55DD-9ACBA72D49E2}"/>
               </a:ext>
             </a:extLst>
           </p:cNvPr>
@@ -1341,35 +3150,35 @@
           <a:p>
             <a:pPr lvl="0"/>
             <a:r>
-              <a:rPr lang="zh-TW" altLang="en-US"/>
+              <a:rPr kumimoji="1" lang="zh-TW" altLang="en-US"/>
               <a:t>按一下以編輯母片文字樣式</a:t>
             </a:r>
           </a:p>
           <a:p>
             <a:pPr lvl="1"/>
             <a:r>
-              <a:rPr lang="zh-TW" altLang="en-US"/>
+              <a:rPr kumimoji="1" lang="zh-TW" altLang="en-US"/>
               <a:t>第二層</a:t>
             </a:r>
           </a:p>
           <a:p>
             <a:pPr lvl="2"/>
             <a:r>
-              <a:rPr lang="zh-TW" altLang="en-US"/>
+              <a:rPr kumimoji="1" lang="zh-TW" altLang="en-US"/>
               <a:t>第三層</a:t>
             </a:r>
           </a:p>
           <a:p>
             <a:pPr lvl="3"/>
             <a:r>
-              <a:rPr lang="zh-TW" altLang="en-US"/>
+              <a:rPr kumimoji="1" lang="zh-TW" altLang="en-US"/>
               <a:t>第四層</a:t>
             </a:r>
           </a:p>
           <a:p>
             <a:pPr lvl="4"/>
             <a:r>
-              <a:rPr lang="zh-TW" altLang="en-US"/>
+              <a:rPr kumimoji="1" lang="zh-TW" altLang="en-US"/>
               <a:t>第五層</a:t>
             </a:r>
           </a:p>
@@ -1380,7 +3189,7 @@
           <p:cNvPr id="5" name="日期版面配置區 4">
             <a:extLst>
               <a:ext uri="{FF2B5EF4-FFF2-40B4-BE49-F238E27FC236}">
-                <a16:creationId xmlns:a16="http://schemas.microsoft.com/office/drawing/2014/main" id="{63DAF127-0983-4C38-869C-C0A513FA9147}"/>
+                <a16:creationId xmlns:a16="http://schemas.microsoft.com/office/drawing/2014/main" id="{279D6BBD-DF9B-BFB6-E953-9A2082C91566}"/>
               </a:ext>
             </a:extLst>
           </p:cNvPr>
@@ -1396,11 +3205,11 @@
           <a:bodyPr/>
           <a:lstStyle/>
           <a:p>
-            <a:fld id="{C3C90D7E-32D6-4894-AE08-7BBB3E610FC9}" type="datetimeFigureOut">
-              <a:rPr lang="zh-TW" altLang="en-US" smtClean="0"/>
-              <a:t>2024/9/16</a:t>
+            <a:fld id="{F014F6BB-CE5A-FE4A-B632-8883DF934E6D}" type="datetimeFigureOut">
+              <a:rPr kumimoji="1" lang="zh-TW" altLang="en-US" smtClean="0"/>
+              <a:t>2024/10/23</a:t>
             </a:fld>
-            <a:endParaRPr lang="zh-TW" altLang="en-US"/>
+            <a:endParaRPr kumimoji="1" lang="zh-TW" altLang="en-US"/>
           </a:p>
         </p:txBody>
       </p:sp>
@@ -1409,7 +3218,7 @@
           <p:cNvPr id="6" name="頁尾版面配置區 5">
             <a:extLst>
               <a:ext uri="{FF2B5EF4-FFF2-40B4-BE49-F238E27FC236}">
-                <a16:creationId xmlns:a16="http://schemas.microsoft.com/office/drawing/2014/main" id="{E014CBA6-CCE3-4CF4-8E13-D895EDBD8F25}"/>
+                <a16:creationId xmlns:a16="http://schemas.microsoft.com/office/drawing/2014/main" id="{5655AC81-EA05-9A04-DFEB-B2F14B457D19}"/>
               </a:ext>
             </a:extLst>
           </p:cNvPr>
@@ -1425,7 +3234,7 @@
           <a:bodyPr/>
           <a:lstStyle/>
           <a:p>
-            <a:endParaRPr lang="zh-TW" altLang="en-US"/>
+            <a:endParaRPr kumimoji="1" lang="zh-TW" altLang="en-US"/>
           </a:p>
         </p:txBody>
       </p:sp>
@@ -1434,7 +3243,7 @@
           <p:cNvPr id="7" name="投影片編號版面配置區 6">
             <a:extLst>
               <a:ext uri="{FF2B5EF4-FFF2-40B4-BE49-F238E27FC236}">
-                <a16:creationId xmlns:a16="http://schemas.microsoft.com/office/drawing/2014/main" id="{5CEAA8E5-79B3-445E-B8C3-29BD56CE6D7A}"/>
+                <a16:creationId xmlns:a16="http://schemas.microsoft.com/office/drawing/2014/main" id="{60AD8059-7DC9-E43A-4B40-6AE7E85D3CEE}"/>
               </a:ext>
             </a:extLst>
           </p:cNvPr>
@@ -1450,18 +3259,18 @@
           <a:bodyPr/>
           <a:lstStyle/>
           <a:p>
-            <a:fld id="{E31EC408-072F-4346-BD0A-D6AA5788A305}" type="slidenum">
-              <a:rPr lang="zh-TW" altLang="en-US" smtClean="0"/>
+            <a:fld id="{5CCBD79B-D056-D44F-B780-F2AA710EBA35}" type="slidenum">
+              <a:rPr kumimoji="1" lang="zh-TW" altLang="en-US" smtClean="0"/>
               <a:t>‹#›</a:t>
             </a:fld>
-            <a:endParaRPr lang="zh-TW" altLang="en-US"/>
+            <a:endParaRPr kumimoji="1" lang="zh-TW" altLang="en-US"/>
           </a:p>
         </p:txBody>
       </p:sp>
     </p:spTree>
     <p:extLst>
       <p:ext uri="{BB962C8B-B14F-4D97-AF65-F5344CB8AC3E}">
-        <p14:creationId xmlns:p14="http://schemas.microsoft.com/office/powerpoint/2010/main" val="3858213488"/>
+        <p14:creationId xmlns:p14="http://schemas.microsoft.com/office/powerpoint/2010/main" val="1141404491"/>
       </p:ext>
     </p:extLst>
   </p:cSld>
@@ -1493,7 +3302,7 @@
           <p:cNvPr id="2" name="標題 1">
             <a:extLst>
               <a:ext uri="{FF2B5EF4-FFF2-40B4-BE49-F238E27FC236}">
-                <a16:creationId xmlns:a16="http://schemas.microsoft.com/office/drawing/2014/main" id="{A00F76B6-8DEC-4A74-A06A-BA0146321CD8}"/>
+                <a16:creationId xmlns:a16="http://schemas.microsoft.com/office/drawing/2014/main" id="{B874FB7A-5239-8885-3937-5C9575AD1668}"/>
               </a:ext>
             </a:extLst>
           </p:cNvPr>
@@ -1515,7 +3324,7 @@
           <a:lstStyle/>
           <a:p>
             <a:r>
-              <a:rPr lang="zh-TW" altLang="en-US"/>
+              <a:rPr kumimoji="1" lang="zh-TW" altLang="en-US"/>
               <a:t>按一下以編輯母片標題樣式</a:t>
             </a:r>
           </a:p>
@@ -1526,7 +3335,7 @@
           <p:cNvPr id="3" name="文字版面配置區 2">
             <a:extLst>
               <a:ext uri="{FF2B5EF4-FFF2-40B4-BE49-F238E27FC236}">
-                <a16:creationId xmlns:a16="http://schemas.microsoft.com/office/drawing/2014/main" id="{EF00F5C5-99A7-4F16-855A-F170362659F7}"/>
+                <a16:creationId xmlns:a16="http://schemas.microsoft.com/office/drawing/2014/main" id="{EFDD3BE3-11CB-8353-3AA5-553F69EBD21F}"/>
               </a:ext>
             </a:extLst>
           </p:cNvPr>
@@ -1586,7 +3395,7 @@
           <a:p>
             <a:pPr lvl="0"/>
             <a:r>
-              <a:rPr lang="zh-TW" altLang="en-US"/>
+              <a:rPr kumimoji="1" lang="zh-TW" altLang="en-US"/>
               <a:t>按一下以編輯母片文字樣式</a:t>
             </a:r>
           </a:p>
@@ -1597,7 +3406,7 @@
           <p:cNvPr id="4" name="內容版面配置區 3">
             <a:extLst>
               <a:ext uri="{FF2B5EF4-FFF2-40B4-BE49-F238E27FC236}">
-                <a16:creationId xmlns:a16="http://schemas.microsoft.com/office/drawing/2014/main" id="{6722BEB2-C9B4-4C14-8234-D17E84349984}"/>
+                <a16:creationId xmlns:a16="http://schemas.microsoft.com/office/drawing/2014/main" id="{5D7F8DE4-735F-1117-90D5-E1E5A0788672}"/>
               </a:ext>
             </a:extLst>
           </p:cNvPr>
@@ -1620,35 +3429,35 @@
           <a:p>
             <a:pPr lvl="0"/>
             <a:r>
-              <a:rPr lang="zh-TW" altLang="en-US"/>
+              <a:rPr kumimoji="1" lang="zh-TW" altLang="en-US"/>
               <a:t>按一下以編輯母片文字樣式</a:t>
             </a:r>
           </a:p>
           <a:p>
             <a:pPr lvl="1"/>
             <a:r>
-              <a:rPr lang="zh-TW" altLang="en-US"/>
+              <a:rPr kumimoji="1" lang="zh-TW" altLang="en-US"/>
               <a:t>第二層</a:t>
             </a:r>
           </a:p>
           <a:p>
             <a:pPr lvl="2"/>
             <a:r>
-              <a:rPr lang="zh-TW" altLang="en-US"/>
+              <a:rPr kumimoji="1" lang="zh-TW" altLang="en-US"/>
               <a:t>第三層</a:t>
             </a:r>
           </a:p>
           <a:p>
             <a:pPr lvl="3"/>
             <a:r>
-              <a:rPr lang="zh-TW" altLang="en-US"/>
+              <a:rPr kumimoji="1" lang="zh-TW" altLang="en-US"/>
               <a:t>第四層</a:t>
             </a:r>
           </a:p>
           <a:p>
             <a:pPr lvl="4"/>
             <a:r>
-              <a:rPr lang="zh-TW" altLang="en-US"/>
+              <a:rPr kumimoji="1" lang="zh-TW" altLang="en-US"/>
               <a:t>第五層</a:t>
             </a:r>
           </a:p>
@@ -1659,7 +3468,7 @@
           <p:cNvPr id="5" name="文字版面配置區 4">
             <a:extLst>
               <a:ext uri="{FF2B5EF4-FFF2-40B4-BE49-F238E27FC236}">
-                <a16:creationId xmlns:a16="http://schemas.microsoft.com/office/drawing/2014/main" id="{E4A41162-A0AC-4211-940F-4B92208F9B0E}"/>
+                <a16:creationId xmlns:a16="http://schemas.microsoft.com/office/drawing/2014/main" id="{7D2399C8-2E99-168C-02B1-8D7A40FD9C12}"/>
               </a:ext>
             </a:extLst>
           </p:cNvPr>
@@ -1719,7 +3528,7 @@
           <a:p>
             <a:pPr lvl="0"/>
             <a:r>
-              <a:rPr lang="zh-TW" altLang="en-US"/>
+              <a:rPr kumimoji="1" lang="zh-TW" altLang="en-US"/>
               <a:t>按一下以編輯母片文字樣式</a:t>
             </a:r>
           </a:p>
@@ -1730,7 +3539,7 @@
           <p:cNvPr id="6" name="內容版面配置區 5">
             <a:extLst>
               <a:ext uri="{FF2B5EF4-FFF2-40B4-BE49-F238E27FC236}">
-                <a16:creationId xmlns:a16="http://schemas.microsoft.com/office/drawing/2014/main" id="{E8EA159A-F9D7-4F58-A7C3-6E5B65E42266}"/>
+                <a16:creationId xmlns:a16="http://schemas.microsoft.com/office/drawing/2014/main" id="{F5AC9E98-CE74-3874-94B5-9BF4A5C9B9BF}"/>
               </a:ext>
             </a:extLst>
           </p:cNvPr>
@@ -1753,35 +3562,35 @@
           <a:p>
             <a:pPr lvl="0"/>
             <a:r>
-              <a:rPr lang="zh-TW" altLang="en-US"/>
+              <a:rPr kumimoji="1" lang="zh-TW" altLang="en-US"/>
               <a:t>按一下以編輯母片文字樣式</a:t>
             </a:r>
           </a:p>
           <a:p>
             <a:pPr lvl="1"/>
             <a:r>
-              <a:rPr lang="zh-TW" altLang="en-US"/>
+              <a:rPr kumimoji="1" lang="zh-TW" altLang="en-US"/>
               <a:t>第二層</a:t>
             </a:r>
           </a:p>
           <a:p>
             <a:pPr lvl="2"/>
             <a:r>
-              <a:rPr lang="zh-TW" altLang="en-US"/>
+              <a:rPr kumimoji="1" lang="zh-TW" altLang="en-US"/>
               <a:t>第三層</a:t>
             </a:r>
           </a:p>
           <a:p>
             <a:pPr lvl="3"/>
             <a:r>
-              <a:rPr lang="zh-TW" altLang="en-US"/>
+              <a:rPr kumimoji="1" lang="zh-TW" altLang="en-US"/>
               <a:t>第四層</a:t>
             </a:r>
           </a:p>
           <a:p>
             <a:pPr lvl="4"/>
             <a:r>
-              <a:rPr lang="zh-TW" altLang="en-US"/>
+              <a:rPr kumimoji="1" lang="zh-TW" altLang="en-US"/>
               <a:t>第五層</a:t>
             </a:r>
           </a:p>
@@ -1792,7 +3601,7 @@
           <p:cNvPr id="7" name="日期版面配置區 6">
             <a:extLst>
               <a:ext uri="{FF2B5EF4-FFF2-40B4-BE49-F238E27FC236}">
-                <a16:creationId xmlns:a16="http://schemas.microsoft.com/office/drawing/2014/main" id="{AE973E80-9141-48B7-A9D7-605A4541768F}"/>
+                <a16:creationId xmlns:a16="http://schemas.microsoft.com/office/drawing/2014/main" id="{AF4F5DD0-8986-9D05-DAF4-3B6CA52D25AF}"/>
               </a:ext>
             </a:extLst>
           </p:cNvPr>
@@ -1808,11 +3617,11 @@
           <a:bodyPr/>
           <a:lstStyle/>
           <a:p>
-            <a:fld id="{C3C90D7E-32D6-4894-AE08-7BBB3E610FC9}" type="datetimeFigureOut">
-              <a:rPr lang="zh-TW" altLang="en-US" smtClean="0"/>
-              <a:t>2024/9/16</a:t>
+            <a:fld id="{F014F6BB-CE5A-FE4A-B632-8883DF934E6D}" type="datetimeFigureOut">
+              <a:rPr kumimoji="1" lang="zh-TW" altLang="en-US" smtClean="0"/>
+              <a:t>2024/10/23</a:t>
             </a:fld>
-            <a:endParaRPr lang="zh-TW" altLang="en-US"/>
+            <a:endParaRPr kumimoji="1" lang="zh-TW" altLang="en-US"/>
           </a:p>
         </p:txBody>
       </p:sp>
@@ -1821,7 +3630,7 @@
           <p:cNvPr id="8" name="頁尾版面配置區 7">
             <a:extLst>
               <a:ext uri="{FF2B5EF4-FFF2-40B4-BE49-F238E27FC236}">
-                <a16:creationId xmlns:a16="http://schemas.microsoft.com/office/drawing/2014/main" id="{6520B07A-79F8-43E7-8013-632DD2AED223}"/>
+                <a16:creationId xmlns:a16="http://schemas.microsoft.com/office/drawing/2014/main" id="{EFA06791-5FEC-8005-3C6E-D5FCE57A6FC3}"/>
               </a:ext>
             </a:extLst>
           </p:cNvPr>
@@ -1837,7 +3646,7 @@
           <a:bodyPr/>
           <a:lstStyle/>
           <a:p>
-            <a:endParaRPr lang="zh-TW" altLang="en-US"/>
+            <a:endParaRPr kumimoji="1" lang="zh-TW" altLang="en-US"/>
           </a:p>
         </p:txBody>
       </p:sp>
@@ -1846,7 +3655,7 @@
           <p:cNvPr id="9" name="投影片編號版面配置區 8">
             <a:extLst>
               <a:ext uri="{FF2B5EF4-FFF2-40B4-BE49-F238E27FC236}">
-                <a16:creationId xmlns:a16="http://schemas.microsoft.com/office/drawing/2014/main" id="{3B997D8F-4F1C-4DE6-A82C-3E0C38ACAE96}"/>
+                <a16:creationId xmlns:a16="http://schemas.microsoft.com/office/drawing/2014/main" id="{3E63B279-75C1-CEB8-BD5F-9EE50F020543}"/>
               </a:ext>
             </a:extLst>
           </p:cNvPr>
@@ -1862,18 +3671,18 @@
           <a:bodyPr/>
           <a:lstStyle/>
           <a:p>
-            <a:fld id="{E31EC408-072F-4346-BD0A-D6AA5788A305}" type="slidenum">
-              <a:rPr lang="zh-TW" altLang="en-US" smtClean="0"/>
+            <a:fld id="{5CCBD79B-D056-D44F-B780-F2AA710EBA35}" type="slidenum">
+              <a:rPr kumimoji="1" lang="zh-TW" altLang="en-US" smtClean="0"/>
               <a:t>‹#›</a:t>
             </a:fld>
-            <a:endParaRPr lang="zh-TW" altLang="en-US"/>
+            <a:endParaRPr kumimoji="1" lang="zh-TW" altLang="en-US"/>
           </a:p>
         </p:txBody>
       </p:sp>
     </p:spTree>
     <p:extLst>
       <p:ext uri="{BB962C8B-B14F-4D97-AF65-F5344CB8AC3E}">
-        <p14:creationId xmlns:p14="http://schemas.microsoft.com/office/powerpoint/2010/main" val="3379995638"/>
+        <p14:creationId xmlns:p14="http://schemas.microsoft.com/office/powerpoint/2010/main" val="2558251949"/>
       </p:ext>
     </p:extLst>
   </p:cSld>
@@ -1905,7 +3714,7 @@
           <p:cNvPr id="2" name="標題 1">
             <a:extLst>
               <a:ext uri="{FF2B5EF4-FFF2-40B4-BE49-F238E27FC236}">
-                <a16:creationId xmlns:a16="http://schemas.microsoft.com/office/drawing/2014/main" id="{6CE04611-FD10-429D-89AA-73C259B64293}"/>
+                <a16:creationId xmlns:a16="http://schemas.microsoft.com/office/drawing/2014/main" id="{8AD22215-0401-01B3-5140-48BB72CE04A2}"/>
               </a:ext>
             </a:extLst>
           </p:cNvPr>
@@ -1922,7 +3731,7 @@
           <a:lstStyle/>
           <a:p>
             <a:r>
-              <a:rPr lang="zh-TW" altLang="en-US"/>
+              <a:rPr kumimoji="1" lang="zh-TW" altLang="en-US"/>
               <a:t>按一下以編輯母片標題樣式</a:t>
             </a:r>
           </a:p>
@@ -1933,7 +3742,7 @@
           <p:cNvPr id="3" name="日期版面配置區 2">
             <a:extLst>
               <a:ext uri="{FF2B5EF4-FFF2-40B4-BE49-F238E27FC236}">
-                <a16:creationId xmlns:a16="http://schemas.microsoft.com/office/drawing/2014/main" id="{2D9009F3-A280-4DA8-ACC4-187DE2172BCA}"/>
+                <a16:creationId xmlns:a16="http://schemas.microsoft.com/office/drawing/2014/main" id="{E01AD4CC-FD38-BA02-3F3A-918264D5122C}"/>
               </a:ext>
             </a:extLst>
           </p:cNvPr>
@@ -1949,11 +3758,11 @@
           <a:bodyPr/>
           <a:lstStyle/>
           <a:p>
-            <a:fld id="{C3C90D7E-32D6-4894-AE08-7BBB3E610FC9}" type="datetimeFigureOut">
-              <a:rPr lang="zh-TW" altLang="en-US" smtClean="0"/>
-              <a:t>2024/9/16</a:t>
+            <a:fld id="{F014F6BB-CE5A-FE4A-B632-8883DF934E6D}" type="datetimeFigureOut">
+              <a:rPr kumimoji="1" lang="zh-TW" altLang="en-US" smtClean="0"/>
+              <a:t>2024/10/23</a:t>
             </a:fld>
-            <a:endParaRPr lang="zh-TW" altLang="en-US"/>
+            <a:endParaRPr kumimoji="1" lang="zh-TW" altLang="en-US"/>
           </a:p>
         </p:txBody>
       </p:sp>
@@ -1962,7 +3771,7 @@
           <p:cNvPr id="4" name="頁尾版面配置區 3">
             <a:extLst>
               <a:ext uri="{FF2B5EF4-FFF2-40B4-BE49-F238E27FC236}">
-                <a16:creationId xmlns:a16="http://schemas.microsoft.com/office/drawing/2014/main" id="{F8FD791E-F627-4DDB-AD69-F7639FDD1767}"/>
+                <a16:creationId xmlns:a16="http://schemas.microsoft.com/office/drawing/2014/main" id="{DC2AFAF5-5117-0008-DCF3-D2A4DBF5089C}"/>
               </a:ext>
             </a:extLst>
           </p:cNvPr>
@@ -1978,7 +3787,7 @@
           <a:bodyPr/>
           <a:lstStyle/>
           <a:p>
-            <a:endParaRPr lang="zh-TW" altLang="en-US"/>
+            <a:endParaRPr kumimoji="1" lang="zh-TW" altLang="en-US"/>
           </a:p>
         </p:txBody>
       </p:sp>
@@ -1987,7 +3796,7 @@
           <p:cNvPr id="5" name="投影片編號版面配置區 4">
             <a:extLst>
               <a:ext uri="{FF2B5EF4-FFF2-40B4-BE49-F238E27FC236}">
-                <a16:creationId xmlns:a16="http://schemas.microsoft.com/office/drawing/2014/main" id="{CE9C3C73-9A1B-4A20-B40C-BF8E0726E9AE}"/>
+                <a16:creationId xmlns:a16="http://schemas.microsoft.com/office/drawing/2014/main" id="{705B985E-37AB-31C9-325D-041B06611381}"/>
               </a:ext>
             </a:extLst>
           </p:cNvPr>
@@ -2003,18 +3812,18 @@
           <a:bodyPr/>
           <a:lstStyle/>
           <a:p>
-            <a:fld id="{E31EC408-072F-4346-BD0A-D6AA5788A305}" type="slidenum">
-              <a:rPr lang="zh-TW" altLang="en-US" smtClean="0"/>
+            <a:fld id="{5CCBD79B-D056-D44F-B780-F2AA710EBA35}" type="slidenum">
+              <a:rPr kumimoji="1" lang="zh-TW" altLang="en-US" smtClean="0"/>
               <a:t>‹#›</a:t>
             </a:fld>
-            <a:endParaRPr lang="zh-TW" altLang="en-US"/>
+            <a:endParaRPr kumimoji="1" lang="zh-TW" altLang="en-US"/>
           </a:p>
         </p:txBody>
       </p:sp>
     </p:spTree>
     <p:extLst>
       <p:ext uri="{BB962C8B-B14F-4D97-AF65-F5344CB8AC3E}">
-        <p14:creationId xmlns:p14="http://schemas.microsoft.com/office/powerpoint/2010/main" val="3116621787"/>
+        <p14:creationId xmlns:p14="http://schemas.microsoft.com/office/powerpoint/2010/main" val="4149209973"/>
       </p:ext>
     </p:extLst>
   </p:cSld>
@@ -2046,7 +3855,7 @@
           <p:cNvPr id="2" name="日期版面配置區 1">
             <a:extLst>
               <a:ext uri="{FF2B5EF4-FFF2-40B4-BE49-F238E27FC236}">
-                <a16:creationId xmlns:a16="http://schemas.microsoft.com/office/drawing/2014/main" id="{1E1D8EED-F2A7-4221-9887-0DBB62EB3F80}"/>
+                <a16:creationId xmlns:a16="http://schemas.microsoft.com/office/drawing/2014/main" id="{11EA45EE-31BF-83D5-78C4-C1346CE39608}"/>
               </a:ext>
             </a:extLst>
           </p:cNvPr>
@@ -2062,11 +3871,11 @@
           <a:bodyPr/>
           <a:lstStyle/>
           <a:p>
-            <a:fld id="{C3C90D7E-32D6-4894-AE08-7BBB3E610FC9}" type="datetimeFigureOut">
-              <a:rPr lang="zh-TW" altLang="en-US" smtClean="0"/>
-              <a:t>2024/9/16</a:t>
+            <a:fld id="{F014F6BB-CE5A-FE4A-B632-8883DF934E6D}" type="datetimeFigureOut">
+              <a:rPr kumimoji="1" lang="zh-TW" altLang="en-US" smtClean="0"/>
+              <a:t>2024/10/23</a:t>
             </a:fld>
-            <a:endParaRPr lang="zh-TW" altLang="en-US"/>
+            <a:endParaRPr kumimoji="1" lang="zh-TW" altLang="en-US"/>
           </a:p>
         </p:txBody>
       </p:sp>
@@ -2075,7 +3884,7 @@
           <p:cNvPr id="3" name="頁尾版面配置區 2">
             <a:extLst>
               <a:ext uri="{FF2B5EF4-FFF2-40B4-BE49-F238E27FC236}">
-                <a16:creationId xmlns:a16="http://schemas.microsoft.com/office/drawing/2014/main" id="{10593B39-DC86-45A7-85EF-B4DB9C28DC80}"/>
+                <a16:creationId xmlns:a16="http://schemas.microsoft.com/office/drawing/2014/main" id="{B38D7D37-4018-ABA6-F3AF-87CE76682FA4}"/>
               </a:ext>
             </a:extLst>
           </p:cNvPr>
@@ -2091,7 +3900,7 @@
           <a:bodyPr/>
           <a:lstStyle/>
           <a:p>
-            <a:endParaRPr lang="zh-TW" altLang="en-US"/>
+            <a:endParaRPr kumimoji="1" lang="zh-TW" altLang="en-US"/>
           </a:p>
         </p:txBody>
       </p:sp>
@@ -2100,7 +3909,7 @@
           <p:cNvPr id="4" name="投影片編號版面配置區 3">
             <a:extLst>
               <a:ext uri="{FF2B5EF4-FFF2-40B4-BE49-F238E27FC236}">
-                <a16:creationId xmlns:a16="http://schemas.microsoft.com/office/drawing/2014/main" id="{3D9056B2-6966-4CAF-94D1-2295A737E168}"/>
+                <a16:creationId xmlns:a16="http://schemas.microsoft.com/office/drawing/2014/main" id="{62E2FF06-E803-6F10-8127-D6A1CE87C053}"/>
               </a:ext>
             </a:extLst>
           </p:cNvPr>
@@ -2116,18 +3925,18 @@
           <a:bodyPr/>
           <a:lstStyle/>
           <a:p>
-            <a:fld id="{E31EC408-072F-4346-BD0A-D6AA5788A305}" type="slidenum">
-              <a:rPr lang="zh-TW" altLang="en-US" smtClean="0"/>
+            <a:fld id="{5CCBD79B-D056-D44F-B780-F2AA710EBA35}" type="slidenum">
+              <a:rPr kumimoji="1" lang="zh-TW" altLang="en-US" smtClean="0"/>
               <a:t>‹#›</a:t>
             </a:fld>
-            <a:endParaRPr lang="zh-TW" altLang="en-US"/>
+            <a:endParaRPr kumimoji="1" lang="zh-TW" altLang="en-US"/>
           </a:p>
         </p:txBody>
       </p:sp>
     </p:spTree>
     <p:extLst>
       <p:ext uri="{BB962C8B-B14F-4D97-AF65-F5344CB8AC3E}">
-        <p14:creationId xmlns:p14="http://schemas.microsoft.com/office/powerpoint/2010/main" val="3887241942"/>
+        <p14:creationId xmlns:p14="http://schemas.microsoft.com/office/powerpoint/2010/main" val="3549863185"/>
       </p:ext>
     </p:extLst>
   </p:cSld>
@@ -2159,7 +3968,7 @@
           <p:cNvPr id="2" name="標題 1">
             <a:extLst>
               <a:ext uri="{FF2B5EF4-FFF2-40B4-BE49-F238E27FC236}">
-                <a16:creationId xmlns:a16="http://schemas.microsoft.com/office/drawing/2014/main" id="{5C3076DF-D16B-4600-9550-96C6A8DD7F1A}"/>
+                <a16:creationId xmlns:a16="http://schemas.microsoft.com/office/drawing/2014/main" id="{1737E32B-931A-F7DE-C384-39EAB7328CA1}"/>
               </a:ext>
             </a:extLst>
           </p:cNvPr>
@@ -2185,7 +3994,7 @@
           </a:lstStyle>
           <a:p>
             <a:r>
-              <a:rPr lang="zh-TW" altLang="en-US"/>
+              <a:rPr kumimoji="1" lang="zh-TW" altLang="en-US"/>
               <a:t>按一下以編輯母片標題樣式</a:t>
             </a:r>
           </a:p>
@@ -2196,7 +4005,7 @@
           <p:cNvPr id="3" name="內容版面配置區 2">
             <a:extLst>
               <a:ext uri="{FF2B5EF4-FFF2-40B4-BE49-F238E27FC236}">
-                <a16:creationId xmlns:a16="http://schemas.microsoft.com/office/drawing/2014/main" id="{9CD3D667-FDE5-4F5D-9495-588EC18912CE}"/>
+                <a16:creationId xmlns:a16="http://schemas.microsoft.com/office/drawing/2014/main" id="{DAC18DB2-CAEE-1BBA-966A-90EFD94F9372}"/>
               </a:ext>
             </a:extLst>
           </p:cNvPr>
@@ -2247,35 +4056,35 @@
           <a:p>
             <a:pPr lvl="0"/>
             <a:r>
-              <a:rPr lang="zh-TW" altLang="en-US"/>
+              <a:rPr kumimoji="1" lang="zh-TW" altLang="en-US"/>
               <a:t>按一下以編輯母片文字樣式</a:t>
             </a:r>
           </a:p>
           <a:p>
             <a:pPr lvl="1"/>
             <a:r>
-              <a:rPr lang="zh-TW" altLang="en-US"/>
+              <a:rPr kumimoji="1" lang="zh-TW" altLang="en-US"/>
               <a:t>第二層</a:t>
             </a:r>
           </a:p>
           <a:p>
             <a:pPr lvl="2"/>
             <a:r>
-              <a:rPr lang="zh-TW" altLang="en-US"/>
+              <a:rPr kumimoji="1" lang="zh-TW" altLang="en-US"/>
               <a:t>第三層</a:t>
             </a:r>
           </a:p>
           <a:p>
             <a:pPr lvl="3"/>
             <a:r>
-              <a:rPr lang="zh-TW" altLang="en-US"/>
+              <a:rPr kumimoji="1" lang="zh-TW" altLang="en-US"/>
               <a:t>第四層</a:t>
             </a:r>
           </a:p>
           <a:p>
             <a:pPr lvl="4"/>
             <a:r>
-              <a:rPr lang="zh-TW" altLang="en-US"/>
+              <a:rPr kumimoji="1" lang="zh-TW" altLang="en-US"/>
               <a:t>第五層</a:t>
             </a:r>
           </a:p>
@@ -2286,7 +4095,7 @@
           <p:cNvPr id="4" name="文字版面配置區 3">
             <a:extLst>
               <a:ext uri="{FF2B5EF4-FFF2-40B4-BE49-F238E27FC236}">
-                <a16:creationId xmlns:a16="http://schemas.microsoft.com/office/drawing/2014/main" id="{22F511E7-BEEF-4F51-BA0E-52C1908D5608}"/>
+                <a16:creationId xmlns:a16="http://schemas.microsoft.com/office/drawing/2014/main" id="{31562183-C19C-E2B8-5D6E-E1F5545D3965}"/>
               </a:ext>
             </a:extLst>
           </p:cNvPr>
@@ -2346,7 +4155,7 @@
           <a:p>
             <a:pPr lvl="0"/>
             <a:r>
-              <a:rPr lang="zh-TW" altLang="en-US"/>
+              <a:rPr kumimoji="1" lang="zh-TW" altLang="en-US"/>
               <a:t>按一下以編輯母片文字樣式</a:t>
             </a:r>
           </a:p>
@@ -2357,7 +4166,7 @@
           <p:cNvPr id="5" name="日期版面配置區 4">
             <a:extLst>
               <a:ext uri="{FF2B5EF4-FFF2-40B4-BE49-F238E27FC236}">
-                <a16:creationId xmlns:a16="http://schemas.microsoft.com/office/drawing/2014/main" id="{88060697-A92E-4178-A790-FCBB90D70573}"/>
+                <a16:creationId xmlns:a16="http://schemas.microsoft.com/office/drawing/2014/main" id="{6ABF3819-F96A-E76C-A705-5C7E056B5A99}"/>
               </a:ext>
             </a:extLst>
           </p:cNvPr>
@@ -2373,11 +4182,11 @@
           <a:bodyPr/>
           <a:lstStyle/>
           <a:p>
-            <a:fld id="{C3C90D7E-32D6-4894-AE08-7BBB3E610FC9}" type="datetimeFigureOut">
-              <a:rPr lang="zh-TW" altLang="en-US" smtClean="0"/>
-              <a:t>2024/9/16</a:t>
+            <a:fld id="{F014F6BB-CE5A-FE4A-B632-8883DF934E6D}" type="datetimeFigureOut">
+              <a:rPr kumimoji="1" lang="zh-TW" altLang="en-US" smtClean="0"/>
+              <a:t>2024/10/23</a:t>
             </a:fld>
-            <a:endParaRPr lang="zh-TW" altLang="en-US"/>
+            <a:endParaRPr kumimoji="1" lang="zh-TW" altLang="en-US"/>
           </a:p>
         </p:txBody>
       </p:sp>
@@ -2386,7 +4195,7 @@
           <p:cNvPr id="6" name="頁尾版面配置區 5">
             <a:extLst>
               <a:ext uri="{FF2B5EF4-FFF2-40B4-BE49-F238E27FC236}">
-                <a16:creationId xmlns:a16="http://schemas.microsoft.com/office/drawing/2014/main" id="{2A8E3F57-A99A-4C4C-BF14-EE42AB99CE78}"/>
+                <a16:creationId xmlns:a16="http://schemas.microsoft.com/office/drawing/2014/main" id="{06B01B83-2EDC-0C05-79C9-9544A615AD49}"/>
               </a:ext>
             </a:extLst>
           </p:cNvPr>
@@ -2402,7 +4211,7 @@
           <a:bodyPr/>
           <a:lstStyle/>
           <a:p>
-            <a:endParaRPr lang="zh-TW" altLang="en-US"/>
+            <a:endParaRPr kumimoji="1" lang="zh-TW" altLang="en-US"/>
           </a:p>
         </p:txBody>
       </p:sp>
@@ -2411,7 +4220,7 @@
           <p:cNvPr id="7" name="投影片編號版面配置區 6">
             <a:extLst>
               <a:ext uri="{FF2B5EF4-FFF2-40B4-BE49-F238E27FC236}">
-                <a16:creationId xmlns:a16="http://schemas.microsoft.com/office/drawing/2014/main" id="{39234440-6924-48D7-AC1A-200D5946BCA9}"/>
+                <a16:creationId xmlns:a16="http://schemas.microsoft.com/office/drawing/2014/main" id="{E9CB2347-C779-00B3-71C6-74D782F5AADF}"/>
               </a:ext>
             </a:extLst>
           </p:cNvPr>
@@ -2427,18 +4236,18 @@
           <a:bodyPr/>
           <a:lstStyle/>
           <a:p>
-            <a:fld id="{E31EC408-072F-4346-BD0A-D6AA5788A305}" type="slidenum">
-              <a:rPr lang="zh-TW" altLang="en-US" smtClean="0"/>
+            <a:fld id="{5CCBD79B-D056-D44F-B780-F2AA710EBA35}" type="slidenum">
+              <a:rPr kumimoji="1" lang="zh-TW" altLang="en-US" smtClean="0"/>
               <a:t>‹#›</a:t>
             </a:fld>
-            <a:endParaRPr lang="zh-TW" altLang="en-US"/>
+            <a:endParaRPr kumimoji="1" lang="zh-TW" altLang="en-US"/>
           </a:p>
         </p:txBody>
       </p:sp>
     </p:spTree>
     <p:extLst>
       <p:ext uri="{BB962C8B-B14F-4D97-AF65-F5344CB8AC3E}">
-        <p14:creationId xmlns:p14="http://schemas.microsoft.com/office/powerpoint/2010/main" val="2036183199"/>
+        <p14:creationId xmlns:p14="http://schemas.microsoft.com/office/powerpoint/2010/main" val="2502078353"/>
       </p:ext>
     </p:extLst>
   </p:cSld>
@@ -2470,7 +4279,7 @@
           <p:cNvPr id="2" name="標題 1">
             <a:extLst>
               <a:ext uri="{FF2B5EF4-FFF2-40B4-BE49-F238E27FC236}">
-                <a16:creationId xmlns:a16="http://schemas.microsoft.com/office/drawing/2014/main" id="{B2E81694-0B93-4D65-9DA3-21597478A96C}"/>
+                <a16:creationId xmlns:a16="http://schemas.microsoft.com/office/drawing/2014/main" id="{A50A2C45-A395-3A34-ADCE-44AF82A938FA}"/>
               </a:ext>
             </a:extLst>
           </p:cNvPr>
@@ -2496,7 +4305,7 @@
           </a:lstStyle>
           <a:p>
             <a:r>
-              <a:rPr lang="zh-TW" altLang="en-US"/>
+              <a:rPr kumimoji="1" lang="zh-TW" altLang="en-US"/>
               <a:t>按一下以編輯母片標題樣式</a:t>
             </a:r>
           </a:p>
@@ -2507,7 +4316,7 @@
           <p:cNvPr id="3" name="圖片版面配置區 2">
             <a:extLst>
               <a:ext uri="{FF2B5EF4-FFF2-40B4-BE49-F238E27FC236}">
-                <a16:creationId xmlns:a16="http://schemas.microsoft.com/office/drawing/2014/main" id="{23E4D718-8CB0-4334-BB8A-FB8B57D7CDC6}"/>
+                <a16:creationId xmlns:a16="http://schemas.microsoft.com/office/drawing/2014/main" id="{C77BBE3F-91C3-44C8-4238-55F12EC40F8D}"/>
               </a:ext>
             </a:extLst>
           </p:cNvPr>
@@ -2565,7 +4374,7 @@
             </a:lvl9pPr>
           </a:lstStyle>
           <a:p>
-            <a:endParaRPr lang="zh-TW" altLang="en-US"/>
+            <a:endParaRPr kumimoji="1" lang="zh-TW" altLang="en-US"/>
           </a:p>
         </p:txBody>
       </p:sp>
@@ -2574,7 +4383,7 @@
           <p:cNvPr id="4" name="文字版面配置區 3">
             <a:extLst>
               <a:ext uri="{FF2B5EF4-FFF2-40B4-BE49-F238E27FC236}">
-                <a16:creationId xmlns:a16="http://schemas.microsoft.com/office/drawing/2014/main" id="{0DC47463-53E7-4FE3-B60B-1657D11127BD}"/>
+                <a16:creationId xmlns:a16="http://schemas.microsoft.com/office/drawing/2014/main" id="{A4CDFF41-AFB9-F01A-49AA-45D391245A12}"/>
               </a:ext>
             </a:extLst>
           </p:cNvPr>
@@ -2634,7 +4443,7 @@
           <a:p>
             <a:pPr lvl="0"/>
             <a:r>
-              <a:rPr lang="zh-TW" altLang="en-US"/>
+              <a:rPr kumimoji="1" lang="zh-TW" altLang="en-US"/>
               <a:t>按一下以編輯母片文字樣式</a:t>
             </a:r>
           </a:p>
@@ -2645,7 +4454,7 @@
           <p:cNvPr id="5" name="日期版面配置區 4">
             <a:extLst>
               <a:ext uri="{FF2B5EF4-FFF2-40B4-BE49-F238E27FC236}">
-                <a16:creationId xmlns:a16="http://schemas.microsoft.com/office/drawing/2014/main" id="{28875DC5-6AFF-40C0-8C77-F81A0A3E1B0F}"/>
+                <a16:creationId xmlns:a16="http://schemas.microsoft.com/office/drawing/2014/main" id="{CC65F4D9-E57E-C266-6177-652440C99650}"/>
               </a:ext>
             </a:extLst>
           </p:cNvPr>
@@ -2661,11 +4470,11 @@
           <a:bodyPr/>
           <a:lstStyle/>
           <a:p>
-            <a:fld id="{C3C90D7E-32D6-4894-AE08-7BBB3E610FC9}" type="datetimeFigureOut">
-              <a:rPr lang="zh-TW" altLang="en-US" smtClean="0"/>
-              <a:t>2024/9/16</a:t>
+            <a:fld id="{F014F6BB-CE5A-FE4A-B632-8883DF934E6D}" type="datetimeFigureOut">
+              <a:rPr kumimoji="1" lang="zh-TW" altLang="en-US" smtClean="0"/>
+              <a:t>2024/10/23</a:t>
             </a:fld>
-            <a:endParaRPr lang="zh-TW" altLang="en-US"/>
+            <a:endParaRPr kumimoji="1" lang="zh-TW" altLang="en-US"/>
           </a:p>
         </p:txBody>
       </p:sp>
@@ -2674,7 +4483,7 @@
           <p:cNvPr id="6" name="頁尾版面配置區 5">
             <a:extLst>
               <a:ext uri="{FF2B5EF4-FFF2-40B4-BE49-F238E27FC236}">
-                <a16:creationId xmlns:a16="http://schemas.microsoft.com/office/drawing/2014/main" id="{24F8A973-6D07-4F0C-97A0-280FEFC238E0}"/>
+                <a16:creationId xmlns:a16="http://schemas.microsoft.com/office/drawing/2014/main" id="{5E086632-8546-CC8B-FD49-2E07830D21BB}"/>
               </a:ext>
             </a:extLst>
           </p:cNvPr>
@@ -2690,7 +4499,7 @@
           <a:bodyPr/>
           <a:lstStyle/>
           <a:p>
-            <a:endParaRPr lang="zh-TW" altLang="en-US"/>
+            <a:endParaRPr kumimoji="1" lang="zh-TW" altLang="en-US"/>
           </a:p>
         </p:txBody>
       </p:sp>
@@ -2699,7 +4508,7 @@
           <p:cNvPr id="7" name="投影片編號版面配置區 6">
             <a:extLst>
               <a:ext uri="{FF2B5EF4-FFF2-40B4-BE49-F238E27FC236}">
-                <a16:creationId xmlns:a16="http://schemas.microsoft.com/office/drawing/2014/main" id="{DB60BB1E-F41B-40F0-929B-5208374980BF}"/>
+                <a16:creationId xmlns:a16="http://schemas.microsoft.com/office/drawing/2014/main" id="{99FE0973-3C0F-E4C0-EBB9-65C27D053E47}"/>
               </a:ext>
             </a:extLst>
           </p:cNvPr>
@@ -2715,18 +4524,18 @@
           <a:bodyPr/>
           <a:lstStyle/>
           <a:p>
-            <a:fld id="{E31EC408-072F-4346-BD0A-D6AA5788A305}" type="slidenum">
-              <a:rPr lang="zh-TW" altLang="en-US" smtClean="0"/>
+            <a:fld id="{5CCBD79B-D056-D44F-B780-F2AA710EBA35}" type="slidenum">
+              <a:rPr kumimoji="1" lang="zh-TW" altLang="en-US" smtClean="0"/>
               <a:t>‹#›</a:t>
             </a:fld>
-            <a:endParaRPr lang="zh-TW" altLang="en-US"/>
+            <a:endParaRPr kumimoji="1" lang="zh-TW" altLang="en-US"/>
           </a:p>
         </p:txBody>
       </p:sp>
     </p:spTree>
     <p:extLst>
       <p:ext uri="{BB962C8B-B14F-4D97-AF65-F5344CB8AC3E}">
-        <p14:creationId xmlns:p14="http://schemas.microsoft.com/office/powerpoint/2010/main" val="3148270851"/>
+        <p14:creationId xmlns:p14="http://schemas.microsoft.com/office/powerpoint/2010/main" val="1355505855"/>
       </p:ext>
     </p:extLst>
   </p:cSld>
@@ -2763,7 +4572,7 @@
           <p:cNvPr id="2" name="標題版面配置區 1">
             <a:extLst>
               <a:ext uri="{FF2B5EF4-FFF2-40B4-BE49-F238E27FC236}">
-                <a16:creationId xmlns:a16="http://schemas.microsoft.com/office/drawing/2014/main" id="{B8575AAC-624C-4B52-ABD4-699B1E35D2CF}"/>
+                <a16:creationId xmlns:a16="http://schemas.microsoft.com/office/drawing/2014/main" id="{4CEE6CCB-BF21-2A91-6220-98CB188F21B6}"/>
               </a:ext>
             </a:extLst>
           </p:cNvPr>
@@ -2790,7 +4599,7 @@
           <a:lstStyle/>
           <a:p>
             <a:r>
-              <a:rPr lang="zh-TW" altLang="en-US"/>
+              <a:rPr kumimoji="1" lang="zh-TW" altLang="en-US"/>
               <a:t>按一下以編輯母片標題樣式</a:t>
             </a:r>
           </a:p>
@@ -2801,7 +4610,7 @@
           <p:cNvPr id="3" name="文字版面配置區 2">
             <a:extLst>
               <a:ext uri="{FF2B5EF4-FFF2-40B4-BE49-F238E27FC236}">
-                <a16:creationId xmlns:a16="http://schemas.microsoft.com/office/drawing/2014/main" id="{76722991-C57D-471F-8271-C419A1CFB074}"/>
+                <a16:creationId xmlns:a16="http://schemas.microsoft.com/office/drawing/2014/main" id="{4F218E53-E1F8-5AE5-5F76-D6685B81AC55}"/>
               </a:ext>
             </a:extLst>
           </p:cNvPr>
@@ -2829,35 +4638,35 @@
           <a:p>
             <a:pPr lvl="0"/>
             <a:r>
-              <a:rPr lang="zh-TW" altLang="en-US"/>
+              <a:rPr kumimoji="1" lang="zh-TW" altLang="en-US"/>
               <a:t>按一下以編輯母片文字樣式</a:t>
             </a:r>
           </a:p>
           <a:p>
             <a:pPr lvl="1"/>
             <a:r>
-              <a:rPr lang="zh-TW" altLang="en-US"/>
+              <a:rPr kumimoji="1" lang="zh-TW" altLang="en-US"/>
               <a:t>第二層</a:t>
             </a:r>
           </a:p>
           <a:p>
             <a:pPr lvl="2"/>
             <a:r>
-              <a:rPr lang="zh-TW" altLang="en-US"/>
+              <a:rPr kumimoji="1" lang="zh-TW" altLang="en-US"/>
               <a:t>第三層</a:t>
             </a:r>
           </a:p>
           <a:p>
             <a:pPr lvl="3"/>
             <a:r>
-              <a:rPr lang="zh-TW" altLang="en-US"/>
+              <a:rPr kumimoji="1" lang="zh-TW" altLang="en-US"/>
               <a:t>第四層</a:t>
             </a:r>
           </a:p>
           <a:p>
             <a:pPr lvl="4"/>
             <a:r>
-              <a:rPr lang="zh-TW" altLang="en-US"/>
+              <a:rPr kumimoji="1" lang="zh-TW" altLang="en-US"/>
               <a:t>第五層</a:t>
             </a:r>
           </a:p>
@@ -2868,7 +4677,7 @@
           <p:cNvPr id="4" name="日期版面配置區 3">
             <a:extLst>
               <a:ext uri="{FF2B5EF4-FFF2-40B4-BE49-F238E27FC236}">
-                <a16:creationId xmlns:a16="http://schemas.microsoft.com/office/drawing/2014/main" id="{85C839DD-8CBF-4E23-A0C7-7C039E950BB8}"/>
+                <a16:creationId xmlns:a16="http://schemas.microsoft.com/office/drawing/2014/main" id="{0E0F83BC-C712-5AD1-F886-BCB34CCD8384}"/>
               </a:ext>
             </a:extLst>
           </p:cNvPr>
@@ -2902,11 +4711,11 @@
             </a:lvl1pPr>
           </a:lstStyle>
           <a:p>
-            <a:fld id="{C3C90D7E-32D6-4894-AE08-7BBB3E610FC9}" type="datetimeFigureOut">
-              <a:rPr lang="zh-TW" altLang="en-US" smtClean="0"/>
-              <a:t>2024/9/16</a:t>
+            <a:fld id="{F014F6BB-CE5A-FE4A-B632-8883DF934E6D}" type="datetimeFigureOut">
+              <a:rPr kumimoji="1" lang="zh-TW" altLang="en-US" smtClean="0"/>
+              <a:t>2024/10/23</a:t>
             </a:fld>
-            <a:endParaRPr lang="zh-TW" altLang="en-US"/>
+            <a:endParaRPr kumimoji="1" lang="zh-TW" altLang="en-US"/>
           </a:p>
         </p:txBody>
       </p:sp>
@@ -2915,7 +4724,7 @@
           <p:cNvPr id="5" name="頁尾版面配置區 4">
             <a:extLst>
               <a:ext uri="{FF2B5EF4-FFF2-40B4-BE49-F238E27FC236}">
-                <a16:creationId xmlns:a16="http://schemas.microsoft.com/office/drawing/2014/main" id="{12802D8A-77D4-418C-8190-43B6ADED2131}"/>
+                <a16:creationId xmlns:a16="http://schemas.microsoft.com/office/drawing/2014/main" id="{17D239B4-5716-DDB0-9A46-79561D3DEF53}"/>
               </a:ext>
             </a:extLst>
           </p:cNvPr>
@@ -2949,7 +4758,7 @@
             </a:lvl1pPr>
           </a:lstStyle>
           <a:p>
-            <a:endParaRPr lang="zh-TW" altLang="en-US"/>
+            <a:endParaRPr kumimoji="1" lang="zh-TW" altLang="en-US"/>
           </a:p>
         </p:txBody>
       </p:sp>
@@ -2958,7 +4767,7 @@
           <p:cNvPr id="6" name="投影片編號版面配置區 5">
             <a:extLst>
               <a:ext uri="{FF2B5EF4-FFF2-40B4-BE49-F238E27FC236}">
-                <a16:creationId xmlns:a16="http://schemas.microsoft.com/office/drawing/2014/main" id="{7072B55E-2BE2-4AF4-AFF8-2A716F492F1C}"/>
+                <a16:creationId xmlns:a16="http://schemas.microsoft.com/office/drawing/2014/main" id="{4CD15172-4CF5-DBB8-3596-AF3EF4D07BB0}"/>
               </a:ext>
             </a:extLst>
           </p:cNvPr>
@@ -2992,18 +4801,18 @@
             </a:lvl1pPr>
           </a:lstStyle>
           <a:p>
-            <a:fld id="{E31EC408-072F-4346-BD0A-D6AA5788A305}" type="slidenum">
-              <a:rPr lang="zh-TW" altLang="en-US" smtClean="0"/>
+            <a:fld id="{5CCBD79B-D056-D44F-B780-F2AA710EBA35}" type="slidenum">
+              <a:rPr kumimoji="1" lang="zh-TW" altLang="en-US" smtClean="0"/>
               <a:t>‹#›</a:t>
             </a:fld>
-            <a:endParaRPr lang="zh-TW" altLang="en-US"/>
+            <a:endParaRPr kumimoji="1" lang="zh-TW" altLang="en-US"/>
           </a:p>
         </p:txBody>
       </p:sp>
     </p:spTree>
     <p:extLst>
       <p:ext uri="{BB962C8B-B14F-4D97-AF65-F5344CB8AC3E}">
-        <p14:creationId xmlns:p14="http://schemas.microsoft.com/office/powerpoint/2010/main" val="2016052060"/>
+        <p14:creationId xmlns:p14="http://schemas.microsoft.com/office/powerpoint/2010/main" val="1878545158"/>
       </p:ext>
     </p:extLst>
   </p:cSld>
@@ -3307,6 +5116,32 @@
 <file path=ppt/slides/slide1.xml><?xml version="1.0" encoding="utf-8"?>
 <p:sld xmlns:a="http://schemas.openxmlformats.org/drawingml/2006/main" xmlns:r="http://schemas.openxmlformats.org/officeDocument/2006/relationships" xmlns:p="http://schemas.openxmlformats.org/presentationml/2006/main">
   <p:cSld>
+    <p:bg>
+      <p:bgPr>
+        <a:gradFill>
+          <a:gsLst>
+            <a:gs pos="0">
+              <a:schemeClr val="tx1"/>
+            </a:gs>
+            <a:gs pos="75000">
+              <a:schemeClr val="accent1">
+                <a:lumMod val="95000"/>
+                <a:lumOff val="5000"/>
+              </a:schemeClr>
+            </a:gs>
+            <a:gs pos="100000">
+              <a:schemeClr val="accent1">
+                <a:lumMod val="60000"/>
+              </a:schemeClr>
+            </a:gs>
+          </a:gsLst>
+          <a:path path="circle">
+            <a:fillToRect l="50000" t="130000" r="50000" b="-30000"/>
+          </a:path>
+        </a:gradFill>
+        <a:effectLst/>
+      </p:bgPr>
+    </p:bg>
     <p:spTree>
       <p:nvGrpSpPr>
         <p:cNvPr id="1" name=""/>
@@ -3323,58 +5158,1781 @@
       </p:grpSpPr>
       <p:sp>
         <p:nvSpPr>
-          <p:cNvPr id="2" name="標題 1">
-            <a:extLst>
-              <a:ext uri="{FF2B5EF4-FFF2-40B4-BE49-F238E27FC236}">
-                <a16:creationId xmlns:a16="http://schemas.microsoft.com/office/drawing/2014/main" id="{32532283-9F93-4E44-8138-32796965361F}"/>
-              </a:ext>
-            </a:extLst>
-          </p:cNvPr>
-          <p:cNvSpPr>
+          <p:cNvPr id="4" name="!!P1">
+            <a:extLst>
+              <a:ext uri="{FF2B5EF4-FFF2-40B4-BE49-F238E27FC236}">
+                <a16:creationId xmlns:a16="http://schemas.microsoft.com/office/drawing/2014/main" id="{E0CEE088-2209-39D9-36EA-9DDDC2F41A14}"/>
+              </a:ext>
+            </a:extLst>
+          </p:cNvPr>
+          <p:cNvSpPr txBox="1">
             <a:spLocks noGrp="1"/>
           </p:cNvSpPr>
           <p:nvPr>
             <p:ph type="ctrTitle"/>
           </p:nvPr>
         </p:nvSpPr>
-        <p:spPr/>
-        <p:txBody>
-          <a:bodyPr/>
-          <a:lstStyle/>
-          <a:p>
-            <a:endParaRPr lang="zh-TW" altLang="en-US"/>
-          </a:p>
-        </p:txBody>
-      </p:sp>
-      <p:sp>
-        <p:nvSpPr>
-          <p:cNvPr id="3" name="副標題 2">
-            <a:extLst>
-              <a:ext uri="{FF2B5EF4-FFF2-40B4-BE49-F238E27FC236}">
-                <a16:creationId xmlns:a16="http://schemas.microsoft.com/office/drawing/2014/main" id="{8C946F38-524D-4B98-B9CB-80AEE57E455A}"/>
-              </a:ext>
-            </a:extLst>
-          </p:cNvPr>
-          <p:cNvSpPr>
-            <a:spLocks noGrp="1"/>
-          </p:cNvSpPr>
-          <p:nvPr>
-            <p:ph type="subTitle" idx="1"/>
-          </p:nvPr>
-        </p:nvSpPr>
-        <p:spPr/>
-        <p:txBody>
-          <a:bodyPr/>
-          <a:lstStyle/>
-          <a:p>
-            <a:endParaRPr lang="zh-TW" altLang="en-US"/>
+        <p:spPr>
+          <a:xfrm>
+            <a:off x="0" y="2503534"/>
+            <a:ext cx="7455049" cy="1006429"/>
+          </a:xfrm>
+          <a:prstGeom prst="rect">
+            <a:avLst/>
+          </a:prstGeom>
+          <a:noFill/>
+        </p:spPr>
+        <p:txBody>
+          <a:bodyPr wrap="square">
+            <a:spAutoFit/>
+          </a:bodyPr>
+          <a:lstStyle/>
+          <a:p>
+            <a:pPr algn="ctr"/>
+            <a:r>
+              <a:rPr lang="zh-TW" altLang="en-US" sz="6600" b="1" dirty="0">
+                <a:ln w="12700">
+                  <a:solidFill>
+                    <a:schemeClr val="tx2">
+                      <a:satMod val="155000"/>
+                    </a:schemeClr>
+                  </a:solidFill>
+                  <a:prstDash val="solid"/>
+                </a:ln>
+                <a:solidFill>
+                  <a:srgbClr val="FD7461"/>
+                </a:solidFill>
+                <a:effectLst>
+                  <a:outerShdw blurRad="41275" dist="20320" dir="1800000" algn="tl" rotWithShape="0">
+                    <a:srgbClr val="000000">
+                      <a:alpha val="40000"/>
+                    </a:srgbClr>
+                  </a:outerShdw>
+                </a:effectLst>
+                <a:highlight>
+                  <a:srgbClr val="C0C0C0"/>
+                </a:highlight>
+              </a:rPr>
+              <a:t>小魚兒的冒險故事</a:t>
+            </a:r>
+            <a:endParaRPr lang="zh-TW" altLang="en-US" sz="6600" b="1" cap="none" spc="0" dirty="0">
+              <a:ln w="12700">
+                <a:solidFill>
+                  <a:schemeClr val="tx2">
+                    <a:satMod val="155000"/>
+                  </a:schemeClr>
+                </a:solidFill>
+                <a:prstDash val="solid"/>
+              </a:ln>
+              <a:solidFill>
+                <a:srgbClr val="FD7461"/>
+              </a:solidFill>
+              <a:effectLst>
+                <a:outerShdw blurRad="41275" dist="20320" dir="1800000" algn="tl" rotWithShape="0">
+                  <a:srgbClr val="000000">
+                    <a:alpha val="40000"/>
+                  </a:srgbClr>
+                </a:outerShdw>
+              </a:effectLst>
+              <a:highlight>
+                <a:srgbClr val="C0C0C0"/>
+              </a:highlight>
+            </a:endParaRPr>
           </a:p>
         </p:txBody>
       </p:sp>
     </p:spTree>
     <p:extLst>
       <p:ext uri="{BB962C8B-B14F-4D97-AF65-F5344CB8AC3E}">
-        <p14:creationId xmlns:p14="http://schemas.microsoft.com/office/powerpoint/2010/main" val="1328321055"/>
+        <p14:creationId xmlns:p14="http://schemas.microsoft.com/office/powerpoint/2010/main" val="2311881090"/>
+      </p:ext>
+    </p:extLst>
+  </p:cSld>
+  <p:clrMapOvr>
+    <a:masterClrMapping/>
+  </p:clrMapOvr>
+</p:sld>
+</file>
+
+<file path=ppt/slides/slide10.xml><?xml version="1.0" encoding="utf-8"?>
+<p:sld xmlns:a="http://schemas.openxmlformats.org/drawingml/2006/main" xmlns:r="http://schemas.openxmlformats.org/officeDocument/2006/relationships" xmlns:p="http://schemas.openxmlformats.org/presentationml/2006/main">
+  <p:cSld>
+    <p:bg>
+      <p:bgPr>
+        <a:gradFill>
+          <a:gsLst>
+            <a:gs pos="0">
+              <a:schemeClr val="tx1"/>
+            </a:gs>
+            <a:gs pos="75000">
+              <a:schemeClr val="accent1">
+                <a:lumMod val="95000"/>
+                <a:lumOff val="5000"/>
+              </a:schemeClr>
+            </a:gs>
+            <a:gs pos="100000">
+              <a:schemeClr val="accent1">
+                <a:lumMod val="60000"/>
+              </a:schemeClr>
+            </a:gs>
+          </a:gsLst>
+          <a:path path="circle">
+            <a:fillToRect l="50000" t="130000" r="50000" b="-30000"/>
+          </a:path>
+        </a:gradFill>
+        <a:effectLst/>
+      </p:bgPr>
+    </p:bg>
+    <p:spTree>
+      <p:nvGrpSpPr>
+        <p:cNvPr id="1" name=""/>
+        <p:cNvGrpSpPr/>
+        <p:nvPr/>
+      </p:nvGrpSpPr>
+      <p:grpSpPr>
+        <a:xfrm>
+          <a:off x="0" y="0"/>
+          <a:ext cx="0" cy="0"/>
+          <a:chOff x="0" y="0"/>
+          <a:chExt cx="0" cy="0"/>
+        </a:xfrm>
+      </p:grpSpPr>
+      <p:pic>
+        <p:nvPicPr>
+          <p:cNvPr id="3" name="圖片 2">
+            <a:extLst>
+              <a:ext uri="{FF2B5EF4-FFF2-40B4-BE49-F238E27FC236}">
+                <a16:creationId xmlns:a16="http://schemas.microsoft.com/office/drawing/2014/main" id="{FCC89BF1-F3C4-2F25-83B8-3A3AE9DE645E}"/>
+              </a:ext>
+            </a:extLst>
+          </p:cNvPr>
+          <p:cNvPicPr>
+            <a:picLocks noChangeAspect="1"/>
+          </p:cNvPicPr>
+          <p:nvPr/>
+        </p:nvPicPr>
+        <p:blipFill>
+          <a:blip r:embed="rId3"/>
+          <a:stretch>
+            <a:fillRect/>
+          </a:stretch>
+        </p:blipFill>
+        <p:spPr>
+          <a:xfrm>
+            <a:off x="1113181" y="961758"/>
+            <a:ext cx="5803477" cy="5803477"/>
+          </a:xfrm>
+          <a:prstGeom prst="rect">
+            <a:avLst/>
+          </a:prstGeom>
+        </p:spPr>
+      </p:pic>
+      <p:sp>
+        <p:nvSpPr>
+          <p:cNvPr id="4" name="矩形 3">
+            <a:extLst>
+              <a:ext uri="{FF2B5EF4-FFF2-40B4-BE49-F238E27FC236}">
+                <a16:creationId xmlns:a16="http://schemas.microsoft.com/office/drawing/2014/main" id="{BFFE41E0-04BE-3115-79FD-CEEBE99BC8A5}"/>
+              </a:ext>
+            </a:extLst>
+          </p:cNvPr>
+          <p:cNvSpPr/>
+          <p:nvPr/>
+        </p:nvSpPr>
+        <p:spPr>
+          <a:xfrm>
+            <a:off x="768627" y="92765"/>
+            <a:ext cx="6745392" cy="707886"/>
+          </a:xfrm>
+          <a:prstGeom prst="rect">
+            <a:avLst/>
+          </a:prstGeom>
+          <a:noFill/>
+        </p:spPr>
+        <p:txBody>
+          <a:bodyPr wrap="square" lIns="91440" tIns="45720" rIns="91440" bIns="45720">
+            <a:spAutoFit/>
+          </a:bodyPr>
+          <a:lstStyle/>
+          <a:p>
+            <a:pPr algn="ctr"/>
+            <a:r>
+              <a:rPr lang="en-US" altLang="zh-TW" sz="4000" b="1" dirty="0">
+                <a:ln w="12700">
+                  <a:solidFill>
+                    <a:schemeClr val="tx2">
+                      <a:satMod val="155000"/>
+                    </a:schemeClr>
+                  </a:solidFill>
+                  <a:prstDash val="solid"/>
+                </a:ln>
+                <a:solidFill>
+                  <a:schemeClr val="bg2">
+                    <a:tint val="85000"/>
+                    <a:satMod val="155000"/>
+                  </a:schemeClr>
+                </a:solidFill>
+                <a:effectLst>
+                  <a:outerShdw blurRad="41275" dist="20320" dir="1800000" algn="tl" rotWithShape="0">
+                    <a:srgbClr val="000000">
+                      <a:alpha val="40000"/>
+                    </a:srgbClr>
+                  </a:outerShdw>
+                </a:effectLst>
+              </a:rPr>
+              <a:t>5.</a:t>
+            </a:r>
+            <a:r>
+              <a:rPr lang="zh-TW" altLang="en-US" sz="4000" b="1" dirty="0">
+                <a:ln w="12700">
+                  <a:solidFill>
+                    <a:schemeClr val="tx2">
+                      <a:satMod val="155000"/>
+                    </a:schemeClr>
+                  </a:solidFill>
+                  <a:prstDash val="solid"/>
+                </a:ln>
+                <a:solidFill>
+                  <a:schemeClr val="bg2">
+                    <a:tint val="85000"/>
+                    <a:satMod val="155000"/>
+                  </a:schemeClr>
+                </a:solidFill>
+                <a:effectLst>
+                  <a:outerShdw blurRad="41275" dist="20320" dir="1800000" algn="tl" rotWithShape="0">
+                    <a:srgbClr val="000000">
+                      <a:alpha val="40000"/>
+                    </a:srgbClr>
+                  </a:outerShdw>
+                </a:effectLst>
+              </a:rPr>
+              <a:t>意外</a:t>
+            </a:r>
+            <a:r>
+              <a:rPr lang="zh-TW" altLang="en-US" sz="4000" b="1" cap="none" spc="0" dirty="0">
+                <a:ln w="12700">
+                  <a:solidFill>
+                    <a:schemeClr val="tx2">
+                      <a:satMod val="155000"/>
+                    </a:schemeClr>
+                  </a:solidFill>
+                  <a:prstDash val="solid"/>
+                </a:ln>
+                <a:solidFill>
+                  <a:schemeClr val="bg2">
+                    <a:tint val="85000"/>
+                    <a:satMod val="155000"/>
+                  </a:schemeClr>
+                </a:solidFill>
+                <a:effectLst>
+                  <a:outerShdw blurRad="41275" dist="20320" dir="1800000" algn="tl" rotWithShape="0">
+                    <a:srgbClr val="000000">
+                      <a:alpha val="40000"/>
+                    </a:srgbClr>
+                  </a:outerShdw>
+                </a:effectLst>
+              </a:rPr>
+              <a:t>：我撞到一棵松樹</a:t>
+            </a:r>
+          </a:p>
+        </p:txBody>
+      </p:sp>
+    </p:spTree>
+    <p:extLst>
+      <p:ext uri="{BB962C8B-B14F-4D97-AF65-F5344CB8AC3E}">
+        <p14:creationId xmlns:p14="http://schemas.microsoft.com/office/powerpoint/2010/main" val="3708984922"/>
+      </p:ext>
+    </p:extLst>
+  </p:cSld>
+  <p:clrMapOvr>
+    <a:masterClrMapping/>
+  </p:clrMapOvr>
+</p:sld>
+</file>
+
+<file path=ppt/slides/slide11.xml><?xml version="1.0" encoding="utf-8"?>
+<p:sld xmlns:a="http://schemas.openxmlformats.org/drawingml/2006/main" xmlns:r="http://schemas.openxmlformats.org/officeDocument/2006/relationships" xmlns:p="http://schemas.openxmlformats.org/presentationml/2006/main">
+  <p:cSld>
+    <p:bg>
+      <p:bgPr>
+        <a:gradFill>
+          <a:gsLst>
+            <a:gs pos="0">
+              <a:schemeClr val="tx1"/>
+            </a:gs>
+            <a:gs pos="75000">
+              <a:schemeClr val="accent1">
+                <a:lumMod val="95000"/>
+                <a:lumOff val="5000"/>
+              </a:schemeClr>
+            </a:gs>
+            <a:gs pos="100000">
+              <a:schemeClr val="accent1">
+                <a:lumMod val="60000"/>
+              </a:schemeClr>
+            </a:gs>
+          </a:gsLst>
+          <a:path path="circle">
+            <a:fillToRect l="50000" t="130000" r="50000" b="-30000"/>
+          </a:path>
+        </a:gradFill>
+        <a:effectLst/>
+      </p:bgPr>
+    </p:bg>
+    <p:spTree>
+      <p:nvGrpSpPr>
+        <p:cNvPr id="1" name=""/>
+        <p:cNvGrpSpPr/>
+        <p:nvPr/>
+      </p:nvGrpSpPr>
+      <p:grpSpPr>
+        <a:xfrm>
+          <a:off x="0" y="0"/>
+          <a:ext cx="0" cy="0"/>
+          <a:chOff x="0" y="0"/>
+          <a:chExt cx="0" cy="0"/>
+        </a:xfrm>
+      </p:grpSpPr>
+      <p:sp>
+        <p:nvSpPr>
+          <p:cNvPr id="3" name="矩形 2">
+            <a:extLst>
+              <a:ext uri="{FF2B5EF4-FFF2-40B4-BE49-F238E27FC236}">
+                <a16:creationId xmlns:a16="http://schemas.microsoft.com/office/drawing/2014/main" id="{600096B2-CB5D-5E06-2551-6069F00CB3C1}"/>
+              </a:ext>
+            </a:extLst>
+          </p:cNvPr>
+          <p:cNvSpPr/>
+          <p:nvPr/>
+        </p:nvSpPr>
+        <p:spPr>
+          <a:xfrm>
+            <a:off x="490330" y="265043"/>
+            <a:ext cx="6671027" cy="923330"/>
+          </a:xfrm>
+          <a:prstGeom prst="rect">
+            <a:avLst/>
+          </a:prstGeom>
+          <a:noFill/>
+        </p:spPr>
+        <p:txBody>
+          <a:bodyPr wrap="square" lIns="91440" tIns="45720" rIns="91440" bIns="45720">
+            <a:spAutoFit/>
+          </a:bodyPr>
+          <a:lstStyle/>
+          <a:p>
+            <a:pPr algn="ctr"/>
+            <a:r>
+              <a:rPr lang="en-US" altLang="zh-TW" sz="5400" b="1" cap="none" spc="0" dirty="0">
+                <a:ln w="12700">
+                  <a:solidFill>
+                    <a:schemeClr val="tx2">
+                      <a:satMod val="155000"/>
+                    </a:schemeClr>
+                  </a:solidFill>
+                  <a:prstDash val="solid"/>
+                </a:ln>
+                <a:solidFill>
+                  <a:schemeClr val="bg2">
+                    <a:tint val="85000"/>
+                    <a:satMod val="155000"/>
+                  </a:schemeClr>
+                </a:solidFill>
+                <a:effectLst>
+                  <a:outerShdw blurRad="41275" dist="20320" dir="1800000" algn="tl" rotWithShape="0">
+                    <a:srgbClr val="000000">
+                      <a:alpha val="40000"/>
+                    </a:srgbClr>
+                  </a:outerShdw>
+                </a:effectLst>
+              </a:rPr>
+              <a:t>6.</a:t>
+            </a:r>
+            <a:r>
+              <a:rPr lang="zh-TW" altLang="en-US" sz="5400" b="1" cap="none" spc="0" dirty="0">
+                <a:ln w="12700">
+                  <a:solidFill>
+                    <a:schemeClr val="tx2">
+                      <a:satMod val="155000"/>
+                    </a:schemeClr>
+                  </a:solidFill>
+                  <a:prstDash val="solid"/>
+                </a:ln>
+                <a:solidFill>
+                  <a:schemeClr val="bg2">
+                    <a:tint val="85000"/>
+                    <a:satMod val="155000"/>
+                  </a:schemeClr>
+                </a:solidFill>
+                <a:effectLst>
+                  <a:outerShdw blurRad="41275" dist="20320" dir="1800000" algn="tl" rotWithShape="0">
+                    <a:srgbClr val="000000">
+                      <a:alpha val="40000"/>
+                    </a:srgbClr>
+                  </a:outerShdw>
+                </a:effectLst>
+              </a:rPr>
+              <a:t>轉彎：爬起來再戰</a:t>
+            </a:r>
+          </a:p>
+        </p:txBody>
+      </p:sp>
+      <p:pic>
+        <p:nvPicPr>
+          <p:cNvPr id="5" name="圖片 4">
+            <a:extLst>
+              <a:ext uri="{FF2B5EF4-FFF2-40B4-BE49-F238E27FC236}">
+                <a16:creationId xmlns:a16="http://schemas.microsoft.com/office/drawing/2014/main" id="{1CEBF8BF-E3F8-078B-F79B-817A14E48767}"/>
+              </a:ext>
+            </a:extLst>
+          </p:cNvPr>
+          <p:cNvPicPr>
+            <a:picLocks noChangeAspect="1"/>
+          </p:cNvPicPr>
+          <p:nvPr/>
+        </p:nvPicPr>
+        <p:blipFill>
+          <a:blip r:embed="rId3"/>
+          <a:stretch>
+            <a:fillRect/>
+          </a:stretch>
+        </p:blipFill>
+        <p:spPr>
+          <a:xfrm>
+            <a:off x="978282" y="1162878"/>
+            <a:ext cx="5695122" cy="5695122"/>
+          </a:xfrm>
+          <a:prstGeom prst="rect">
+            <a:avLst/>
+          </a:prstGeom>
+        </p:spPr>
+      </p:pic>
+    </p:spTree>
+    <p:extLst>
+      <p:ext uri="{BB962C8B-B14F-4D97-AF65-F5344CB8AC3E}">
+        <p14:creationId xmlns:p14="http://schemas.microsoft.com/office/powerpoint/2010/main" val="2354946758"/>
+      </p:ext>
+    </p:extLst>
+  </p:cSld>
+  <p:clrMapOvr>
+    <a:masterClrMapping/>
+  </p:clrMapOvr>
+</p:sld>
+</file>
+
+<file path=ppt/slides/slide12.xml><?xml version="1.0" encoding="utf-8"?>
+<p:sld xmlns:a="http://schemas.openxmlformats.org/drawingml/2006/main" xmlns:r="http://schemas.openxmlformats.org/officeDocument/2006/relationships" xmlns:p="http://schemas.openxmlformats.org/presentationml/2006/main">
+  <p:cSld>
+    <p:bg>
+      <p:bgPr>
+        <a:gradFill>
+          <a:gsLst>
+            <a:gs pos="0">
+              <a:schemeClr val="tx1"/>
+            </a:gs>
+            <a:gs pos="75000">
+              <a:schemeClr val="accent1">
+                <a:lumMod val="95000"/>
+                <a:lumOff val="5000"/>
+              </a:schemeClr>
+            </a:gs>
+            <a:gs pos="100000">
+              <a:schemeClr val="accent1">
+                <a:lumMod val="60000"/>
+              </a:schemeClr>
+            </a:gs>
+          </a:gsLst>
+          <a:path path="circle">
+            <a:fillToRect l="50000" t="130000" r="50000" b="-30000"/>
+          </a:path>
+        </a:gradFill>
+        <a:effectLst/>
+      </p:bgPr>
+    </p:bg>
+    <p:spTree>
+      <p:nvGrpSpPr>
+        <p:cNvPr id="1" name=""/>
+        <p:cNvGrpSpPr/>
+        <p:nvPr/>
+      </p:nvGrpSpPr>
+      <p:grpSpPr>
+        <a:xfrm>
+          <a:off x="0" y="0"/>
+          <a:ext cx="0" cy="0"/>
+          <a:chOff x="0" y="0"/>
+          <a:chExt cx="0" cy="0"/>
+        </a:xfrm>
+      </p:grpSpPr>
+      <p:pic>
+        <p:nvPicPr>
+          <p:cNvPr id="3" name="圖片 2">
+            <a:extLst>
+              <a:ext uri="{FF2B5EF4-FFF2-40B4-BE49-F238E27FC236}">
+                <a16:creationId xmlns:a16="http://schemas.microsoft.com/office/drawing/2014/main" id="{83E2A83A-FB97-7297-B7F9-161DE6936E1F}"/>
+              </a:ext>
+            </a:extLst>
+          </p:cNvPr>
+          <p:cNvPicPr>
+            <a:picLocks noChangeAspect="1"/>
+          </p:cNvPicPr>
+          <p:nvPr/>
+        </p:nvPicPr>
+        <p:blipFill>
+          <a:blip r:embed="rId3"/>
+          <a:stretch>
+            <a:fillRect/>
+          </a:stretch>
+        </p:blipFill>
+        <p:spPr>
+          <a:xfrm>
+            <a:off x="0" y="0"/>
+            <a:ext cx="6858000" cy="6858000"/>
+          </a:xfrm>
+          <a:prstGeom prst="rect">
+            <a:avLst/>
+          </a:prstGeom>
+        </p:spPr>
+      </p:pic>
+    </p:spTree>
+    <p:extLst>
+      <p:ext uri="{BB962C8B-B14F-4D97-AF65-F5344CB8AC3E}">
+        <p14:creationId xmlns:p14="http://schemas.microsoft.com/office/powerpoint/2010/main" val="1498092299"/>
+      </p:ext>
+    </p:extLst>
+  </p:cSld>
+  <p:clrMapOvr>
+    <a:masterClrMapping/>
+  </p:clrMapOvr>
+</p:sld>
+</file>
+
+<file path=ppt/slides/slide13.xml><?xml version="1.0" encoding="utf-8"?>
+<p:sld xmlns:a="http://schemas.openxmlformats.org/drawingml/2006/main" xmlns:r="http://schemas.openxmlformats.org/officeDocument/2006/relationships" xmlns:p="http://schemas.openxmlformats.org/presentationml/2006/main">
+  <p:cSld>
+    <p:bg>
+      <p:bgPr>
+        <a:gradFill>
+          <a:gsLst>
+            <a:gs pos="0">
+              <a:schemeClr val="tx1"/>
+            </a:gs>
+            <a:gs pos="75000">
+              <a:schemeClr val="accent1">
+                <a:lumMod val="95000"/>
+                <a:lumOff val="5000"/>
+              </a:schemeClr>
+            </a:gs>
+            <a:gs pos="100000">
+              <a:schemeClr val="accent1">
+                <a:lumMod val="60000"/>
+              </a:schemeClr>
+            </a:gs>
+          </a:gsLst>
+          <a:path path="circle">
+            <a:fillToRect l="50000" t="130000" r="50000" b="-30000"/>
+          </a:path>
+        </a:gradFill>
+        <a:effectLst/>
+      </p:bgPr>
+    </p:bg>
+    <p:spTree>
+      <p:nvGrpSpPr>
+        <p:cNvPr id="1" name=""/>
+        <p:cNvGrpSpPr/>
+        <p:nvPr/>
+      </p:nvGrpSpPr>
+      <p:grpSpPr>
+        <a:xfrm>
+          <a:off x="0" y="0"/>
+          <a:ext cx="0" cy="0"/>
+          <a:chOff x="0" y="0"/>
+          <a:chExt cx="0" cy="0"/>
+        </a:xfrm>
+      </p:grpSpPr>
+      <p:pic>
+        <p:nvPicPr>
+          <p:cNvPr id="3" name="圖片 2">
+            <a:extLst>
+              <a:ext uri="{FF2B5EF4-FFF2-40B4-BE49-F238E27FC236}">
+                <a16:creationId xmlns:a16="http://schemas.microsoft.com/office/drawing/2014/main" id="{4000ADC0-1E09-5EC6-DE95-763BE8232DD4}"/>
+              </a:ext>
+            </a:extLst>
+          </p:cNvPr>
+          <p:cNvPicPr>
+            <a:picLocks noChangeAspect="1"/>
+          </p:cNvPicPr>
+          <p:nvPr/>
+        </p:nvPicPr>
+        <p:blipFill>
+          <a:blip r:embed="rId3"/>
+          <a:srcRect r="44771" b="48392"/>
+          <a:stretch/>
+        </p:blipFill>
+        <p:spPr>
+          <a:xfrm>
+            <a:off x="1205948" y="1167046"/>
+            <a:ext cx="5773650" cy="5395117"/>
+          </a:xfrm>
+          <a:prstGeom prst="rect">
+            <a:avLst/>
+          </a:prstGeom>
+        </p:spPr>
+      </p:pic>
+      <p:sp>
+        <p:nvSpPr>
+          <p:cNvPr id="4" name="矩形 3">
+            <a:extLst>
+              <a:ext uri="{FF2B5EF4-FFF2-40B4-BE49-F238E27FC236}">
+                <a16:creationId xmlns:a16="http://schemas.microsoft.com/office/drawing/2014/main" id="{8F67A550-7475-D982-388C-87486E1F4B85}"/>
+              </a:ext>
+            </a:extLst>
+          </p:cNvPr>
+          <p:cNvSpPr/>
+          <p:nvPr/>
+        </p:nvSpPr>
+        <p:spPr>
+          <a:xfrm>
+            <a:off x="928284" y="295837"/>
+            <a:ext cx="6328977" cy="707886"/>
+          </a:xfrm>
+          <a:prstGeom prst="rect">
+            <a:avLst/>
+          </a:prstGeom>
+          <a:noFill/>
+        </p:spPr>
+        <p:txBody>
+          <a:bodyPr wrap="none" lIns="91440" tIns="45720" rIns="91440" bIns="45720">
+            <a:spAutoFit/>
+          </a:bodyPr>
+          <a:lstStyle/>
+          <a:p>
+            <a:pPr algn="ctr"/>
+            <a:r>
+              <a:rPr lang="en-US" altLang="zh-TW" sz="4000" b="1" cap="none" spc="0" dirty="0">
+                <a:ln w="12700">
+                  <a:solidFill>
+                    <a:schemeClr val="tx2">
+                      <a:satMod val="155000"/>
+                    </a:schemeClr>
+                  </a:solidFill>
+                  <a:prstDash val="solid"/>
+                </a:ln>
+                <a:solidFill>
+                  <a:schemeClr val="bg2">
+                    <a:tint val="85000"/>
+                    <a:satMod val="155000"/>
+                  </a:schemeClr>
+                </a:solidFill>
+                <a:effectLst>
+                  <a:outerShdw blurRad="41275" dist="20320" dir="1800000" algn="tl" rotWithShape="0">
+                    <a:srgbClr val="000000">
+                      <a:alpha val="40000"/>
+                    </a:srgbClr>
+                  </a:outerShdw>
+                </a:effectLst>
+              </a:rPr>
+              <a:t>7.</a:t>
+            </a:r>
+            <a:r>
+              <a:rPr lang="zh-TW" altLang="en-US" sz="4000" b="1" cap="none" spc="0" dirty="0">
+                <a:ln w="12700">
+                  <a:solidFill>
+                    <a:schemeClr val="tx2">
+                      <a:satMod val="155000"/>
+                    </a:schemeClr>
+                  </a:solidFill>
+                  <a:prstDash val="solid"/>
+                </a:ln>
+                <a:solidFill>
+                  <a:schemeClr val="bg2">
+                    <a:tint val="85000"/>
+                    <a:satMod val="155000"/>
+                  </a:schemeClr>
+                </a:solidFill>
+                <a:effectLst>
+                  <a:outerShdw blurRad="41275" dist="20320" dir="1800000" algn="tl" rotWithShape="0">
+                    <a:srgbClr val="000000">
+                      <a:alpha val="40000"/>
+                    </a:srgbClr>
+                  </a:outerShdw>
+                </a:effectLst>
+              </a:rPr>
+              <a:t>結局：終於平安抵達山下</a:t>
+            </a:r>
+          </a:p>
+        </p:txBody>
+      </p:sp>
+    </p:spTree>
+    <p:extLst>
+      <p:ext uri="{BB962C8B-B14F-4D97-AF65-F5344CB8AC3E}">
+        <p14:creationId xmlns:p14="http://schemas.microsoft.com/office/powerpoint/2010/main" val="3229602273"/>
+      </p:ext>
+    </p:extLst>
+  </p:cSld>
+  <p:clrMapOvr>
+    <a:masterClrMapping/>
+  </p:clrMapOvr>
+</p:sld>
+</file>
+
+<file path=ppt/slides/slide2.xml><?xml version="1.0" encoding="utf-8"?>
+<p:sld xmlns:a="http://schemas.openxmlformats.org/drawingml/2006/main" xmlns:r="http://schemas.openxmlformats.org/officeDocument/2006/relationships" xmlns:p="http://schemas.openxmlformats.org/presentationml/2006/main">
+  <p:cSld>
+    <p:bg>
+      <p:bgPr>
+        <a:gradFill>
+          <a:gsLst>
+            <a:gs pos="0">
+              <a:schemeClr val="tx1"/>
+            </a:gs>
+            <a:gs pos="75000">
+              <a:schemeClr val="accent1">
+                <a:lumMod val="95000"/>
+                <a:lumOff val="5000"/>
+              </a:schemeClr>
+            </a:gs>
+            <a:gs pos="100000">
+              <a:schemeClr val="accent1">
+                <a:lumMod val="60000"/>
+              </a:schemeClr>
+            </a:gs>
+          </a:gsLst>
+          <a:path path="circle">
+            <a:fillToRect l="50000" t="130000" r="50000" b="-30000"/>
+          </a:path>
+        </a:gradFill>
+        <a:effectLst/>
+      </p:bgPr>
+    </p:bg>
+    <p:spTree>
+      <p:nvGrpSpPr>
+        <p:cNvPr id="1" name="">
+          <a:extLst>
+            <a:ext uri="{FF2B5EF4-FFF2-40B4-BE49-F238E27FC236}">
+              <a16:creationId xmlns:a16="http://schemas.microsoft.com/office/drawing/2014/main" id="{820BB77E-2C7E-5915-F784-D9C58F002412}"/>
+            </a:ext>
+          </a:extLst>
+        </p:cNvPr>
+        <p:cNvGrpSpPr/>
+        <p:nvPr/>
+      </p:nvGrpSpPr>
+      <p:grpSpPr>
+        <a:xfrm>
+          <a:off x="0" y="0"/>
+          <a:ext cx="0" cy="0"/>
+          <a:chOff x="0" y="0"/>
+          <a:chExt cx="0" cy="0"/>
+        </a:xfrm>
+      </p:grpSpPr>
+      <p:sp>
+        <p:nvSpPr>
+          <p:cNvPr id="4" name="!!P1">
+            <a:extLst>
+              <a:ext uri="{FF2B5EF4-FFF2-40B4-BE49-F238E27FC236}">
+                <a16:creationId xmlns:a16="http://schemas.microsoft.com/office/drawing/2014/main" id="{7245FFA3-F765-589A-49AC-023B09C665D1}"/>
+              </a:ext>
+            </a:extLst>
+          </p:cNvPr>
+          <p:cNvSpPr txBox="1"/>
+          <p:nvPr/>
+        </p:nvSpPr>
+        <p:spPr>
+          <a:xfrm>
+            <a:off x="1404729" y="0"/>
+            <a:ext cx="8282609" cy="707886"/>
+          </a:xfrm>
+          <a:prstGeom prst="rect">
+            <a:avLst/>
+          </a:prstGeom>
+          <a:noFill/>
+        </p:spPr>
+        <p:txBody>
+          <a:bodyPr wrap="square" rtlCol="0">
+            <a:spAutoFit/>
+          </a:bodyPr>
+          <a:lstStyle/>
+          <a:p>
+            <a:r>
+              <a:rPr kumimoji="1" lang="zh-TW" altLang="en-US" sz="4000" dirty="0">
+                <a:solidFill>
+                  <a:schemeClr val="accent4">
+                    <a:lumMod val="60000"/>
+                    <a:lumOff val="40000"/>
+                  </a:schemeClr>
+                </a:solidFill>
+              </a:rPr>
+              <a:t>太浩湖滑雪場滑雪</a:t>
+            </a:r>
+          </a:p>
+        </p:txBody>
+      </p:sp>
+      <p:pic>
+        <p:nvPicPr>
+          <p:cNvPr id="9" name="圖片 8">
+            <a:extLst>
+              <a:ext uri="{FF2B5EF4-FFF2-40B4-BE49-F238E27FC236}">
+                <a16:creationId xmlns:a16="http://schemas.microsoft.com/office/drawing/2014/main" id="{51103CBB-90D1-0AC1-6D6E-B0E1A21FCF9D}"/>
+              </a:ext>
+            </a:extLst>
+          </p:cNvPr>
+          <p:cNvPicPr>
+            <a:picLocks noChangeAspect="1"/>
+          </p:cNvPicPr>
+          <p:nvPr/>
+        </p:nvPicPr>
+        <p:blipFill>
+          <a:blip r:embed="rId3"/>
+          <a:stretch>
+            <a:fillRect/>
+          </a:stretch>
+        </p:blipFill>
+        <p:spPr>
+          <a:xfrm>
+            <a:off x="891210" y="1060173"/>
+            <a:ext cx="5300870" cy="5300870"/>
+          </a:xfrm>
+          <a:prstGeom prst="rect">
+            <a:avLst/>
+          </a:prstGeom>
+        </p:spPr>
+      </p:pic>
+    </p:spTree>
+    <p:extLst>
+      <p:ext uri="{BB962C8B-B14F-4D97-AF65-F5344CB8AC3E}">
+        <p14:creationId xmlns:p14="http://schemas.microsoft.com/office/powerpoint/2010/main" val="707992378"/>
+      </p:ext>
+    </p:extLst>
+  </p:cSld>
+  <p:clrMapOvr>
+    <a:masterClrMapping/>
+  </p:clrMapOvr>
+  <mc:AlternateContent xmlns:mc="http://schemas.openxmlformats.org/markup-compatibility/2006" xmlns:p159="http://schemas.microsoft.com/office/powerpoint/2015/09/main">
+    <mc:Choice Requires="p159">
+      <p:transition xmlns:p14="http://schemas.microsoft.com/office/powerpoint/2010/main" spd="slow" p14:dur="2000">
+        <p159:morph option="byObject"/>
+      </p:transition>
+    </mc:Choice>
+    <mc:Fallback xmlns="">
+      <p:transition spd="slow">
+        <p:fade/>
+      </p:transition>
+    </mc:Fallback>
+  </mc:AlternateContent>
+</p:sld>
+</file>
+
+<file path=ppt/slides/slide3.xml><?xml version="1.0" encoding="utf-8"?>
+<p:sld xmlns:a="http://schemas.openxmlformats.org/drawingml/2006/main" xmlns:r="http://schemas.openxmlformats.org/officeDocument/2006/relationships" xmlns:p="http://schemas.openxmlformats.org/presentationml/2006/main">
+  <p:cSld>
+    <p:bg>
+      <p:bgPr>
+        <a:gradFill>
+          <a:gsLst>
+            <a:gs pos="0">
+              <a:schemeClr val="tx1"/>
+            </a:gs>
+            <a:gs pos="75000">
+              <a:schemeClr val="accent1">
+                <a:lumMod val="95000"/>
+                <a:lumOff val="5000"/>
+              </a:schemeClr>
+            </a:gs>
+            <a:gs pos="100000">
+              <a:schemeClr val="accent1">
+                <a:lumMod val="60000"/>
+              </a:schemeClr>
+            </a:gs>
+          </a:gsLst>
+          <a:path path="circle">
+            <a:fillToRect l="50000" t="130000" r="50000" b="-30000"/>
+          </a:path>
+        </a:gradFill>
+        <a:effectLst/>
+      </p:bgPr>
+    </p:bg>
+    <p:spTree>
+      <p:nvGrpSpPr>
+        <p:cNvPr id="1" name=""/>
+        <p:cNvGrpSpPr/>
+        <p:nvPr/>
+      </p:nvGrpSpPr>
+      <p:grpSpPr>
+        <a:xfrm>
+          <a:off x="0" y="0"/>
+          <a:ext cx="0" cy="0"/>
+          <a:chOff x="0" y="0"/>
+          <a:chExt cx="0" cy="0"/>
+        </a:xfrm>
+      </p:grpSpPr>
+      <p:pic>
+        <p:nvPicPr>
+          <p:cNvPr id="3" name="!!圖1">
+            <a:extLst>
+              <a:ext uri="{FF2B5EF4-FFF2-40B4-BE49-F238E27FC236}">
+                <a16:creationId xmlns:a16="http://schemas.microsoft.com/office/drawing/2014/main" id="{9080E187-4436-0FFC-5FEF-2AF8D1F50E59}"/>
+              </a:ext>
+            </a:extLst>
+          </p:cNvPr>
+          <p:cNvPicPr>
+            <a:picLocks noChangeAspect="1"/>
+          </p:cNvPicPr>
+          <p:nvPr/>
+        </p:nvPicPr>
+        <p:blipFill>
+          <a:blip r:embed="rId3"/>
+          <a:stretch>
+            <a:fillRect/>
+          </a:stretch>
+        </p:blipFill>
+        <p:spPr>
+          <a:xfrm>
+            <a:off x="848138" y="848138"/>
+            <a:ext cx="6009861" cy="6009861"/>
+          </a:xfrm>
+          <a:prstGeom prst="rect">
+            <a:avLst/>
+          </a:prstGeom>
+        </p:spPr>
+      </p:pic>
+      <p:sp>
+        <p:nvSpPr>
+          <p:cNvPr id="5" name="文字方塊 4">
+            <a:extLst>
+              <a:ext uri="{FF2B5EF4-FFF2-40B4-BE49-F238E27FC236}">
+                <a16:creationId xmlns:a16="http://schemas.microsoft.com/office/drawing/2014/main" id="{1F0588D2-31AF-7FB7-0B93-17B08FF92FF8}"/>
+              </a:ext>
+            </a:extLst>
+          </p:cNvPr>
+          <p:cNvSpPr txBox="1"/>
+          <p:nvPr/>
+        </p:nvSpPr>
+        <p:spPr>
+          <a:xfrm>
+            <a:off x="742121" y="159026"/>
+            <a:ext cx="6255027" cy="707886"/>
+          </a:xfrm>
+          <a:prstGeom prst="rect">
+            <a:avLst/>
+          </a:prstGeom>
+          <a:solidFill>
+            <a:schemeClr val="accent2"/>
+          </a:solidFill>
+        </p:spPr>
+        <p:txBody>
+          <a:bodyPr wrap="square">
+            <a:spAutoFit/>
+          </a:bodyPr>
+          <a:lstStyle/>
+          <a:p>
+            <a:r>
+              <a:rPr lang="en-US" altLang="zh-TW" sz="4000" dirty="0">
+                <a:solidFill>
+                  <a:srgbClr val="002060"/>
+                </a:solidFill>
+              </a:rPr>
+              <a:t>1. </a:t>
+            </a:r>
+            <a:r>
+              <a:rPr lang="zh-TW" altLang="en-US" sz="4000" dirty="0">
+                <a:solidFill>
+                  <a:srgbClr val="002060"/>
+                </a:solidFill>
+              </a:rPr>
+              <a:t>目標</a:t>
+            </a:r>
+            <a:r>
+              <a:rPr lang="zh-TW" altLang="en-US" dirty="0">
+                <a:solidFill>
+                  <a:srgbClr val="002060"/>
+                </a:solidFill>
+              </a:rPr>
+              <a:t>：</a:t>
+            </a:r>
+            <a:r>
+              <a:rPr lang="zh-TW" altLang="en-US" sz="4000" dirty="0">
+                <a:solidFill>
+                  <a:srgbClr val="002060"/>
+                </a:solidFill>
+              </a:rPr>
+              <a:t>體驗滑雪</a:t>
+            </a:r>
+          </a:p>
+        </p:txBody>
+      </p:sp>
+    </p:spTree>
+    <p:extLst>
+      <p:ext uri="{BB962C8B-B14F-4D97-AF65-F5344CB8AC3E}">
+        <p14:creationId xmlns:p14="http://schemas.microsoft.com/office/powerpoint/2010/main" val="2792765030"/>
+      </p:ext>
+    </p:extLst>
+  </p:cSld>
+  <p:clrMapOvr>
+    <a:masterClrMapping/>
+  </p:clrMapOvr>
+</p:sld>
+</file>
+
+<file path=ppt/slides/slide4.xml><?xml version="1.0" encoding="utf-8"?>
+<p:sld xmlns:a="http://schemas.openxmlformats.org/drawingml/2006/main" xmlns:r="http://schemas.openxmlformats.org/officeDocument/2006/relationships" xmlns:p="http://schemas.openxmlformats.org/presentationml/2006/main">
+  <p:cSld>
+    <p:bg>
+      <p:bgPr>
+        <a:gradFill>
+          <a:gsLst>
+            <a:gs pos="0">
+              <a:schemeClr val="tx1"/>
+            </a:gs>
+            <a:gs pos="75000">
+              <a:schemeClr val="accent1">
+                <a:lumMod val="95000"/>
+                <a:lumOff val="5000"/>
+              </a:schemeClr>
+            </a:gs>
+            <a:gs pos="100000">
+              <a:schemeClr val="accent1">
+                <a:lumMod val="60000"/>
+              </a:schemeClr>
+            </a:gs>
+          </a:gsLst>
+          <a:path path="circle">
+            <a:fillToRect l="50000" t="130000" r="50000" b="-30000"/>
+          </a:path>
+        </a:gradFill>
+        <a:effectLst/>
+      </p:bgPr>
+    </p:bg>
+    <p:spTree>
+      <p:nvGrpSpPr>
+        <p:cNvPr id="1" name=""/>
+        <p:cNvGrpSpPr/>
+        <p:nvPr/>
+      </p:nvGrpSpPr>
+      <p:grpSpPr>
+        <a:xfrm>
+          <a:off x="0" y="0"/>
+          <a:ext cx="0" cy="0"/>
+          <a:chOff x="0" y="0"/>
+          <a:chExt cx="0" cy="0"/>
+        </a:xfrm>
+      </p:grpSpPr>
+      <p:pic>
+        <p:nvPicPr>
+          <p:cNvPr id="3" name="!!P2">
+            <a:extLst>
+              <a:ext uri="{FF2B5EF4-FFF2-40B4-BE49-F238E27FC236}">
+                <a16:creationId xmlns:a16="http://schemas.microsoft.com/office/drawing/2014/main" id="{77A6D1EB-37C2-0E44-1C45-997FD5AD594F}"/>
+              </a:ext>
+            </a:extLst>
+          </p:cNvPr>
+          <p:cNvPicPr>
+            <a:picLocks noChangeAspect="1"/>
+          </p:cNvPicPr>
+          <p:nvPr/>
+        </p:nvPicPr>
+        <p:blipFill>
+          <a:blip r:embed="rId3"/>
+          <a:stretch>
+            <a:fillRect/>
+          </a:stretch>
+        </p:blipFill>
+        <p:spPr>
+          <a:xfrm>
+            <a:off x="0" y="0"/>
+            <a:ext cx="6858000" cy="6858000"/>
+          </a:xfrm>
+          <a:prstGeom prst="rect">
+            <a:avLst/>
+          </a:prstGeom>
+        </p:spPr>
+      </p:pic>
+    </p:spTree>
+    <p:extLst>
+      <p:ext uri="{BB962C8B-B14F-4D97-AF65-F5344CB8AC3E}">
+        <p14:creationId xmlns:p14="http://schemas.microsoft.com/office/powerpoint/2010/main" val="1512115034"/>
+      </p:ext>
+    </p:extLst>
+  </p:cSld>
+  <p:clrMapOvr>
+    <a:masterClrMapping/>
+  </p:clrMapOvr>
+</p:sld>
+</file>
+
+<file path=ppt/slides/slide5.xml><?xml version="1.0" encoding="utf-8"?>
+<p:sld xmlns:a="http://schemas.openxmlformats.org/drawingml/2006/main" xmlns:r="http://schemas.openxmlformats.org/officeDocument/2006/relationships" xmlns:p="http://schemas.openxmlformats.org/presentationml/2006/main">
+  <p:cSld>
+    <p:bg>
+      <p:bgPr>
+        <a:gradFill>
+          <a:gsLst>
+            <a:gs pos="0">
+              <a:schemeClr val="tx1"/>
+            </a:gs>
+            <a:gs pos="75000">
+              <a:schemeClr val="accent1">
+                <a:lumMod val="95000"/>
+                <a:lumOff val="5000"/>
+              </a:schemeClr>
+            </a:gs>
+            <a:gs pos="100000">
+              <a:schemeClr val="accent1">
+                <a:lumMod val="60000"/>
+              </a:schemeClr>
+            </a:gs>
+          </a:gsLst>
+          <a:path path="circle">
+            <a:fillToRect l="50000" t="130000" r="50000" b="-30000"/>
+          </a:path>
+        </a:gradFill>
+        <a:effectLst/>
+      </p:bgPr>
+    </p:bg>
+    <p:spTree>
+      <p:nvGrpSpPr>
+        <p:cNvPr id="1" name=""/>
+        <p:cNvGrpSpPr/>
+        <p:nvPr/>
+      </p:nvGrpSpPr>
+      <p:grpSpPr>
+        <a:xfrm>
+          <a:off x="0" y="0"/>
+          <a:ext cx="0" cy="0"/>
+          <a:chOff x="0" y="0"/>
+          <a:chExt cx="0" cy="0"/>
+        </a:xfrm>
+      </p:grpSpPr>
+      <p:pic>
+        <p:nvPicPr>
+          <p:cNvPr id="3" name="!!P2">
+            <a:extLst>
+              <a:ext uri="{FF2B5EF4-FFF2-40B4-BE49-F238E27FC236}">
+                <a16:creationId xmlns:a16="http://schemas.microsoft.com/office/drawing/2014/main" id="{1EE0DD60-0028-10BB-1E24-912F5D8CA4D3}"/>
+              </a:ext>
+            </a:extLst>
+          </p:cNvPr>
+          <p:cNvPicPr>
+            <a:picLocks noChangeAspect="1"/>
+          </p:cNvPicPr>
+          <p:nvPr/>
+        </p:nvPicPr>
+        <p:blipFill>
+          <a:blip r:embed="rId3"/>
+          <a:stretch>
+            <a:fillRect/>
+          </a:stretch>
+        </p:blipFill>
+        <p:spPr>
+          <a:xfrm>
+            <a:off x="0" y="0"/>
+            <a:ext cx="6858000" cy="6858000"/>
+          </a:xfrm>
+          <a:prstGeom prst="rect">
+            <a:avLst/>
+          </a:prstGeom>
+        </p:spPr>
+      </p:pic>
+    </p:spTree>
+    <p:extLst>
+      <p:ext uri="{BB962C8B-B14F-4D97-AF65-F5344CB8AC3E}">
+        <p14:creationId xmlns:p14="http://schemas.microsoft.com/office/powerpoint/2010/main" val="374792334"/>
+      </p:ext>
+    </p:extLst>
+  </p:cSld>
+  <p:clrMapOvr>
+    <a:masterClrMapping/>
+  </p:clrMapOvr>
+</p:sld>
+</file>
+
+<file path=ppt/slides/slide6.xml><?xml version="1.0" encoding="utf-8"?>
+<p:sld xmlns:a="http://schemas.openxmlformats.org/drawingml/2006/main" xmlns:r="http://schemas.openxmlformats.org/officeDocument/2006/relationships" xmlns:p="http://schemas.openxmlformats.org/presentationml/2006/main">
+  <p:cSld>
+    <p:bg>
+      <p:bgPr>
+        <a:gradFill>
+          <a:gsLst>
+            <a:gs pos="0">
+              <a:schemeClr val="tx1"/>
+            </a:gs>
+            <a:gs pos="75000">
+              <a:schemeClr val="accent1">
+                <a:lumMod val="95000"/>
+                <a:lumOff val="5000"/>
+              </a:schemeClr>
+            </a:gs>
+            <a:gs pos="100000">
+              <a:schemeClr val="accent1">
+                <a:lumMod val="60000"/>
+              </a:schemeClr>
+            </a:gs>
+          </a:gsLst>
+          <a:path path="circle">
+            <a:fillToRect l="50000" t="130000" r="50000" b="-30000"/>
+          </a:path>
+        </a:gradFill>
+        <a:effectLst/>
+      </p:bgPr>
+    </p:bg>
+    <p:spTree>
+      <p:nvGrpSpPr>
+        <p:cNvPr id="1" name=""/>
+        <p:cNvGrpSpPr/>
+        <p:nvPr/>
+      </p:nvGrpSpPr>
+      <p:grpSpPr>
+        <a:xfrm>
+          <a:off x="0" y="0"/>
+          <a:ext cx="0" cy="0"/>
+          <a:chOff x="0" y="0"/>
+          <a:chExt cx="0" cy="0"/>
+        </a:xfrm>
+      </p:grpSpPr>
+      <p:pic>
+        <p:nvPicPr>
+          <p:cNvPr id="3" name="圖片 2">
+            <a:extLst>
+              <a:ext uri="{FF2B5EF4-FFF2-40B4-BE49-F238E27FC236}">
+                <a16:creationId xmlns:a16="http://schemas.microsoft.com/office/drawing/2014/main" id="{88A1DF7B-5102-A791-2809-0DABD95015C7}"/>
+              </a:ext>
+            </a:extLst>
+          </p:cNvPr>
+          <p:cNvPicPr>
+            <a:picLocks noChangeAspect="1"/>
+          </p:cNvPicPr>
+          <p:nvPr/>
+        </p:nvPicPr>
+        <p:blipFill>
+          <a:blip r:embed="rId3"/>
+          <a:stretch>
+            <a:fillRect/>
+          </a:stretch>
+        </p:blipFill>
+        <p:spPr>
+          <a:xfrm>
+            <a:off x="0" y="0"/>
+            <a:ext cx="6858000" cy="6858000"/>
+          </a:xfrm>
+          <a:prstGeom prst="rect">
+            <a:avLst/>
+          </a:prstGeom>
+        </p:spPr>
+      </p:pic>
+    </p:spTree>
+    <p:extLst>
+      <p:ext uri="{BB962C8B-B14F-4D97-AF65-F5344CB8AC3E}">
+        <p14:creationId xmlns:p14="http://schemas.microsoft.com/office/powerpoint/2010/main" val="1144442507"/>
+      </p:ext>
+    </p:extLst>
+  </p:cSld>
+  <p:clrMapOvr>
+    <a:masterClrMapping/>
+  </p:clrMapOvr>
+</p:sld>
+</file>
+
+<file path=ppt/slides/slide7.xml><?xml version="1.0" encoding="utf-8"?>
+<p:sld xmlns:a="http://schemas.openxmlformats.org/drawingml/2006/main" xmlns:r="http://schemas.openxmlformats.org/officeDocument/2006/relationships" xmlns:p="http://schemas.openxmlformats.org/presentationml/2006/main">
+  <p:cSld>
+    <p:bg>
+      <p:bgPr>
+        <a:gradFill>
+          <a:gsLst>
+            <a:gs pos="0">
+              <a:schemeClr val="tx1"/>
+            </a:gs>
+            <a:gs pos="75000">
+              <a:schemeClr val="accent1">
+                <a:lumMod val="95000"/>
+                <a:lumOff val="5000"/>
+              </a:schemeClr>
+            </a:gs>
+            <a:gs pos="100000">
+              <a:schemeClr val="accent1">
+                <a:lumMod val="60000"/>
+              </a:schemeClr>
+            </a:gs>
+          </a:gsLst>
+          <a:path path="circle">
+            <a:fillToRect l="50000" t="130000" r="50000" b="-30000"/>
+          </a:path>
+        </a:gradFill>
+        <a:effectLst/>
+      </p:bgPr>
+    </p:bg>
+    <p:spTree>
+      <p:nvGrpSpPr>
+        <p:cNvPr id="1" name=""/>
+        <p:cNvGrpSpPr/>
+        <p:nvPr/>
+      </p:nvGrpSpPr>
+      <p:grpSpPr>
+        <a:xfrm>
+          <a:off x="0" y="0"/>
+          <a:ext cx="0" cy="0"/>
+          <a:chOff x="0" y="0"/>
+          <a:chExt cx="0" cy="0"/>
+        </a:xfrm>
+      </p:grpSpPr>
+      <p:pic>
+        <p:nvPicPr>
+          <p:cNvPr id="3" name="圖片 2">
+            <a:extLst>
+              <a:ext uri="{FF2B5EF4-FFF2-40B4-BE49-F238E27FC236}">
+                <a16:creationId xmlns:a16="http://schemas.microsoft.com/office/drawing/2014/main" id="{90E74A05-D5B4-FAA6-1A61-2FC9839DA467}"/>
+              </a:ext>
+            </a:extLst>
+          </p:cNvPr>
+          <p:cNvPicPr>
+            <a:picLocks noChangeAspect="1"/>
+          </p:cNvPicPr>
+          <p:nvPr/>
+        </p:nvPicPr>
+        <p:blipFill>
+          <a:blip r:embed="rId3"/>
+          <a:stretch>
+            <a:fillRect/>
+          </a:stretch>
+        </p:blipFill>
+        <p:spPr>
+          <a:xfrm>
+            <a:off x="755374" y="755374"/>
+            <a:ext cx="6102626" cy="6102626"/>
+          </a:xfrm>
+          <a:prstGeom prst="rect">
+            <a:avLst/>
+          </a:prstGeom>
+        </p:spPr>
+      </p:pic>
+      <p:sp>
+        <p:nvSpPr>
+          <p:cNvPr id="4" name="矩形 3">
+            <a:extLst>
+              <a:ext uri="{FF2B5EF4-FFF2-40B4-BE49-F238E27FC236}">
+                <a16:creationId xmlns:a16="http://schemas.microsoft.com/office/drawing/2014/main" id="{F0389079-0085-5AB2-192E-8EC95A3F954D}"/>
+              </a:ext>
+            </a:extLst>
+          </p:cNvPr>
+          <p:cNvSpPr/>
+          <p:nvPr/>
+        </p:nvSpPr>
+        <p:spPr>
+          <a:xfrm>
+            <a:off x="662610" y="0"/>
+            <a:ext cx="6195390" cy="707886"/>
+          </a:xfrm>
+          <a:prstGeom prst="rect">
+            <a:avLst/>
+          </a:prstGeom>
+          <a:noFill/>
+        </p:spPr>
+        <p:txBody>
+          <a:bodyPr wrap="square" lIns="91440" tIns="45720" rIns="91440" bIns="45720">
+            <a:spAutoFit/>
+          </a:bodyPr>
+          <a:lstStyle/>
+          <a:p>
+            <a:pPr algn="ctr"/>
+            <a:r>
+              <a:rPr lang="en-US" altLang="zh-TW" sz="4000" b="1" cap="none" spc="0" dirty="0">
+                <a:ln w="12700">
+                  <a:solidFill>
+                    <a:schemeClr val="tx2">
+                      <a:satMod val="155000"/>
+                    </a:schemeClr>
+                  </a:solidFill>
+                  <a:prstDash val="solid"/>
+                </a:ln>
+                <a:solidFill>
+                  <a:schemeClr val="bg2">
+                    <a:tint val="85000"/>
+                    <a:satMod val="155000"/>
+                  </a:schemeClr>
+                </a:solidFill>
+                <a:effectLst>
+                  <a:outerShdw blurRad="41275" dist="20320" dir="1800000" algn="tl" rotWithShape="0">
+                    <a:srgbClr val="000000">
+                      <a:alpha val="40000"/>
+                    </a:srgbClr>
+                  </a:outerShdw>
+                </a:effectLst>
+              </a:rPr>
+              <a:t>2.</a:t>
+            </a:r>
+            <a:r>
+              <a:rPr lang="zh-TW" altLang="en-US" sz="4000" b="1" cap="none" spc="0" dirty="0">
+                <a:ln w="12700">
+                  <a:solidFill>
+                    <a:schemeClr val="tx2">
+                      <a:satMod val="155000"/>
+                    </a:schemeClr>
+                  </a:solidFill>
+                  <a:prstDash val="solid"/>
+                </a:ln>
+                <a:solidFill>
+                  <a:schemeClr val="bg2">
+                    <a:tint val="85000"/>
+                    <a:satMod val="155000"/>
+                  </a:schemeClr>
+                </a:solidFill>
+                <a:effectLst>
+                  <a:outerShdw blurRad="41275" dist="20320" dir="1800000" algn="tl" rotWithShape="0">
+                    <a:srgbClr val="000000">
+                      <a:alpha val="40000"/>
+                    </a:srgbClr>
+                  </a:outerShdw>
+                </a:effectLst>
+              </a:rPr>
+              <a:t>阻礙：我沒滑過雪</a:t>
+            </a:r>
+          </a:p>
+        </p:txBody>
+      </p:sp>
+    </p:spTree>
+    <p:extLst>
+      <p:ext uri="{BB962C8B-B14F-4D97-AF65-F5344CB8AC3E}">
+        <p14:creationId xmlns:p14="http://schemas.microsoft.com/office/powerpoint/2010/main" val="2273321975"/>
+      </p:ext>
+    </p:extLst>
+  </p:cSld>
+  <p:clrMapOvr>
+    <a:masterClrMapping/>
+  </p:clrMapOvr>
+</p:sld>
+</file>
+
+<file path=ppt/slides/slide8.xml><?xml version="1.0" encoding="utf-8"?>
+<p:sld xmlns:a="http://schemas.openxmlformats.org/drawingml/2006/main" xmlns:r="http://schemas.openxmlformats.org/officeDocument/2006/relationships" xmlns:p="http://schemas.openxmlformats.org/presentationml/2006/main">
+  <p:cSld>
+    <p:bg>
+      <p:bgPr>
+        <a:gradFill>
+          <a:gsLst>
+            <a:gs pos="0">
+              <a:schemeClr val="tx1"/>
+            </a:gs>
+            <a:gs pos="75000">
+              <a:schemeClr val="accent1">
+                <a:lumMod val="95000"/>
+                <a:lumOff val="5000"/>
+              </a:schemeClr>
+            </a:gs>
+            <a:gs pos="100000">
+              <a:schemeClr val="accent1">
+                <a:lumMod val="60000"/>
+              </a:schemeClr>
+            </a:gs>
+          </a:gsLst>
+          <a:path path="circle">
+            <a:fillToRect l="50000" t="130000" r="50000" b="-30000"/>
+          </a:path>
+        </a:gradFill>
+        <a:effectLst/>
+      </p:bgPr>
+    </p:bg>
+    <p:spTree>
+      <p:nvGrpSpPr>
+        <p:cNvPr id="1" name=""/>
+        <p:cNvGrpSpPr/>
+        <p:nvPr/>
+      </p:nvGrpSpPr>
+      <p:grpSpPr>
+        <a:xfrm>
+          <a:off x="0" y="0"/>
+          <a:ext cx="0" cy="0"/>
+          <a:chOff x="0" y="0"/>
+          <a:chExt cx="0" cy="0"/>
+        </a:xfrm>
+      </p:grpSpPr>
+      <p:pic>
+        <p:nvPicPr>
+          <p:cNvPr id="3" name="圖片 2">
+            <a:extLst>
+              <a:ext uri="{FF2B5EF4-FFF2-40B4-BE49-F238E27FC236}">
+                <a16:creationId xmlns:a16="http://schemas.microsoft.com/office/drawing/2014/main" id="{D8B53B3C-7E87-731B-FB36-57736042FF57}"/>
+              </a:ext>
+            </a:extLst>
+          </p:cNvPr>
+          <p:cNvPicPr>
+            <a:picLocks noChangeAspect="1"/>
+          </p:cNvPicPr>
+          <p:nvPr/>
+        </p:nvPicPr>
+        <p:blipFill>
+          <a:blip r:embed="rId3"/>
+          <a:stretch>
+            <a:fillRect/>
+          </a:stretch>
+        </p:blipFill>
+        <p:spPr>
+          <a:xfrm>
+            <a:off x="812069" y="919920"/>
+            <a:ext cx="5758068" cy="5758068"/>
+          </a:xfrm>
+          <a:prstGeom prst="rect">
+            <a:avLst/>
+          </a:prstGeom>
+        </p:spPr>
+      </p:pic>
+      <p:sp>
+        <p:nvSpPr>
+          <p:cNvPr id="4" name="矩形 3">
+            <a:extLst>
+              <a:ext uri="{FF2B5EF4-FFF2-40B4-BE49-F238E27FC236}">
+                <a16:creationId xmlns:a16="http://schemas.microsoft.com/office/drawing/2014/main" id="{0F8B4D41-49FA-E459-D222-EC1D3E0D796A}"/>
+              </a:ext>
+            </a:extLst>
+          </p:cNvPr>
+          <p:cNvSpPr/>
+          <p:nvPr/>
+        </p:nvSpPr>
+        <p:spPr>
+          <a:xfrm>
+            <a:off x="357809" y="212034"/>
+            <a:ext cx="6666589" cy="707886"/>
+          </a:xfrm>
+          <a:prstGeom prst="rect">
+            <a:avLst/>
+          </a:prstGeom>
+          <a:noFill/>
+        </p:spPr>
+        <p:txBody>
+          <a:bodyPr wrap="square" lIns="91440" tIns="45720" rIns="91440" bIns="45720">
+            <a:spAutoFit/>
+          </a:bodyPr>
+          <a:lstStyle/>
+          <a:p>
+            <a:pPr algn="ctr"/>
+            <a:r>
+              <a:rPr lang="en-US" altLang="zh-TW" sz="4000" b="1" cap="none" spc="0" dirty="0">
+                <a:ln w="12700">
+                  <a:solidFill>
+                    <a:schemeClr val="tx2">
+                      <a:satMod val="155000"/>
+                    </a:schemeClr>
+                  </a:solidFill>
+                  <a:prstDash val="solid"/>
+                </a:ln>
+                <a:solidFill>
+                  <a:schemeClr val="bg2">
+                    <a:tint val="85000"/>
+                    <a:satMod val="155000"/>
+                  </a:schemeClr>
+                </a:solidFill>
+                <a:effectLst>
+                  <a:outerShdw blurRad="41275" dist="20320" dir="1800000" algn="tl" rotWithShape="0">
+                    <a:srgbClr val="000000">
+                      <a:alpha val="40000"/>
+                    </a:srgbClr>
+                  </a:outerShdw>
+                </a:effectLst>
+              </a:rPr>
+              <a:t>3.</a:t>
+            </a:r>
+            <a:r>
+              <a:rPr lang="zh-TW" altLang="en-US" sz="4000" b="1" cap="none" spc="0" dirty="0">
+                <a:ln w="12700">
+                  <a:solidFill>
+                    <a:schemeClr val="tx2">
+                      <a:satMod val="155000"/>
+                    </a:schemeClr>
+                  </a:solidFill>
+                  <a:prstDash val="solid"/>
+                </a:ln>
+                <a:solidFill>
+                  <a:schemeClr val="bg2">
+                    <a:tint val="85000"/>
+                    <a:satMod val="155000"/>
+                  </a:schemeClr>
+                </a:solidFill>
+                <a:effectLst>
+                  <a:outerShdw blurRad="41275" dist="20320" dir="1800000" algn="tl" rotWithShape="0">
+                    <a:srgbClr val="000000">
+                      <a:alpha val="40000"/>
+                    </a:srgbClr>
+                  </a:outerShdw>
+                </a:effectLst>
+              </a:rPr>
+              <a:t>努力：經過短暫練習</a:t>
+            </a:r>
+          </a:p>
+        </p:txBody>
+      </p:sp>
+    </p:spTree>
+    <p:extLst>
+      <p:ext uri="{BB962C8B-B14F-4D97-AF65-F5344CB8AC3E}">
+        <p14:creationId xmlns:p14="http://schemas.microsoft.com/office/powerpoint/2010/main" val="2851782316"/>
+      </p:ext>
+    </p:extLst>
+  </p:cSld>
+  <p:clrMapOvr>
+    <a:masterClrMapping/>
+  </p:clrMapOvr>
+</p:sld>
+</file>
+
+<file path=ppt/slides/slide9.xml><?xml version="1.0" encoding="utf-8"?>
+<p:sld xmlns:a="http://schemas.openxmlformats.org/drawingml/2006/main" xmlns:r="http://schemas.openxmlformats.org/officeDocument/2006/relationships" xmlns:p="http://schemas.openxmlformats.org/presentationml/2006/main">
+  <p:cSld>
+    <p:bg>
+      <p:bgPr>
+        <a:gradFill>
+          <a:gsLst>
+            <a:gs pos="0">
+              <a:schemeClr val="tx1"/>
+            </a:gs>
+            <a:gs pos="75000">
+              <a:schemeClr val="accent1">
+                <a:lumMod val="95000"/>
+                <a:lumOff val="5000"/>
+              </a:schemeClr>
+            </a:gs>
+            <a:gs pos="100000">
+              <a:schemeClr val="accent1">
+                <a:lumMod val="60000"/>
+              </a:schemeClr>
+            </a:gs>
+          </a:gsLst>
+          <a:path path="circle">
+            <a:fillToRect l="50000" t="130000" r="50000" b="-30000"/>
+          </a:path>
+        </a:gradFill>
+        <a:effectLst/>
+      </p:bgPr>
+    </p:bg>
+    <p:spTree>
+      <p:nvGrpSpPr>
+        <p:cNvPr id="1" name=""/>
+        <p:cNvGrpSpPr/>
+        <p:nvPr/>
+      </p:nvGrpSpPr>
+      <p:grpSpPr>
+        <a:xfrm>
+          <a:off x="0" y="0"/>
+          <a:ext cx="0" cy="0"/>
+          <a:chOff x="0" y="0"/>
+          <a:chExt cx="0" cy="0"/>
+        </a:xfrm>
+      </p:grpSpPr>
+      <p:pic>
+        <p:nvPicPr>
+          <p:cNvPr id="3" name="圖片 2">
+            <a:extLst>
+              <a:ext uri="{FF2B5EF4-FFF2-40B4-BE49-F238E27FC236}">
+                <a16:creationId xmlns:a16="http://schemas.microsoft.com/office/drawing/2014/main" id="{0122323F-0759-19AB-45A9-5C347E170FD0}"/>
+              </a:ext>
+            </a:extLst>
+          </p:cNvPr>
+          <p:cNvPicPr>
+            <a:picLocks noChangeAspect="1"/>
+          </p:cNvPicPr>
+          <p:nvPr/>
+        </p:nvPicPr>
+        <p:blipFill>
+          <a:blip r:embed="rId3"/>
+          <a:stretch>
+            <a:fillRect/>
+          </a:stretch>
+        </p:blipFill>
+        <p:spPr>
+          <a:xfrm>
+            <a:off x="1166190" y="1163501"/>
+            <a:ext cx="5691809" cy="5691809"/>
+          </a:xfrm>
+          <a:prstGeom prst="rect">
+            <a:avLst/>
+          </a:prstGeom>
+        </p:spPr>
+      </p:pic>
+      <p:sp>
+        <p:nvSpPr>
+          <p:cNvPr id="4" name="文字方塊 3">
+            <a:extLst>
+              <a:ext uri="{FF2B5EF4-FFF2-40B4-BE49-F238E27FC236}">
+                <a16:creationId xmlns:a16="http://schemas.microsoft.com/office/drawing/2014/main" id="{093E00F8-06CB-6D1C-CF1F-9D34AB7D6366}"/>
+              </a:ext>
+            </a:extLst>
+          </p:cNvPr>
+          <p:cNvSpPr txBox="1"/>
+          <p:nvPr/>
+        </p:nvSpPr>
+        <p:spPr>
+          <a:xfrm>
+            <a:off x="675861" y="178616"/>
+            <a:ext cx="6970643" cy="984885"/>
+          </a:xfrm>
+          <a:prstGeom prst="rect">
+            <a:avLst/>
+          </a:prstGeom>
+          <a:noFill/>
+        </p:spPr>
+        <p:txBody>
+          <a:bodyPr wrap="square" rtlCol="0">
+            <a:spAutoFit/>
+          </a:bodyPr>
+          <a:lstStyle/>
+          <a:p>
+            <a:r>
+              <a:rPr lang="en-US" altLang="zh-TW" sz="4000" b="1" cap="none" spc="0" dirty="0">
+                <a:ln w="12700">
+                  <a:solidFill>
+                    <a:schemeClr val="tx2">
+                      <a:satMod val="155000"/>
+                    </a:schemeClr>
+                  </a:solidFill>
+                  <a:prstDash val="solid"/>
+                </a:ln>
+                <a:solidFill>
+                  <a:schemeClr val="bg2">
+                    <a:tint val="85000"/>
+                    <a:satMod val="155000"/>
+                  </a:schemeClr>
+                </a:solidFill>
+                <a:effectLst>
+                  <a:outerShdw blurRad="41275" dist="20320" dir="1800000" algn="tl" rotWithShape="0">
+                    <a:srgbClr val="000000">
+                      <a:alpha val="40000"/>
+                    </a:srgbClr>
+                  </a:outerShdw>
+                </a:effectLst>
+              </a:rPr>
+              <a:t>4.</a:t>
+            </a:r>
+            <a:r>
+              <a:rPr lang="zh-TW" altLang="en-US" sz="4000" b="1" cap="none" spc="0" dirty="0">
+                <a:ln w="12700">
+                  <a:solidFill>
+                    <a:schemeClr val="tx2">
+                      <a:satMod val="155000"/>
+                    </a:schemeClr>
+                  </a:solidFill>
+                  <a:prstDash val="solid"/>
+                </a:ln>
+                <a:solidFill>
+                  <a:schemeClr val="bg2">
+                    <a:tint val="85000"/>
+                    <a:satMod val="155000"/>
+                  </a:schemeClr>
+                </a:solidFill>
+                <a:effectLst>
+                  <a:outerShdw blurRad="41275" dist="20320" dir="1800000" algn="tl" rotWithShape="0">
+                    <a:srgbClr val="000000">
+                      <a:alpha val="40000"/>
+                    </a:srgbClr>
+                  </a:outerShdw>
+                </a:effectLst>
+              </a:rPr>
+              <a:t>結果：開始嘗試往山下滑</a:t>
+            </a:r>
+          </a:p>
+          <a:p>
+            <a:endParaRPr kumimoji="1" lang="zh-TW" altLang="en-US" dirty="0"/>
+          </a:p>
+        </p:txBody>
+      </p:sp>
+    </p:spTree>
+    <p:extLst>
+      <p:ext uri="{BB962C8B-B14F-4D97-AF65-F5344CB8AC3E}">
+        <p14:creationId xmlns:p14="http://schemas.microsoft.com/office/powerpoint/2010/main" val="730401854"/>
       </p:ext>
     </p:extLst>
   </p:cSld>
@@ -3677,4 +7235,299 @@
     </a:ext>
   </a:extLst>
 </a:theme>
+</file>
+
+<file path=ppt/theme/theme2.xml><?xml version="1.0" encoding="utf-8"?>
+<a:theme xmlns:a="http://schemas.openxmlformats.org/drawingml/2006/main" name="Office 佈景主題">
+  <a:themeElements>
+    <a:clrScheme name="Office">
+      <a:dk1>
+        <a:sysClr val="windowText" lastClr="000000"/>
+      </a:dk1>
+      <a:lt1>
+        <a:sysClr val="window" lastClr="FFFFFF"/>
+      </a:lt1>
+      <a:dk2>
+        <a:srgbClr val="44546A"/>
+      </a:dk2>
+      <a:lt2>
+        <a:srgbClr val="E7E6E6"/>
+      </a:lt2>
+      <a:accent1>
+        <a:srgbClr val="4472C4"/>
+      </a:accent1>
+      <a:accent2>
+        <a:srgbClr val="ED7D31"/>
+      </a:accent2>
+      <a:accent3>
+        <a:srgbClr val="A5A5A5"/>
+      </a:accent3>
+      <a:accent4>
+        <a:srgbClr val="FFC000"/>
+      </a:accent4>
+      <a:accent5>
+        <a:srgbClr val="5B9BD5"/>
+      </a:accent5>
+      <a:accent6>
+        <a:srgbClr val="70AD47"/>
+      </a:accent6>
+      <a:hlink>
+        <a:srgbClr val="0563C1"/>
+      </a:hlink>
+      <a:folHlink>
+        <a:srgbClr val="954F72"/>
+      </a:folHlink>
+    </a:clrScheme>
+    <a:fontScheme name="Office">
+      <a:majorFont>
+        <a:latin typeface="Calibri Light" panose="020F0302020204030204"/>
+        <a:ea typeface=""/>
+        <a:cs typeface=""/>
+        <a:font script="Jpan" typeface="游ゴシック Light"/>
+        <a:font script="Hang" typeface="맑은 고딕"/>
+        <a:font script="Hans" typeface="等线 Light"/>
+        <a:font script="Hant" typeface="新細明體"/>
+        <a:font script="Arab" typeface="Times New Roman"/>
+        <a:font script="Hebr" typeface="Times New Roman"/>
+        <a:font script="Thai" typeface="Angsana New"/>
+        <a:font script="Ethi" typeface="Nyala"/>
+        <a:font script="Beng" typeface="Vrinda"/>
+        <a:font script="Gujr" typeface="Shruti"/>
+        <a:font script="Khmr" typeface="MoolBoran"/>
+        <a:font script="Knda" typeface="Tunga"/>
+        <a:font script="Guru" typeface="Raavi"/>
+        <a:font script="Cans" typeface="Euphemia"/>
+        <a:font script="Cher" typeface="Plantagenet Cherokee"/>
+        <a:font script="Yiii" typeface="Microsoft Yi Baiti"/>
+        <a:font script="Tibt" typeface="Microsoft Himalaya"/>
+        <a:font script="Thaa" typeface="MV Boli"/>
+        <a:font script="Deva" typeface="Mangal"/>
+        <a:font script="Telu" typeface="Gautami"/>
+        <a:font script="Taml" typeface="Latha"/>
+        <a:font script="Syrc" typeface="Estrangelo Edessa"/>
+        <a:font script="Orya" typeface="Kalinga"/>
+        <a:font script="Mlym" typeface="Kartika"/>
+        <a:font script="Laoo" typeface="DokChampa"/>
+        <a:font script="Sinh" typeface="Iskoola Pota"/>
+        <a:font script="Mong" typeface="Mongolian Baiti"/>
+        <a:font script="Viet" typeface="Times New Roman"/>
+        <a:font script="Uigh" typeface="Microsoft Uighur"/>
+        <a:font script="Geor" typeface="Sylfaen"/>
+        <a:font script="Armn" typeface="Arial"/>
+        <a:font script="Bugi" typeface="Leelawadee UI"/>
+        <a:font script="Bopo" typeface="Microsoft JhengHei"/>
+        <a:font script="Java" typeface="Javanese Text"/>
+        <a:font script="Lisu" typeface="Segoe UI"/>
+        <a:font script="Mymr" typeface="Myanmar Text"/>
+        <a:font script="Nkoo" typeface="Ebrima"/>
+        <a:font script="Olck" typeface="Nirmala UI"/>
+        <a:font script="Osma" typeface="Ebrima"/>
+        <a:font script="Phag" typeface="Phagspa"/>
+        <a:font script="Syrn" typeface="Estrangelo Edessa"/>
+        <a:font script="Syrj" typeface="Estrangelo Edessa"/>
+        <a:font script="Syre" typeface="Estrangelo Edessa"/>
+        <a:font script="Sora" typeface="Nirmala UI"/>
+        <a:font script="Tale" typeface="Microsoft Tai Le"/>
+        <a:font script="Talu" typeface="Microsoft New Tai Lue"/>
+        <a:font script="Tfng" typeface="Ebrima"/>
+      </a:majorFont>
+      <a:minorFont>
+        <a:latin typeface="Calibri" panose="020F0502020204030204"/>
+        <a:ea typeface=""/>
+        <a:cs typeface=""/>
+        <a:font script="Jpan" typeface="游ゴシック"/>
+        <a:font script="Hang" typeface="맑은 고딕"/>
+        <a:font script="Hans" typeface="等线"/>
+        <a:font script="Hant" typeface="新細明體"/>
+        <a:font script="Arab" typeface="Arial"/>
+        <a:font script="Hebr" typeface="Arial"/>
+        <a:font script="Thai" typeface="Cordia New"/>
+        <a:font script="Ethi" typeface="Nyala"/>
+        <a:font script="Beng" typeface="Vrinda"/>
+        <a:font script="Gujr" typeface="Shruti"/>
+        <a:font script="Khmr" typeface="DaunPenh"/>
+        <a:font script="Knda" typeface="Tunga"/>
+        <a:font script="Guru" typeface="Raavi"/>
+        <a:font script="Cans" typeface="Euphemia"/>
+        <a:font script="Cher" typeface="Plantagenet Cherokee"/>
+        <a:font script="Yiii" typeface="Microsoft Yi Baiti"/>
+        <a:font script="Tibt" typeface="Microsoft Himalaya"/>
+        <a:font script="Thaa" typeface="MV Boli"/>
+        <a:font script="Deva" typeface="Mangal"/>
+        <a:font script="Telu" typeface="Gautami"/>
+        <a:font script="Taml" typeface="Latha"/>
+        <a:font script="Syrc" typeface="Estrangelo Edessa"/>
+        <a:font script="Orya" typeface="Kalinga"/>
+        <a:font script="Mlym" typeface="Kartika"/>
+        <a:font script="Laoo" typeface="DokChampa"/>
+        <a:font script="Sinh" typeface="Iskoola Pota"/>
+        <a:font script="Mong" typeface="Mongolian Baiti"/>
+        <a:font script="Viet" typeface="Arial"/>
+        <a:font script="Uigh" typeface="Microsoft Uighur"/>
+        <a:font script="Geor" typeface="Sylfaen"/>
+        <a:font script="Armn" typeface="Arial"/>
+        <a:font script="Bugi" typeface="Leelawadee UI"/>
+        <a:font script="Bopo" typeface="Microsoft JhengHei"/>
+        <a:font script="Java" typeface="Javanese Text"/>
+        <a:font script="Lisu" typeface="Segoe UI"/>
+        <a:font script="Mymr" typeface="Myanmar Text"/>
+        <a:font script="Nkoo" typeface="Ebrima"/>
+        <a:font script="Olck" typeface="Nirmala UI"/>
+        <a:font script="Osma" typeface="Ebrima"/>
+        <a:font script="Phag" typeface="Phagspa"/>
+        <a:font script="Syrn" typeface="Estrangelo Edessa"/>
+        <a:font script="Syrj" typeface="Estrangelo Edessa"/>
+        <a:font script="Syre" typeface="Estrangelo Edessa"/>
+        <a:font script="Sora" typeface="Nirmala UI"/>
+        <a:font script="Tale" typeface="Microsoft Tai Le"/>
+        <a:font script="Talu" typeface="Microsoft New Tai Lue"/>
+        <a:font script="Tfng" typeface="Ebrima"/>
+      </a:minorFont>
+    </a:fontScheme>
+    <a:fmtScheme name="Office">
+      <a:fillStyleLst>
+        <a:solidFill>
+          <a:schemeClr val="phClr"/>
+        </a:solidFill>
+        <a:gradFill rotWithShape="1">
+          <a:gsLst>
+            <a:gs pos="0">
+              <a:schemeClr val="phClr">
+                <a:lumMod val="110000"/>
+                <a:satMod val="105000"/>
+                <a:tint val="67000"/>
+              </a:schemeClr>
+            </a:gs>
+            <a:gs pos="50000">
+              <a:schemeClr val="phClr">
+                <a:lumMod val="105000"/>
+                <a:satMod val="103000"/>
+                <a:tint val="73000"/>
+              </a:schemeClr>
+            </a:gs>
+            <a:gs pos="100000">
+              <a:schemeClr val="phClr">
+                <a:lumMod val="105000"/>
+                <a:satMod val="109000"/>
+                <a:tint val="81000"/>
+              </a:schemeClr>
+            </a:gs>
+          </a:gsLst>
+          <a:lin ang="5400000" scaled="0"/>
+        </a:gradFill>
+        <a:gradFill rotWithShape="1">
+          <a:gsLst>
+            <a:gs pos="0">
+              <a:schemeClr val="phClr">
+                <a:satMod val="103000"/>
+                <a:lumMod val="102000"/>
+                <a:tint val="94000"/>
+              </a:schemeClr>
+            </a:gs>
+            <a:gs pos="50000">
+              <a:schemeClr val="phClr">
+                <a:satMod val="110000"/>
+                <a:lumMod val="100000"/>
+                <a:shade val="100000"/>
+              </a:schemeClr>
+            </a:gs>
+            <a:gs pos="100000">
+              <a:schemeClr val="phClr">
+                <a:lumMod val="99000"/>
+                <a:satMod val="120000"/>
+                <a:shade val="78000"/>
+              </a:schemeClr>
+            </a:gs>
+          </a:gsLst>
+          <a:lin ang="5400000" scaled="0"/>
+        </a:gradFill>
+      </a:fillStyleLst>
+      <a:lnStyleLst>
+        <a:ln w="6350" cap="flat" cmpd="sng" algn="ctr">
+          <a:solidFill>
+            <a:schemeClr val="phClr"/>
+          </a:solidFill>
+          <a:prstDash val="solid"/>
+          <a:miter lim="800000"/>
+        </a:ln>
+        <a:ln w="12700" cap="flat" cmpd="sng" algn="ctr">
+          <a:solidFill>
+            <a:schemeClr val="phClr"/>
+          </a:solidFill>
+          <a:prstDash val="solid"/>
+          <a:miter lim="800000"/>
+        </a:ln>
+        <a:ln w="19050" cap="flat" cmpd="sng" algn="ctr">
+          <a:solidFill>
+            <a:schemeClr val="phClr"/>
+          </a:solidFill>
+          <a:prstDash val="solid"/>
+          <a:miter lim="800000"/>
+        </a:ln>
+      </a:lnStyleLst>
+      <a:effectStyleLst>
+        <a:effectStyle>
+          <a:effectLst/>
+        </a:effectStyle>
+        <a:effectStyle>
+          <a:effectLst/>
+        </a:effectStyle>
+        <a:effectStyle>
+          <a:effectLst>
+            <a:outerShdw blurRad="57150" dist="19050" dir="5400000" algn="ctr" rotWithShape="0">
+              <a:srgbClr val="000000">
+                <a:alpha val="63000"/>
+              </a:srgbClr>
+            </a:outerShdw>
+          </a:effectLst>
+        </a:effectStyle>
+      </a:effectStyleLst>
+      <a:bgFillStyleLst>
+        <a:solidFill>
+          <a:schemeClr val="phClr"/>
+        </a:solidFill>
+        <a:solidFill>
+          <a:schemeClr val="phClr">
+            <a:tint val="95000"/>
+            <a:satMod val="170000"/>
+          </a:schemeClr>
+        </a:solidFill>
+        <a:gradFill rotWithShape="1">
+          <a:gsLst>
+            <a:gs pos="0">
+              <a:schemeClr val="phClr">
+                <a:tint val="93000"/>
+                <a:satMod val="150000"/>
+                <a:shade val="98000"/>
+                <a:lumMod val="102000"/>
+              </a:schemeClr>
+            </a:gs>
+            <a:gs pos="50000">
+              <a:schemeClr val="phClr">
+                <a:tint val="98000"/>
+                <a:satMod val="130000"/>
+                <a:shade val="90000"/>
+                <a:lumMod val="103000"/>
+              </a:schemeClr>
+            </a:gs>
+            <a:gs pos="100000">
+              <a:schemeClr val="phClr">
+                <a:shade val="63000"/>
+                <a:satMod val="120000"/>
+              </a:schemeClr>
+            </a:gs>
+          </a:gsLst>
+          <a:lin ang="5400000" scaled="0"/>
+        </a:gradFill>
+      </a:bgFillStyleLst>
+    </a:fmtScheme>
+  </a:themeElements>
+  <a:objectDefaults/>
+  <a:extraClrSchemeLst/>
+  <a:extLst>
+    <a:ext uri="{05A4C25C-085E-4340-85A3-A5531E510DB2}">
+      <thm15:themeFamily xmlns:thm15="http://schemas.microsoft.com/office/thememl/2012/main" name="Office Theme" id="{62F939B6-93AF-4DB8-9C6B-D6C7DFDC589F}" vid="{4A3C46E8-61CC-4603-A589-7422A47A8E4A}"/>
+    </a:ext>
+  </a:extLst>
+</a:theme>
 </file>